--- a/INR&PE.pptx
+++ b/INR&PE.pptx
@@ -24,6 +24,7 @@
     <p:sldId id="272" r:id="rId18"/>
     <p:sldId id="273" r:id="rId19"/>
     <p:sldId id="274" r:id="rId20"/>
+    <p:sldId id="275" r:id="rId21"/>
   </p:sldIdLst>
   <p:sldSz cx="12192000" cy="6858000"/>
   <p:notesSz cx="6858000" cy="9144000"/>
@@ -7908,6 +7909,298 @@
 </p:sld>
 </file>
 
+<file path=ppt/slides/slide20.xml><?xml version="1.0" encoding="utf-8"?>
+<p:sld xmlns:a="http://schemas.openxmlformats.org/drawingml/2006/main" xmlns:r="http://schemas.openxmlformats.org/officeDocument/2006/relationships" xmlns:p="http://schemas.openxmlformats.org/presentationml/2006/main">
+  <p:cSld>
+    <p:spTree>
+      <p:nvGrpSpPr>
+        <p:cNvPr id="1" name=""/>
+        <p:cNvGrpSpPr/>
+        <p:nvPr/>
+      </p:nvGrpSpPr>
+      <p:grpSpPr>
+        <a:xfrm>
+          <a:off x="0" y="0"/>
+          <a:ext cx="0" cy="0"/>
+          <a:chOff x="0" y="0"/>
+          <a:chExt cx="0" cy="0"/>
+        </a:xfrm>
+      </p:grpSpPr>
+      <p:sp>
+        <p:nvSpPr>
+          <p:cNvPr id="2" name="Title 1">
+            <a:extLst>
+              <a:ext uri="{FF2B5EF4-FFF2-40B4-BE49-F238E27FC236}">
+                <a16:creationId xmlns:a16="http://schemas.microsoft.com/office/drawing/2014/main" id="{4C1CA328-6BA5-23D9-825F-AB7EDE936D4F}"/>
+              </a:ext>
+            </a:extLst>
+          </p:cNvPr>
+          <p:cNvSpPr>
+            <a:spLocks noGrp="1"/>
+          </p:cNvSpPr>
+          <p:nvPr>
+            <p:ph type="title"/>
+          </p:nvPr>
+        </p:nvSpPr>
+        <p:spPr/>
+        <p:txBody>
+          <a:bodyPr/>
+          <a:lstStyle/>
+          <a:p>
+            <a:r>
+              <a:rPr lang="en-US" altLang="zh-CN" dirty="0">
+                <a:latin typeface="Calibri" panose="020F0502020204030204" pitchFamily="34" charset="0"/>
+                <a:ea typeface="Calibri" panose="020F0502020204030204" pitchFamily="34" charset="0"/>
+                <a:cs typeface="Calibri" panose="020F0502020204030204" pitchFamily="34" charset="0"/>
+              </a:rPr>
+              <a:t>Result of solving PDEs</a:t>
+            </a:r>
+            <a:endParaRPr lang="zh-CN" altLang="en-US" dirty="0"/>
+          </a:p>
+        </p:txBody>
+      </p:sp>
+      <p:pic>
+        <p:nvPicPr>
+          <p:cNvPr id="5" name="Picture 4">
+            <a:extLst>
+              <a:ext uri="{FF2B5EF4-FFF2-40B4-BE49-F238E27FC236}">
+                <a16:creationId xmlns:a16="http://schemas.microsoft.com/office/drawing/2014/main" id="{389AEE35-E6A8-A9AE-0A28-E2CC21265902}"/>
+              </a:ext>
+            </a:extLst>
+          </p:cNvPr>
+          <p:cNvPicPr>
+            <a:picLocks noChangeAspect="1"/>
+          </p:cNvPicPr>
+          <p:nvPr/>
+        </p:nvPicPr>
+        <p:blipFill>
+          <a:blip r:embed="rId2"/>
+          <a:stretch>
+            <a:fillRect/>
+          </a:stretch>
+        </p:blipFill>
+        <p:spPr>
+          <a:xfrm>
+            <a:off x="1308708" y="2123163"/>
+            <a:ext cx="9337339" cy="4230983"/>
+          </a:xfrm>
+          <a:prstGeom prst="rect">
+            <a:avLst/>
+          </a:prstGeom>
+        </p:spPr>
+      </p:pic>
+      <p:sp>
+        <p:nvSpPr>
+          <p:cNvPr id="3" name="TextBox 2">
+            <a:extLst>
+              <a:ext uri="{FF2B5EF4-FFF2-40B4-BE49-F238E27FC236}">
+                <a16:creationId xmlns:a16="http://schemas.microsoft.com/office/drawing/2014/main" id="{E66D880A-FA1E-F3F1-58A5-8A728917F4FE}"/>
+              </a:ext>
+            </a:extLst>
+          </p:cNvPr>
+          <p:cNvSpPr txBox="1"/>
+          <p:nvPr/>
+        </p:nvSpPr>
+        <p:spPr>
+          <a:xfrm>
+            <a:off x="1376413" y="1463040"/>
+            <a:ext cx="9750391" cy="646331"/>
+          </a:xfrm>
+          <a:prstGeom prst="rect">
+            <a:avLst/>
+          </a:prstGeom>
+          <a:noFill/>
+        </p:spPr>
+        <p:txBody>
+          <a:bodyPr wrap="square" rtlCol="0">
+            <a:spAutoFit/>
+          </a:bodyPr>
+          <a:lstStyle/>
+          <a:p>
+            <a:r>
+              <a:rPr lang="en-US" altLang="zh-CN" dirty="0" err="1">
+                <a:latin typeface="微软雅黑" panose="020B0503020204020204" pitchFamily="34" charset="-122"/>
+                <a:ea typeface="微软雅黑" panose="020B0503020204020204" pitchFamily="34" charset="-122"/>
+                <a:cs typeface="Calibri" panose="020F0502020204030204" pitchFamily="34" charset="0"/>
+              </a:rPr>
+              <a:t>Torch.grad.autograd</a:t>
+            </a:r>
+            <a:r>
+              <a:rPr lang="en-US" altLang="zh-CN" dirty="0">
+                <a:latin typeface="微软雅黑" panose="020B0503020204020204" pitchFamily="34" charset="-122"/>
+                <a:ea typeface="微软雅黑" panose="020B0503020204020204" pitchFamily="34" charset="-122"/>
+                <a:cs typeface="Calibri" panose="020F0502020204030204" pitchFamily="34" charset="0"/>
+              </a:rPr>
+              <a:t>()</a:t>
+            </a:r>
+            <a:r>
+              <a:rPr lang="zh-CN" altLang="en-US" dirty="0">
+                <a:latin typeface="微软雅黑" panose="020B0503020204020204" pitchFamily="34" charset="-122"/>
+                <a:ea typeface="微软雅黑" panose="020B0503020204020204" pitchFamily="34" charset="-122"/>
+                <a:cs typeface="Calibri" panose="020F0502020204030204" pitchFamily="34" charset="0"/>
+              </a:rPr>
+              <a:t>有个参数叫</a:t>
+            </a:r>
+            <a:r>
+              <a:rPr lang="en-US" altLang="zh-CN" b="1" i="0" dirty="0" err="1">
+                <a:solidFill>
+                  <a:srgbClr val="262626"/>
+                </a:solidFill>
+                <a:effectLst/>
+                <a:latin typeface="微软雅黑" panose="020B0503020204020204" pitchFamily="34" charset="-122"/>
+                <a:ea typeface="微软雅黑" panose="020B0503020204020204" pitchFamily="34" charset="-122"/>
+                <a:cs typeface="Calibri" panose="020F0502020204030204" pitchFamily="34" charset="0"/>
+              </a:rPr>
+              <a:t>grad_outputs</a:t>
+            </a:r>
+            <a:r>
+              <a:rPr lang="en-US" altLang="zh-CN" b="0" i="0" dirty="0">
+                <a:solidFill>
+                  <a:srgbClr val="262626"/>
+                </a:solidFill>
+                <a:effectLst/>
+                <a:latin typeface="微软雅黑" panose="020B0503020204020204" pitchFamily="34" charset="-122"/>
+                <a:ea typeface="微软雅黑" panose="020B0503020204020204" pitchFamily="34" charset="-122"/>
+                <a:cs typeface="Calibri" panose="020F0502020204030204" pitchFamily="34" charset="0"/>
+              </a:rPr>
+              <a:t> </a:t>
+            </a:r>
+            <a:r>
+              <a:rPr lang="zh-CN" altLang="en-US" b="0" i="0" dirty="0">
+                <a:solidFill>
+                  <a:srgbClr val="262626"/>
+                </a:solidFill>
+                <a:effectLst/>
+                <a:latin typeface="微软雅黑" panose="020B0503020204020204" pitchFamily="34" charset="-122"/>
+                <a:ea typeface="微软雅黑" panose="020B0503020204020204" pitchFamily="34" charset="-122"/>
+                <a:cs typeface="Calibri" panose="020F0502020204030204" pitchFamily="34" charset="0"/>
+              </a:rPr>
+              <a:t>，设置为和输出一样的形状的全</a:t>
+            </a:r>
+            <a:r>
+              <a:rPr lang="en-US" altLang="zh-CN" b="0" i="0" dirty="0">
+                <a:solidFill>
+                  <a:srgbClr val="262626"/>
+                </a:solidFill>
+                <a:effectLst/>
+                <a:latin typeface="微软雅黑" panose="020B0503020204020204" pitchFamily="34" charset="-122"/>
+                <a:ea typeface="微软雅黑" panose="020B0503020204020204" pitchFamily="34" charset="-122"/>
+                <a:cs typeface="Calibri" panose="020F0502020204030204" pitchFamily="34" charset="0"/>
+              </a:rPr>
+              <a:t>1</a:t>
+            </a:r>
+            <a:r>
+              <a:rPr lang="zh-CN" altLang="en-US" b="0" i="0" dirty="0">
+                <a:solidFill>
+                  <a:srgbClr val="262626"/>
+                </a:solidFill>
+                <a:effectLst/>
+                <a:latin typeface="微软雅黑" panose="020B0503020204020204" pitchFamily="34" charset="-122"/>
+                <a:ea typeface="微软雅黑" panose="020B0503020204020204" pitchFamily="34" charset="-122"/>
+                <a:cs typeface="Calibri" panose="020F0502020204030204" pitchFamily="34" charset="0"/>
+              </a:rPr>
+              <a:t>张量就行。</a:t>
+            </a:r>
+            <a:endParaRPr lang="en-US" altLang="zh-CN" b="0" i="0" dirty="0">
+              <a:solidFill>
+                <a:srgbClr val="262626"/>
+              </a:solidFill>
+              <a:effectLst/>
+              <a:latin typeface="微软雅黑" panose="020B0503020204020204" pitchFamily="34" charset="-122"/>
+              <a:ea typeface="微软雅黑" panose="020B0503020204020204" pitchFamily="34" charset="-122"/>
+              <a:cs typeface="Calibri" panose="020F0502020204030204" pitchFamily="34" charset="0"/>
+            </a:endParaRPr>
+          </a:p>
+          <a:p>
+            <a:r>
+              <a:rPr lang="zh-CN" altLang="en-US" dirty="0">
+                <a:solidFill>
+                  <a:srgbClr val="262626"/>
+                </a:solidFill>
+                <a:latin typeface="微软雅黑" panose="020B0503020204020204" pitchFamily="34" charset="-122"/>
+                <a:ea typeface="微软雅黑" panose="020B0503020204020204" pitchFamily="34" charset="-122"/>
+                <a:cs typeface="Calibri" panose="020F0502020204030204" pitchFamily="34" charset="0"/>
+              </a:rPr>
+              <a:t>具体这个参数的含义请参考：</a:t>
+            </a:r>
+            <a:r>
+              <a:rPr lang="en-US" altLang="zh-CN" dirty="0">
+                <a:solidFill>
+                  <a:srgbClr val="262626"/>
+                </a:solidFill>
+                <a:latin typeface="微软雅黑" panose="020B0503020204020204" pitchFamily="34" charset="-122"/>
+                <a:ea typeface="微软雅黑" panose="020B0503020204020204" pitchFamily="34" charset="-122"/>
+                <a:cs typeface="Calibri" panose="020F0502020204030204" pitchFamily="34" charset="0"/>
+                <a:hlinkClick r:id="rId3"/>
+              </a:rPr>
+              <a:t>https://zhuanlan.zhihu.com/p</a:t>
+            </a:r>
+            <a:r>
+              <a:rPr lang="en-US" altLang="zh-CN">
+                <a:solidFill>
+                  <a:srgbClr val="262626"/>
+                </a:solidFill>
+                <a:latin typeface="微软雅黑" panose="020B0503020204020204" pitchFamily="34" charset="-122"/>
+                <a:ea typeface="微软雅黑" panose="020B0503020204020204" pitchFamily="34" charset="-122"/>
+                <a:cs typeface="Calibri" panose="020F0502020204030204" pitchFamily="34" charset="0"/>
+                <a:hlinkClick r:id="rId3"/>
+              </a:rPr>
+              <a:t>/65609544</a:t>
+            </a:r>
+            <a:r>
+              <a:rPr lang="en-US" altLang="zh-CN">
+                <a:solidFill>
+                  <a:srgbClr val="262626"/>
+                </a:solidFill>
+                <a:latin typeface="微软雅黑" panose="020B0503020204020204" pitchFamily="34" charset="-122"/>
+                <a:ea typeface="微软雅黑" panose="020B0503020204020204" pitchFamily="34" charset="-122"/>
+                <a:cs typeface="Calibri" panose="020F0502020204030204" pitchFamily="34" charset="0"/>
+              </a:rPr>
+              <a:t> </a:t>
+            </a:r>
+            <a:r>
+              <a:rPr lang="zh-CN" altLang="en-US">
+                <a:solidFill>
+                  <a:srgbClr val="262626"/>
+                </a:solidFill>
+                <a:latin typeface="微软雅黑" panose="020B0503020204020204" pitchFamily="34" charset="-122"/>
+                <a:ea typeface="微软雅黑" panose="020B0503020204020204" pitchFamily="34" charset="-122"/>
+                <a:cs typeface="Calibri" panose="020F0502020204030204" pitchFamily="34" charset="0"/>
+              </a:rPr>
+              <a:t>和</a:t>
+            </a:r>
+            <a:r>
+              <a:rPr lang="zh-CN" altLang="en-US" dirty="0">
+                <a:solidFill>
+                  <a:srgbClr val="262626"/>
+                </a:solidFill>
+                <a:latin typeface="微软雅黑" panose="020B0503020204020204" pitchFamily="34" charset="-122"/>
+                <a:ea typeface="微软雅黑" panose="020B0503020204020204" pitchFamily="34" charset="-122"/>
+                <a:cs typeface="Calibri" panose="020F0502020204030204" pitchFamily="34" charset="0"/>
+              </a:rPr>
+              <a:t>官方文档</a:t>
+            </a:r>
+            <a:endParaRPr lang="zh-CN" altLang="en-US" dirty="0">
+              <a:latin typeface="微软雅黑" panose="020B0503020204020204" pitchFamily="34" charset="-122"/>
+              <a:ea typeface="微软雅黑" panose="020B0503020204020204" pitchFamily="34" charset="-122"/>
+              <a:cs typeface="Calibri" panose="020F0502020204030204" pitchFamily="34" charset="0"/>
+            </a:endParaRPr>
+          </a:p>
+        </p:txBody>
+      </p:sp>
+    </p:spTree>
+    <p:extLst>
+      <p:ext uri="{BB962C8B-B14F-4D97-AF65-F5344CB8AC3E}">
+        <p14:creationId xmlns:p14="http://schemas.microsoft.com/office/powerpoint/2010/main" val="955670665"/>
+      </p:ext>
+    </p:extLst>
+  </p:cSld>
+  <p:clrMapOvr>
+    <a:masterClrMapping/>
+  </p:clrMapOvr>
+</p:sld>
+</file>
+
 <file path=ppt/slides/slide3.xml><?xml version="1.0" encoding="utf-8"?>
 <p:sld xmlns:a="http://schemas.openxmlformats.org/drawingml/2006/main" xmlns:r="http://schemas.openxmlformats.org/officeDocument/2006/relationships" xmlns:p="http://schemas.openxmlformats.org/presentationml/2006/main">
   <p:cSld>

--- a/INR&PE.pptx
+++ b/INR&PE.pptx
@@ -9,22 +9,24 @@
     <p:sldId id="257" r:id="rId3"/>
     <p:sldId id="258" r:id="rId4"/>
     <p:sldId id="259" r:id="rId5"/>
-    <p:sldId id="260" r:id="rId6"/>
-    <p:sldId id="262" r:id="rId7"/>
-    <p:sldId id="263" r:id="rId8"/>
-    <p:sldId id="261" r:id="rId9"/>
-    <p:sldId id="264" r:id="rId10"/>
-    <p:sldId id="265" r:id="rId11"/>
-    <p:sldId id="266" r:id="rId12"/>
-    <p:sldId id="267" r:id="rId13"/>
-    <p:sldId id="269" r:id="rId14"/>
-    <p:sldId id="268" r:id="rId15"/>
-    <p:sldId id="271" r:id="rId16"/>
-    <p:sldId id="270" r:id="rId17"/>
-    <p:sldId id="272" r:id="rId18"/>
-    <p:sldId id="273" r:id="rId19"/>
-    <p:sldId id="274" r:id="rId20"/>
-    <p:sldId id="275" r:id="rId21"/>
+    <p:sldId id="276" r:id="rId6"/>
+    <p:sldId id="277" r:id="rId7"/>
+    <p:sldId id="260" r:id="rId8"/>
+    <p:sldId id="262" r:id="rId9"/>
+    <p:sldId id="263" r:id="rId10"/>
+    <p:sldId id="261" r:id="rId11"/>
+    <p:sldId id="264" r:id="rId12"/>
+    <p:sldId id="265" r:id="rId13"/>
+    <p:sldId id="266" r:id="rId14"/>
+    <p:sldId id="267" r:id="rId15"/>
+    <p:sldId id="269" r:id="rId16"/>
+    <p:sldId id="268" r:id="rId17"/>
+    <p:sldId id="271" r:id="rId18"/>
+    <p:sldId id="270" r:id="rId19"/>
+    <p:sldId id="272" r:id="rId20"/>
+    <p:sldId id="273" r:id="rId21"/>
+    <p:sldId id="274" r:id="rId22"/>
+    <p:sldId id="275" r:id="rId23"/>
   </p:sldIdLst>
   <p:sldSz cx="12192000" cy="6858000"/>
   <p:notesSz cx="6858000" cy="9144000"/>
@@ -291,7 +293,7 @@
           <a:p>
             <a:fld id="{10B43A21-1C29-4E82-A6B1-663DB11AA6AF}" type="datetimeFigureOut">
               <a:rPr lang="zh-CN" altLang="en-US" smtClean="0"/>
-              <a:t>2024/10/14</a:t>
+              <a:t>2024/10/16</a:t>
             </a:fld>
             <a:endParaRPr lang="zh-CN" altLang="en-US"/>
           </a:p>
@@ -491,7 +493,7 @@
           <a:p>
             <a:fld id="{10B43A21-1C29-4E82-A6B1-663DB11AA6AF}" type="datetimeFigureOut">
               <a:rPr lang="zh-CN" altLang="en-US" smtClean="0"/>
-              <a:t>2024/10/14</a:t>
+              <a:t>2024/10/16</a:t>
             </a:fld>
             <a:endParaRPr lang="zh-CN" altLang="en-US"/>
           </a:p>
@@ -701,7 +703,7 @@
           <a:p>
             <a:fld id="{10B43A21-1C29-4E82-A6B1-663DB11AA6AF}" type="datetimeFigureOut">
               <a:rPr lang="zh-CN" altLang="en-US" smtClean="0"/>
-              <a:t>2024/10/14</a:t>
+              <a:t>2024/10/16</a:t>
             </a:fld>
             <a:endParaRPr lang="zh-CN" altLang="en-US"/>
           </a:p>
@@ -901,7 +903,7 @@
           <a:p>
             <a:fld id="{10B43A21-1C29-4E82-A6B1-663DB11AA6AF}" type="datetimeFigureOut">
               <a:rPr lang="zh-CN" altLang="en-US" smtClean="0"/>
-              <a:t>2024/10/14</a:t>
+              <a:t>2024/10/16</a:t>
             </a:fld>
             <a:endParaRPr lang="zh-CN" altLang="en-US"/>
           </a:p>
@@ -1177,7 +1179,7 @@
           <a:p>
             <a:fld id="{10B43A21-1C29-4E82-A6B1-663DB11AA6AF}" type="datetimeFigureOut">
               <a:rPr lang="zh-CN" altLang="en-US" smtClean="0"/>
-              <a:t>2024/10/14</a:t>
+              <a:t>2024/10/16</a:t>
             </a:fld>
             <a:endParaRPr lang="zh-CN" altLang="en-US"/>
           </a:p>
@@ -1445,7 +1447,7 @@
           <a:p>
             <a:fld id="{10B43A21-1C29-4E82-A6B1-663DB11AA6AF}" type="datetimeFigureOut">
               <a:rPr lang="zh-CN" altLang="en-US" smtClean="0"/>
-              <a:t>2024/10/14</a:t>
+              <a:t>2024/10/16</a:t>
             </a:fld>
             <a:endParaRPr lang="zh-CN" altLang="en-US"/>
           </a:p>
@@ -1860,7 +1862,7 @@
           <a:p>
             <a:fld id="{10B43A21-1C29-4E82-A6B1-663DB11AA6AF}" type="datetimeFigureOut">
               <a:rPr lang="zh-CN" altLang="en-US" smtClean="0"/>
-              <a:t>2024/10/14</a:t>
+              <a:t>2024/10/16</a:t>
             </a:fld>
             <a:endParaRPr lang="zh-CN" altLang="en-US"/>
           </a:p>
@@ -2002,7 +2004,7 @@
           <a:p>
             <a:fld id="{10B43A21-1C29-4E82-A6B1-663DB11AA6AF}" type="datetimeFigureOut">
               <a:rPr lang="zh-CN" altLang="en-US" smtClean="0"/>
-              <a:t>2024/10/14</a:t>
+              <a:t>2024/10/16</a:t>
             </a:fld>
             <a:endParaRPr lang="zh-CN" altLang="en-US"/>
           </a:p>
@@ -2115,7 +2117,7 @@
           <a:p>
             <a:fld id="{10B43A21-1C29-4E82-A6B1-663DB11AA6AF}" type="datetimeFigureOut">
               <a:rPr lang="zh-CN" altLang="en-US" smtClean="0"/>
-              <a:t>2024/10/14</a:t>
+              <a:t>2024/10/16</a:t>
             </a:fld>
             <a:endParaRPr lang="zh-CN" altLang="en-US"/>
           </a:p>
@@ -2428,7 +2430,7 @@
           <a:p>
             <a:fld id="{10B43A21-1C29-4E82-A6B1-663DB11AA6AF}" type="datetimeFigureOut">
               <a:rPr lang="zh-CN" altLang="en-US" smtClean="0"/>
-              <a:t>2024/10/14</a:t>
+              <a:t>2024/10/16</a:t>
             </a:fld>
             <a:endParaRPr lang="zh-CN" altLang="en-US"/>
           </a:p>
@@ -2717,7 +2719,7 @@
           <a:p>
             <a:fld id="{10B43A21-1C29-4E82-A6B1-663DB11AA6AF}" type="datetimeFigureOut">
               <a:rPr lang="zh-CN" altLang="en-US" smtClean="0"/>
-              <a:t>2024/10/14</a:t>
+              <a:t>2024/10/16</a:t>
             </a:fld>
             <a:endParaRPr lang="zh-CN" altLang="en-US"/>
           </a:p>
@@ -2960,7 +2962,7 @@
           <a:p>
             <a:fld id="{10B43A21-1C29-4E82-A6B1-663DB11AA6AF}" type="datetimeFigureOut">
               <a:rPr lang="zh-CN" altLang="en-US" smtClean="0"/>
-              <a:t>2024/10/14</a:t>
+              <a:t>2024/10/16</a:t>
             </a:fld>
             <a:endParaRPr lang="zh-CN" altLang="en-US"/>
           </a:p>
@@ -3411,6 +3413,22 @@
                 <a:ea typeface="Calibri" panose="020F0502020204030204" pitchFamily="34" charset="0"/>
                 <a:cs typeface="Calibri" panose="020F0502020204030204" pitchFamily="34" charset="0"/>
               </a:rPr>
+              <a:t>INR</a:t>
+            </a:r>
+            <a:r>
+              <a:rPr lang="zh-CN" altLang="en-US" dirty="0">
+                <a:latin typeface="Calibri" panose="020F0502020204030204" pitchFamily="34" charset="0"/>
+                <a:ea typeface="Calibri" panose="020F0502020204030204" pitchFamily="34" charset="0"/>
+                <a:cs typeface="Calibri" panose="020F0502020204030204" pitchFamily="34" charset="0"/>
+              </a:rPr>
+              <a:t>中的</a:t>
+            </a:r>
+            <a:r>
+              <a:rPr lang="en-US" altLang="zh-CN" dirty="0">
+                <a:latin typeface="Calibri" panose="020F0502020204030204" pitchFamily="34" charset="0"/>
+                <a:ea typeface="Calibri" panose="020F0502020204030204" pitchFamily="34" charset="0"/>
+                <a:cs typeface="Calibri" panose="020F0502020204030204" pitchFamily="34" charset="0"/>
+              </a:rPr>
               <a:t>Sin </a:t>
             </a:r>
             <a:r>
@@ -3519,6 +3537,659 @@
           <p:cNvPr id="2" name="Title 1">
             <a:extLst>
               <a:ext uri="{FF2B5EF4-FFF2-40B4-BE49-F238E27FC236}">
+                <a16:creationId xmlns:a16="http://schemas.microsoft.com/office/drawing/2014/main" id="{CADD4343-1AAB-F7D2-1C0D-D751653DB1B5}"/>
+              </a:ext>
+            </a:extLst>
+          </p:cNvPr>
+          <p:cNvSpPr>
+            <a:spLocks noGrp="1"/>
+          </p:cNvSpPr>
+          <p:nvPr>
+            <p:ph type="title"/>
+          </p:nvPr>
+        </p:nvSpPr>
+        <p:spPr/>
+        <p:txBody>
+          <a:bodyPr/>
+          <a:lstStyle/>
+          <a:p>
+            <a:r>
+              <a:rPr lang="en-US" altLang="zh-CN" dirty="0">
+                <a:latin typeface="微软雅黑" panose="020B0503020204020204" pitchFamily="34" charset="-122"/>
+                <a:ea typeface="微软雅黑" panose="020B0503020204020204" pitchFamily="34" charset="-122"/>
+              </a:rPr>
+              <a:t>Sin</a:t>
+            </a:r>
+            <a:r>
+              <a:rPr lang="zh-CN" altLang="en-US" dirty="0">
+                <a:latin typeface="微软雅黑" panose="020B0503020204020204" pitchFamily="34" charset="-122"/>
+                <a:ea typeface="微软雅黑" panose="020B0503020204020204" pitchFamily="34" charset="-122"/>
+              </a:rPr>
+              <a:t>作为激活函数好处（分布特性）</a:t>
+            </a:r>
+          </a:p>
+        </p:txBody>
+      </p:sp>
+      <p:sp>
+        <p:nvSpPr>
+          <p:cNvPr id="3" name="Content Placeholder 2">
+            <a:extLst>
+              <a:ext uri="{FF2B5EF4-FFF2-40B4-BE49-F238E27FC236}">
+                <a16:creationId xmlns:a16="http://schemas.microsoft.com/office/drawing/2014/main" id="{EF3E1121-6366-3D48-8D84-6CBA9AED701C}"/>
+              </a:ext>
+            </a:extLst>
+          </p:cNvPr>
+          <p:cNvSpPr>
+            <a:spLocks noGrp="1"/>
+          </p:cNvSpPr>
+          <p:nvPr>
+            <p:ph idx="1"/>
+          </p:nvPr>
+        </p:nvSpPr>
+        <p:spPr/>
+        <p:txBody>
+          <a:bodyPr/>
+          <a:lstStyle/>
+          <a:p>
+            <a:endParaRPr lang="zh-CN" altLang="en-US" dirty="0"/>
+          </a:p>
+        </p:txBody>
+      </p:sp>
+      <p:pic>
+        <p:nvPicPr>
+          <p:cNvPr id="5" name="Picture 4">
+            <a:extLst>
+              <a:ext uri="{FF2B5EF4-FFF2-40B4-BE49-F238E27FC236}">
+                <a16:creationId xmlns:a16="http://schemas.microsoft.com/office/drawing/2014/main" id="{EE1DECC6-B80B-DE46-6330-F8AB885F7C72}"/>
+              </a:ext>
+            </a:extLst>
+          </p:cNvPr>
+          <p:cNvPicPr>
+            <a:picLocks noChangeAspect="1"/>
+          </p:cNvPicPr>
+          <p:nvPr/>
+        </p:nvPicPr>
+        <p:blipFill>
+          <a:blip r:embed="rId2"/>
+          <a:stretch>
+            <a:fillRect/>
+          </a:stretch>
+        </p:blipFill>
+        <p:spPr>
+          <a:xfrm>
+            <a:off x="1645534" y="1457853"/>
+            <a:ext cx="3187723" cy="5400147"/>
+          </a:xfrm>
+          <a:prstGeom prst="rect">
+            <a:avLst/>
+          </a:prstGeom>
+        </p:spPr>
+      </p:pic>
+      <p:pic>
+        <p:nvPicPr>
+          <p:cNvPr id="7" name="Picture 6">
+            <a:extLst>
+              <a:ext uri="{FF2B5EF4-FFF2-40B4-BE49-F238E27FC236}">
+                <a16:creationId xmlns:a16="http://schemas.microsoft.com/office/drawing/2014/main" id="{894E3C60-7108-78FC-16AE-C907D1CCCC67}"/>
+              </a:ext>
+            </a:extLst>
+          </p:cNvPr>
+          <p:cNvPicPr>
+            <a:picLocks noChangeAspect="1"/>
+          </p:cNvPicPr>
+          <p:nvPr/>
+        </p:nvPicPr>
+        <p:blipFill>
+          <a:blip r:embed="rId3"/>
+          <a:stretch>
+            <a:fillRect/>
+          </a:stretch>
+        </p:blipFill>
+        <p:spPr>
+          <a:xfrm>
+            <a:off x="7283895" y="1457853"/>
+            <a:ext cx="3329506" cy="5175936"/>
+          </a:xfrm>
+          <a:prstGeom prst="rect">
+            <a:avLst/>
+          </a:prstGeom>
+        </p:spPr>
+      </p:pic>
+    </p:spTree>
+    <p:extLst>
+      <p:ext uri="{BB962C8B-B14F-4D97-AF65-F5344CB8AC3E}">
+        <p14:creationId xmlns:p14="http://schemas.microsoft.com/office/powerpoint/2010/main" val="1287347927"/>
+      </p:ext>
+    </p:extLst>
+  </p:cSld>
+  <p:clrMapOvr>
+    <a:masterClrMapping/>
+  </p:clrMapOvr>
+</p:sld>
+</file>
+
+<file path=ppt/slides/slide11.xml><?xml version="1.0" encoding="utf-8"?>
+<p:sld xmlns:a="http://schemas.openxmlformats.org/drawingml/2006/main" xmlns:r="http://schemas.openxmlformats.org/officeDocument/2006/relationships" xmlns:p="http://schemas.openxmlformats.org/presentationml/2006/main">
+  <p:cSld>
+    <p:spTree>
+      <p:nvGrpSpPr>
+        <p:cNvPr id="1" name=""/>
+        <p:cNvGrpSpPr/>
+        <p:nvPr/>
+      </p:nvGrpSpPr>
+      <p:grpSpPr>
+        <a:xfrm>
+          <a:off x="0" y="0"/>
+          <a:ext cx="0" cy="0"/>
+          <a:chOff x="0" y="0"/>
+          <a:chExt cx="0" cy="0"/>
+        </a:xfrm>
+      </p:grpSpPr>
+      <p:sp>
+        <p:nvSpPr>
+          <p:cNvPr id="2" name="Title 1">
+            <a:extLst>
+              <a:ext uri="{FF2B5EF4-FFF2-40B4-BE49-F238E27FC236}">
+                <a16:creationId xmlns:a16="http://schemas.microsoft.com/office/drawing/2014/main" id="{7A77954E-39CB-54B6-3612-57E41FE57051}"/>
+              </a:ext>
+            </a:extLst>
+          </p:cNvPr>
+          <p:cNvSpPr>
+            <a:spLocks noGrp="1"/>
+          </p:cNvSpPr>
+          <p:nvPr>
+            <p:ph type="title"/>
+          </p:nvPr>
+        </p:nvSpPr>
+        <p:spPr/>
+        <p:txBody>
+          <a:bodyPr/>
+          <a:lstStyle/>
+          <a:p>
+            <a:r>
+              <a:rPr lang="en-US" altLang="zh-CN" dirty="0">
+                <a:latin typeface="微软雅黑" panose="020B0503020204020204" pitchFamily="34" charset="-122"/>
+                <a:ea typeface="微软雅黑" panose="020B0503020204020204" pitchFamily="34" charset="-122"/>
+              </a:rPr>
+              <a:t>Sin</a:t>
+            </a:r>
+            <a:r>
+              <a:rPr lang="zh-CN" altLang="en-US" dirty="0">
+                <a:latin typeface="微软雅黑" panose="020B0503020204020204" pitchFamily="34" charset="-122"/>
+                <a:ea typeface="微软雅黑" panose="020B0503020204020204" pitchFamily="34" charset="-122"/>
+              </a:rPr>
+              <a:t>做激活函数需要特殊初始化</a:t>
+            </a:r>
+            <a:endParaRPr lang="zh-CN" altLang="en-US" dirty="0"/>
+          </a:p>
+        </p:txBody>
+      </p:sp>
+      <mc:AlternateContent xmlns:mc="http://schemas.openxmlformats.org/markup-compatibility/2006" xmlns:a14="http://schemas.microsoft.com/office/drawing/2010/main">
+        <mc:Choice Requires="a14">
+          <p:sp>
+            <p:nvSpPr>
+              <p:cNvPr id="3" name="Content Placeholder 2">
+                <a:extLst>
+                  <a:ext uri="{FF2B5EF4-FFF2-40B4-BE49-F238E27FC236}">
+                    <a16:creationId xmlns:a16="http://schemas.microsoft.com/office/drawing/2014/main" id="{CC44C4EA-862B-D789-D5A0-F5CB808A6CC7}"/>
+                  </a:ext>
+                </a:extLst>
+              </p:cNvPr>
+              <p:cNvSpPr>
+                <a:spLocks noGrp="1"/>
+              </p:cNvSpPr>
+              <p:nvPr>
+                <p:ph idx="1"/>
+              </p:nvPr>
+            </p:nvSpPr>
+            <p:spPr>
+              <a:xfrm>
+                <a:off x="381000" y="1806963"/>
+                <a:ext cx="11104983" cy="4351338"/>
+              </a:xfrm>
+            </p:spPr>
+            <p:txBody>
+              <a:bodyPr/>
+              <a:lstStyle/>
+              <a:p>
+                <a:r>
+                  <a:rPr lang="zh-CN" altLang="en-US" dirty="0">
+                    <a:latin typeface="微软雅黑" panose="020B0503020204020204" pitchFamily="34" charset="-122"/>
+                    <a:ea typeface="微软雅黑" panose="020B0503020204020204" pitchFamily="34" charset="-122"/>
+                  </a:rPr>
+                  <a:t>在</a:t>
+                </a:r>
+                <a14:m>
+                  <m:oMath xmlns:m="http://schemas.openxmlformats.org/officeDocument/2006/math">
+                    <m:sSup>
+                      <m:sSupPr>
+                        <m:ctrlPr>
+                          <a:rPr lang="en-US" altLang="zh-CN" b="0" i="1" dirty="0" smtClean="0">
+                            <a:latin typeface="Cambria Math" panose="02040503050406030204" pitchFamily="18" charset="0"/>
+                            <a:ea typeface="微软雅黑" panose="020B0503020204020204" pitchFamily="34" charset="-122"/>
+                          </a:rPr>
+                        </m:ctrlPr>
+                      </m:sSupPr>
+                      <m:e>
+                        <m:r>
+                          <a:rPr lang="en-US" altLang="zh-CN" b="0" i="1" dirty="0" smtClean="0">
+                            <a:latin typeface="Cambria Math" panose="02040503050406030204" pitchFamily="18" charset="0"/>
+                            <a:ea typeface="微软雅黑" panose="020B0503020204020204" pitchFamily="34" charset="-122"/>
+                          </a:rPr>
+                          <m:t>𝑤</m:t>
+                        </m:r>
+                      </m:e>
+                      <m:sup>
+                        <m:r>
+                          <a:rPr lang="en-US" altLang="zh-CN" b="0" i="1" dirty="0" smtClean="0">
+                            <a:latin typeface="Cambria Math" panose="02040503050406030204" pitchFamily="18" charset="0"/>
+                            <a:ea typeface="微软雅黑" panose="020B0503020204020204" pitchFamily="34" charset="-122"/>
+                          </a:rPr>
+                          <m:t>𝑇</m:t>
+                        </m:r>
+                      </m:sup>
+                    </m:sSup>
+                    <m:r>
+                      <a:rPr lang="en-US" altLang="zh-CN" b="0" i="1" dirty="0" smtClean="0">
+                        <a:latin typeface="Cambria Math" panose="02040503050406030204" pitchFamily="18" charset="0"/>
+                        <a:ea typeface="微软雅黑" panose="020B0503020204020204" pitchFamily="34" charset="-122"/>
+                      </a:rPr>
+                      <m:t>𝑥</m:t>
+                    </m:r>
+                    <m:r>
+                      <a:rPr lang="en-US" altLang="zh-CN" b="0" i="1" dirty="0" smtClean="0">
+                        <a:latin typeface="Cambria Math" panose="02040503050406030204" pitchFamily="18" charset="0"/>
+                        <a:ea typeface="微软雅黑" panose="020B0503020204020204" pitchFamily="34" charset="-122"/>
+                      </a:rPr>
+                      <m:t>+</m:t>
+                    </m:r>
+                    <m:r>
+                      <a:rPr lang="en-US" altLang="zh-CN" b="0" i="1" dirty="0" smtClean="0">
+                        <a:latin typeface="Cambria Math" panose="02040503050406030204" pitchFamily="18" charset="0"/>
+                        <a:ea typeface="微软雅黑" panose="020B0503020204020204" pitchFamily="34" charset="-122"/>
+                      </a:rPr>
+                      <m:t>𝑏</m:t>
+                    </m:r>
+                  </m:oMath>
+                </a14:m>
+                <a:r>
+                  <a:rPr lang="zh-CN" altLang="en-US" dirty="0">
+                    <a:latin typeface="微软雅黑" panose="020B0503020204020204" pitchFamily="34" charset="-122"/>
+                    <a:ea typeface="微软雅黑" panose="020B0503020204020204" pitchFamily="34" charset="-122"/>
+                  </a:rPr>
+                  <a:t>中，由于数值比较小（如图所示），可能会导致输入</a:t>
+                </a:r>
+                <a:r>
+                  <a:rPr lang="en-US" altLang="zh-CN" dirty="0">
+                    <a:latin typeface="微软雅黑" panose="020B0503020204020204" pitchFamily="34" charset="-122"/>
+                    <a:ea typeface="微软雅黑" panose="020B0503020204020204" pitchFamily="34" charset="-122"/>
+                  </a:rPr>
+                  <a:t>sin</a:t>
+                </a:r>
+                <a:r>
+                  <a:rPr lang="zh-CN" altLang="en-US" dirty="0">
+                    <a:latin typeface="微软雅黑" panose="020B0503020204020204" pitchFamily="34" charset="-122"/>
+                    <a:ea typeface="微软雅黑" panose="020B0503020204020204" pitchFamily="34" charset="-122"/>
+                  </a:rPr>
+                  <a:t>的数据线性性比较强（因为集中在</a:t>
+                </a:r>
+                <a:r>
+                  <a:rPr lang="en-US" altLang="zh-CN" dirty="0">
+                    <a:latin typeface="微软雅黑" panose="020B0503020204020204" pitchFamily="34" charset="-122"/>
+                    <a:ea typeface="微软雅黑" panose="020B0503020204020204" pitchFamily="34" charset="-122"/>
+                  </a:rPr>
+                  <a:t>0</a:t>
+                </a:r>
+                <a:r>
+                  <a:rPr lang="zh-CN" altLang="en-US" dirty="0">
+                    <a:latin typeface="微软雅黑" panose="020B0503020204020204" pitchFamily="34" charset="-122"/>
+                    <a:ea typeface="微软雅黑" panose="020B0503020204020204" pitchFamily="34" charset="-122"/>
+                  </a:rPr>
+                  <a:t>附近，</a:t>
+                </a:r>
+                <a:r>
+                  <a:rPr lang="en-US" altLang="zh-CN" dirty="0">
+                    <a:latin typeface="微软雅黑" panose="020B0503020204020204" pitchFamily="34" charset="-122"/>
+                    <a:ea typeface="微软雅黑" panose="020B0503020204020204" pitchFamily="34" charset="-122"/>
+                  </a:rPr>
+                  <a:t>sin</a:t>
+                </a:r>
+                <a:r>
+                  <a:rPr lang="zh-CN" altLang="en-US" dirty="0">
+                    <a:latin typeface="微软雅黑" panose="020B0503020204020204" pitchFamily="34" charset="-122"/>
+                    <a:ea typeface="微软雅黑" panose="020B0503020204020204" pitchFamily="34" charset="-122"/>
+                  </a:rPr>
+                  <a:t>函数在这里很线性）</a:t>
+                </a:r>
+                <a:endParaRPr lang="en-US" altLang="zh-CN" dirty="0">
+                  <a:latin typeface="微软雅黑" panose="020B0503020204020204" pitchFamily="34" charset="-122"/>
+                  <a:ea typeface="微软雅黑" panose="020B0503020204020204" pitchFamily="34" charset="-122"/>
+                </a:endParaRPr>
+              </a:p>
+              <a:p>
+                <a:r>
+                  <a:rPr lang="zh-CN" altLang="en-US" dirty="0">
+                    <a:latin typeface="微软雅黑" panose="020B0503020204020204" pitchFamily="34" charset="-122"/>
+                    <a:ea typeface="微软雅黑" panose="020B0503020204020204" pitchFamily="34" charset="-122"/>
+                  </a:rPr>
+                  <a:t>为了解决这个问题，我需要在</a:t>
+                </a:r>
+                <a:r>
+                  <a:rPr lang="en-US" altLang="zh-CN" dirty="0">
+                    <a:latin typeface="微软雅黑" panose="020B0503020204020204" pitchFamily="34" charset="-122"/>
+                    <a:ea typeface="微软雅黑" panose="020B0503020204020204" pitchFamily="34" charset="-122"/>
+                  </a:rPr>
+                  <a:t>sin</a:t>
+                </a:r>
+                <a:r>
+                  <a:rPr lang="zh-CN" altLang="en-US" dirty="0">
+                    <a:latin typeface="微软雅黑" panose="020B0503020204020204" pitchFamily="34" charset="-122"/>
+                    <a:ea typeface="微软雅黑" panose="020B0503020204020204" pitchFamily="34" charset="-122"/>
+                  </a:rPr>
+                  <a:t>激活以前把数据乘个常数让他变大一点，即变成</a:t>
+                </a:r>
+                <a:r>
+                  <a:rPr lang="en-US" altLang="zh-CN" dirty="0">
+                    <a:latin typeface="微软雅黑" panose="020B0503020204020204" pitchFamily="34" charset="-122"/>
+                    <a:ea typeface="微软雅黑" panose="020B0503020204020204" pitchFamily="34" charset="-122"/>
+                  </a:rPr>
+                  <a:t>:</a:t>
+                </a:r>
+                <a14:m>
+                  <m:oMath xmlns:m="http://schemas.openxmlformats.org/officeDocument/2006/math">
+                    <m:sSup>
+                      <m:sSupPr>
+                        <m:ctrlPr>
+                          <a:rPr lang="en-US" altLang="zh-CN" b="0" i="1" dirty="0" smtClean="0">
+                            <a:latin typeface="Cambria Math" panose="02040503050406030204" pitchFamily="18" charset="0"/>
+                            <a:ea typeface="微软雅黑" panose="020B0503020204020204" pitchFamily="34" charset="-122"/>
+                          </a:rPr>
+                        </m:ctrlPr>
+                      </m:sSupPr>
+                      <m:e>
+                        <m:r>
+                          <m:rPr>
+                            <m:sty m:val="p"/>
+                          </m:rPr>
+                          <a:rPr lang="en-US" altLang="zh-CN" i="1" dirty="0">
+                            <a:latin typeface="Cambria Math" panose="02040503050406030204" pitchFamily="18" charset="0"/>
+                            <a:ea typeface="微软雅黑" panose="020B0503020204020204" pitchFamily="34" charset="-122"/>
+                          </a:rPr>
+                          <m:t>y</m:t>
+                        </m:r>
+                        <m:r>
+                          <a:rPr lang="en-US" altLang="zh-CN" b="0" i="1" dirty="0" smtClean="0">
+                            <a:latin typeface="Cambria Math" panose="02040503050406030204" pitchFamily="18" charset="0"/>
+                            <a:ea typeface="微软雅黑" panose="020B0503020204020204" pitchFamily="34" charset="-122"/>
+                          </a:rPr>
+                          <m:t>=</m:t>
+                        </m:r>
+                        <m:r>
+                          <m:rPr>
+                            <m:sty m:val="p"/>
+                          </m:rPr>
+                          <a:rPr lang="en-US" altLang="zh-CN" b="0" i="0" dirty="0" smtClean="0">
+                            <a:latin typeface="Cambria Math" panose="02040503050406030204" pitchFamily="18" charset="0"/>
+                            <a:ea typeface="微软雅黑" panose="020B0503020204020204" pitchFamily="34" charset="-122"/>
+                          </a:rPr>
+                          <m:t>sin</m:t>
+                        </m:r>
+                        <m:r>
+                          <a:rPr lang="en-US" altLang="zh-CN" b="0" i="1" dirty="0" smtClean="0">
+                            <a:latin typeface="Cambria Math" panose="02040503050406030204" pitchFamily="18" charset="0"/>
+                            <a:ea typeface="微软雅黑" panose="020B0503020204020204" pitchFamily="34" charset="-122"/>
+                          </a:rPr>
+                          <m:t>⁡(</m:t>
+                        </m:r>
+                        <m:r>
+                          <a:rPr lang="en-US" altLang="zh-CN" b="0" i="1" dirty="0" smtClean="0">
+                            <a:latin typeface="Cambria Math" panose="02040503050406030204" pitchFamily="18" charset="0"/>
+                            <a:ea typeface="微软雅黑" panose="020B0503020204020204" pitchFamily="34" charset="-122"/>
+                          </a:rPr>
+                          <m:t>𝑐</m:t>
+                        </m:r>
+                        <m:r>
+                          <a:rPr lang="en-US" altLang="zh-CN" b="0" i="1" dirty="0" smtClean="0">
+                            <a:latin typeface="Cambria Math" panose="02040503050406030204" pitchFamily="18" charset="0"/>
+                            <a:ea typeface="微软雅黑" panose="020B0503020204020204" pitchFamily="34" charset="-122"/>
+                          </a:rPr>
+                          <m:t>(</m:t>
+                        </m:r>
+                        <m:r>
+                          <a:rPr lang="en-US" altLang="zh-CN" b="0" i="1" dirty="0" smtClean="0">
+                            <a:latin typeface="Cambria Math" panose="02040503050406030204" pitchFamily="18" charset="0"/>
+                            <a:ea typeface="微软雅黑" panose="020B0503020204020204" pitchFamily="34" charset="-122"/>
+                          </a:rPr>
+                          <m:t>𝑤</m:t>
+                        </m:r>
+                      </m:e>
+                      <m:sup>
+                        <m:r>
+                          <a:rPr lang="en-US" altLang="zh-CN" b="0" i="1" dirty="0" smtClean="0">
+                            <a:latin typeface="Cambria Math" panose="02040503050406030204" pitchFamily="18" charset="0"/>
+                            <a:ea typeface="微软雅黑" panose="020B0503020204020204" pitchFamily="34" charset="-122"/>
+                          </a:rPr>
+                          <m:t>𝑇</m:t>
+                        </m:r>
+                      </m:sup>
+                    </m:sSup>
+                    <m:r>
+                      <a:rPr lang="en-US" altLang="zh-CN" b="0" i="1" dirty="0" smtClean="0">
+                        <a:latin typeface="Cambria Math" panose="02040503050406030204" pitchFamily="18" charset="0"/>
+                        <a:ea typeface="微软雅黑" panose="020B0503020204020204" pitchFamily="34" charset="-122"/>
+                      </a:rPr>
+                      <m:t>𝑥</m:t>
+                    </m:r>
+                    <m:r>
+                      <a:rPr lang="en-US" altLang="zh-CN" b="0" i="1" dirty="0" smtClean="0">
+                        <a:latin typeface="Cambria Math" panose="02040503050406030204" pitchFamily="18" charset="0"/>
+                        <a:ea typeface="微软雅黑" panose="020B0503020204020204" pitchFamily="34" charset="-122"/>
+                      </a:rPr>
+                      <m:t>+</m:t>
+                    </m:r>
+                    <m:r>
+                      <a:rPr lang="en-US" altLang="zh-CN" b="0" i="1" dirty="0" smtClean="0">
+                        <a:latin typeface="Cambria Math" panose="02040503050406030204" pitchFamily="18" charset="0"/>
+                        <a:ea typeface="微软雅黑" panose="020B0503020204020204" pitchFamily="34" charset="-122"/>
+                      </a:rPr>
+                      <m:t>𝑏</m:t>
+                    </m:r>
+                    <m:r>
+                      <a:rPr lang="en-US" altLang="zh-CN" b="0" i="1" dirty="0" smtClean="0">
+                        <a:latin typeface="Cambria Math" panose="02040503050406030204" pitchFamily="18" charset="0"/>
+                        <a:ea typeface="微软雅黑" panose="020B0503020204020204" pitchFamily="34" charset="-122"/>
+                      </a:rPr>
+                      <m:t>))</m:t>
+                    </m:r>
+                    <m:r>
+                      <a:rPr lang="zh-CN" altLang="en-US" i="1" dirty="0">
+                        <a:latin typeface="Cambria Math" panose="02040503050406030204" pitchFamily="18" charset="0"/>
+                        <a:ea typeface="微软雅黑" panose="020B0503020204020204" pitchFamily="34" charset="-122"/>
+                      </a:rPr>
+                      <m:t>。</m:t>
+                    </m:r>
+                  </m:oMath>
+                </a14:m>
+                <a:endParaRPr lang="en-US" altLang="zh-CN" dirty="0">
+                  <a:latin typeface="微软雅黑" panose="020B0503020204020204" pitchFamily="34" charset="-122"/>
+                  <a:ea typeface="微软雅黑" panose="020B0503020204020204" pitchFamily="34" charset="-122"/>
+                </a:endParaRPr>
+              </a:p>
+              <a:p>
+                <a:r>
+                  <a:rPr lang="zh-CN" altLang="en-US" dirty="0">
+                    <a:latin typeface="微软雅黑" panose="020B0503020204020204" pitchFamily="34" charset="-122"/>
+                    <a:ea typeface="微软雅黑" panose="020B0503020204020204" pitchFamily="34" charset="-122"/>
+                  </a:rPr>
+                  <a:t>实验发现，</a:t>
+                </a:r>
+                <a:r>
+                  <a:rPr lang="en-US" altLang="zh-CN" b="0" dirty="0">
+                    <a:ea typeface="微软雅黑" panose="020B0503020204020204" pitchFamily="34" charset="-122"/>
+                  </a:rPr>
+                  <a:t> </a:t>
+                </a:r>
+                <a14:m>
+                  <m:oMath xmlns:m="http://schemas.openxmlformats.org/officeDocument/2006/math">
+                    <m:r>
+                      <a:rPr lang="en-US" altLang="zh-CN" b="0" i="1" dirty="0" smtClean="0">
+                        <a:latin typeface="Cambria Math" panose="02040503050406030204" pitchFamily="18" charset="0"/>
+                        <a:ea typeface="微软雅黑" panose="020B0503020204020204" pitchFamily="34" charset="-122"/>
+                      </a:rPr>
+                      <m:t>𝑐</m:t>
+                    </m:r>
+                    <m:r>
+                      <a:rPr lang="en-US" altLang="zh-CN" b="0" i="1" dirty="0" smtClean="0">
+                        <a:latin typeface="Cambria Math" panose="02040503050406030204" pitchFamily="18" charset="0"/>
+                        <a:ea typeface="微软雅黑" panose="020B0503020204020204" pitchFamily="34" charset="-122"/>
+                      </a:rPr>
+                      <m:t>=30</m:t>
+                    </m:r>
+                    <m:r>
+                      <a:rPr lang="zh-CN" altLang="en-US" i="1" dirty="0">
+                        <a:latin typeface="Cambria Math" panose="02040503050406030204" pitchFamily="18" charset="0"/>
+                        <a:ea typeface="微软雅黑" panose="020B0503020204020204" pitchFamily="34" charset="-122"/>
+                      </a:rPr>
+                      <m:t>效果</m:t>
+                    </m:r>
+                  </m:oMath>
+                </a14:m>
+                <a:r>
+                  <a:rPr lang="zh-CN" altLang="en-US" dirty="0">
+                    <a:latin typeface="微软雅黑" panose="020B0503020204020204" pitchFamily="34" charset="-122"/>
+                    <a:ea typeface="微软雅黑" panose="020B0503020204020204" pitchFamily="34" charset="-122"/>
+                  </a:rPr>
+                  <a:t>最好。</a:t>
+                </a:r>
+                <a:endParaRPr lang="en-US" altLang="zh-CN" dirty="0">
+                  <a:latin typeface="微软雅黑" panose="020B0503020204020204" pitchFamily="34" charset="-122"/>
+                  <a:ea typeface="微软雅黑" panose="020B0503020204020204" pitchFamily="34" charset="-122"/>
+                </a:endParaRPr>
+              </a:p>
+              <a:p>
+                <a:endParaRPr lang="en-US" altLang="zh-CN" dirty="0">
+                  <a:latin typeface="微软雅黑" panose="020B0503020204020204" pitchFamily="34" charset="-122"/>
+                  <a:ea typeface="微软雅黑" panose="020B0503020204020204" pitchFamily="34" charset="-122"/>
+                </a:endParaRPr>
+              </a:p>
+              <a:p>
+                <a:endParaRPr lang="zh-CN" altLang="en-US" dirty="0">
+                  <a:latin typeface="微软雅黑" panose="020B0503020204020204" pitchFamily="34" charset="-122"/>
+                  <a:ea typeface="微软雅黑" panose="020B0503020204020204" pitchFamily="34" charset="-122"/>
+                </a:endParaRPr>
+              </a:p>
+            </p:txBody>
+          </p:sp>
+        </mc:Choice>
+        <mc:Fallback xmlns="">
+          <p:sp>
+            <p:nvSpPr>
+              <p:cNvPr id="3" name="Content Placeholder 2">
+                <a:extLst>
+                  <a:ext uri="{FF2B5EF4-FFF2-40B4-BE49-F238E27FC236}">
+                    <a16:creationId xmlns:a16="http://schemas.microsoft.com/office/drawing/2014/main" id="{CC44C4EA-862B-D789-D5A0-F5CB808A6CC7}"/>
+                  </a:ext>
+                </a:extLst>
+              </p:cNvPr>
+              <p:cNvSpPr>
+                <a:spLocks noGrp="1" noRot="1" noChangeAspect="1" noMove="1" noResize="1" noEditPoints="1" noAdjustHandles="1" noChangeArrowheads="1" noChangeShapeType="1" noTextEdit="1"/>
+              </p:cNvSpPr>
+              <p:nvPr>
+                <p:ph idx="1"/>
+              </p:nvPr>
+            </p:nvSpPr>
+            <p:spPr>
+              <a:xfrm>
+                <a:off x="381000" y="1806963"/>
+                <a:ext cx="11104983" cy="4351338"/>
+              </a:xfrm>
+              <a:blipFill>
+                <a:blip r:embed="rId2"/>
+                <a:stretch>
+                  <a:fillRect l="-988" t="-2381" r="-549"/>
+                </a:stretch>
+              </a:blipFill>
+            </p:spPr>
+            <p:txBody>
+              <a:bodyPr/>
+              <a:lstStyle/>
+              <a:p>
+                <a:r>
+                  <a:rPr lang="zh-CN" altLang="en-US">
+                    <a:noFill/>
+                  </a:rPr>
+                  <a:t> </a:t>
+                </a:r>
+              </a:p>
+            </p:txBody>
+          </p:sp>
+        </mc:Fallback>
+      </mc:AlternateContent>
+      <p:pic>
+        <p:nvPicPr>
+          <p:cNvPr id="8" name="Picture 7">
+            <a:extLst>
+              <a:ext uri="{FF2B5EF4-FFF2-40B4-BE49-F238E27FC236}">
+                <a16:creationId xmlns:a16="http://schemas.microsoft.com/office/drawing/2014/main" id="{F0F17357-AA0D-467C-49C6-5B3FB715DAAA}"/>
+              </a:ext>
+            </a:extLst>
+          </p:cNvPr>
+          <p:cNvPicPr>
+            <a:picLocks noChangeAspect="1"/>
+          </p:cNvPicPr>
+          <p:nvPr/>
+        </p:nvPicPr>
+        <p:blipFill>
+          <a:blip r:embed="rId3"/>
+          <a:stretch>
+            <a:fillRect/>
+          </a:stretch>
+        </p:blipFill>
+        <p:spPr>
+          <a:xfrm>
+            <a:off x="3773385" y="4355810"/>
+            <a:ext cx="4645230" cy="1625111"/>
+          </a:xfrm>
+          <a:prstGeom prst="rect">
+            <a:avLst/>
+          </a:prstGeom>
+        </p:spPr>
+      </p:pic>
+    </p:spTree>
+    <p:extLst>
+      <p:ext uri="{BB962C8B-B14F-4D97-AF65-F5344CB8AC3E}">
+        <p14:creationId xmlns:p14="http://schemas.microsoft.com/office/powerpoint/2010/main" val="384816258"/>
+      </p:ext>
+    </p:extLst>
+  </p:cSld>
+  <p:clrMapOvr>
+    <a:masterClrMapping/>
+  </p:clrMapOvr>
+</p:sld>
+</file>
+
+<file path=ppt/slides/slide12.xml><?xml version="1.0" encoding="utf-8"?>
+<p:sld xmlns:a="http://schemas.openxmlformats.org/drawingml/2006/main" xmlns:r="http://schemas.openxmlformats.org/officeDocument/2006/relationships" xmlns:p="http://schemas.openxmlformats.org/presentationml/2006/main">
+  <p:cSld>
+    <p:spTree>
+      <p:nvGrpSpPr>
+        <p:cNvPr id="1" name=""/>
+        <p:cNvGrpSpPr/>
+        <p:nvPr/>
+      </p:nvGrpSpPr>
+      <p:grpSpPr>
+        <a:xfrm>
+          <a:off x="0" y="0"/>
+          <a:ext cx="0" cy="0"/>
+          <a:chOff x="0" y="0"/>
+          <a:chExt cx="0" cy="0"/>
+        </a:xfrm>
+      </p:grpSpPr>
+      <p:sp>
+        <p:nvSpPr>
+          <p:cNvPr id="2" name="Title 1">
+            <a:extLst>
+              <a:ext uri="{FF2B5EF4-FFF2-40B4-BE49-F238E27FC236}">
                 <a16:creationId xmlns:a16="http://schemas.microsoft.com/office/drawing/2014/main" id="{D1D20439-682C-26D3-B490-F66987CB38A6}"/>
               </a:ext>
             </a:extLst>
@@ -3675,7 +4346,7 @@
 </p:sld>
 </file>
 
-<file path=ppt/slides/slide11.xml><?xml version="1.0" encoding="utf-8"?>
+<file path=ppt/slides/slide13.xml><?xml version="1.0" encoding="utf-8"?>
 <p:sld xmlns:a="http://schemas.openxmlformats.org/drawingml/2006/main" xmlns:r="http://schemas.openxmlformats.org/officeDocument/2006/relationships" xmlns:p="http://schemas.openxmlformats.org/presentationml/2006/main">
   <p:cSld>
     <p:spTree>
@@ -3791,7 +4462,7 @@
 </p:sld>
 </file>
 
-<file path=ppt/slides/slide12.xml><?xml version="1.0" encoding="utf-8"?>
+<file path=ppt/slides/slide14.xml><?xml version="1.0" encoding="utf-8"?>
 <p:sld xmlns:a="http://schemas.openxmlformats.org/drawingml/2006/main" xmlns:r="http://schemas.openxmlformats.org/officeDocument/2006/relationships" xmlns:p="http://schemas.openxmlformats.org/presentationml/2006/main">
   <p:cSld>
     <p:spTree>
@@ -3921,7 +4592,7 @@
 </p:sld>
 </file>
 
-<file path=ppt/slides/slide13.xml><?xml version="1.0" encoding="utf-8"?>
+<file path=ppt/slides/slide15.xml><?xml version="1.0" encoding="utf-8"?>
 <p:sld xmlns:a="http://schemas.openxmlformats.org/drawingml/2006/main" xmlns:r="http://schemas.openxmlformats.org/officeDocument/2006/relationships" xmlns:p="http://schemas.openxmlformats.org/presentationml/2006/main">
   <p:cSld>
     <p:spTree>
@@ -4347,7 +5018,7 @@
 </p:sld>
 </file>
 
-<file path=ppt/slides/slide14.xml><?xml version="1.0" encoding="utf-8"?>
+<file path=ppt/slides/slide16.xml><?xml version="1.0" encoding="utf-8"?>
 <p:sld xmlns:a="http://schemas.openxmlformats.org/drawingml/2006/main" xmlns:r="http://schemas.openxmlformats.org/officeDocument/2006/relationships" xmlns:p="http://schemas.openxmlformats.org/presentationml/2006/main">
   <p:cSld>
     <p:spTree>
@@ -4677,7 +5348,7 @@
 </p:sld>
 </file>
 
-<file path=ppt/slides/slide15.xml><?xml version="1.0" encoding="utf-8"?>
+<file path=ppt/slides/slide17.xml><?xml version="1.0" encoding="utf-8"?>
 <p:sld xmlns:a="http://schemas.openxmlformats.org/drawingml/2006/main" xmlns:r="http://schemas.openxmlformats.org/officeDocument/2006/relationships" xmlns:p="http://schemas.openxmlformats.org/presentationml/2006/main">
   <p:cSld>
     <p:spTree>
@@ -5460,7 +6131,7 @@
 </p:sld>
 </file>
 
-<file path=ppt/slides/slide16.xml><?xml version="1.0" encoding="utf-8"?>
+<file path=ppt/slides/slide18.xml><?xml version="1.0" encoding="utf-8"?>
 <p:sld xmlns:a="http://schemas.openxmlformats.org/drawingml/2006/main" xmlns:r="http://schemas.openxmlformats.org/officeDocument/2006/relationships" xmlns:p="http://schemas.openxmlformats.org/presentationml/2006/main">
   <p:cSld>
     <p:spTree>
@@ -6772,7 +7443,7 @@
 </p:sld>
 </file>
 
-<file path=ppt/slides/slide17.xml><?xml version="1.0" encoding="utf-8"?>
+<file path=ppt/slides/slide19.xml><?xml version="1.0" encoding="utf-8"?>
 <p:sld xmlns:a="http://schemas.openxmlformats.org/drawingml/2006/main" xmlns:r="http://schemas.openxmlformats.org/officeDocument/2006/relationships" xmlns:p="http://schemas.openxmlformats.org/presentationml/2006/main">
   <p:cSld>
     <p:spTree>
@@ -7068,685 +7739,6 @@
 </p:sld>
 </file>
 
-<file path=ppt/slides/slide18.xml><?xml version="1.0" encoding="utf-8"?>
-<p:sld xmlns:a="http://schemas.openxmlformats.org/drawingml/2006/main" xmlns:r="http://schemas.openxmlformats.org/officeDocument/2006/relationships" xmlns:p="http://schemas.openxmlformats.org/presentationml/2006/main">
-  <p:cSld>
-    <p:spTree>
-      <p:nvGrpSpPr>
-        <p:cNvPr id="1" name=""/>
-        <p:cNvGrpSpPr/>
-        <p:nvPr/>
-      </p:nvGrpSpPr>
-      <p:grpSpPr>
-        <a:xfrm>
-          <a:off x="0" y="0"/>
-          <a:ext cx="0" cy="0"/>
-          <a:chOff x="0" y="0"/>
-          <a:chExt cx="0" cy="0"/>
-        </a:xfrm>
-      </p:grpSpPr>
-      <p:sp>
-        <p:nvSpPr>
-          <p:cNvPr id="2" name="Title 1">
-            <a:extLst>
-              <a:ext uri="{FF2B5EF4-FFF2-40B4-BE49-F238E27FC236}">
-                <a16:creationId xmlns:a16="http://schemas.microsoft.com/office/drawing/2014/main" id="{3F0B6D6F-1146-9D10-B4BB-3ED67B541664}"/>
-              </a:ext>
-            </a:extLst>
-          </p:cNvPr>
-          <p:cNvSpPr>
-            <a:spLocks noGrp="1"/>
-          </p:cNvSpPr>
-          <p:nvPr>
-            <p:ph type="title"/>
-          </p:nvPr>
-        </p:nvSpPr>
-        <p:spPr/>
-        <p:txBody>
-          <a:bodyPr/>
-          <a:lstStyle/>
-          <a:p>
-            <a:r>
-              <a:rPr lang="en-US" altLang="zh-CN" dirty="0">
-                <a:latin typeface="Calibri" panose="020F0502020204030204" pitchFamily="34" charset="0"/>
-                <a:ea typeface="Calibri" panose="020F0502020204030204" pitchFamily="34" charset="0"/>
-                <a:cs typeface="Calibri" panose="020F0502020204030204" pitchFamily="34" charset="0"/>
-              </a:rPr>
-              <a:t>Result of image reconstruction</a:t>
-            </a:r>
-            <a:endParaRPr lang="zh-CN" altLang="en-US" dirty="0">
-              <a:latin typeface="Calibri" panose="020F0502020204030204" pitchFamily="34" charset="0"/>
-              <a:cs typeface="Calibri" panose="020F0502020204030204" pitchFamily="34" charset="0"/>
-            </a:endParaRPr>
-          </a:p>
-        </p:txBody>
-      </p:sp>
-      <p:pic>
-        <p:nvPicPr>
-          <p:cNvPr id="4" name="图片 3" descr="背景图案&#10;&#10;描述已自动生成">
-            <a:extLst>
-              <a:ext uri="{FF2B5EF4-FFF2-40B4-BE49-F238E27FC236}">
-                <a16:creationId xmlns:a16="http://schemas.microsoft.com/office/drawing/2014/main" id="{F4D69277-5314-D72B-F288-3991AAE636E2}"/>
-              </a:ext>
-            </a:extLst>
-          </p:cNvPr>
-          <p:cNvPicPr>
-            <a:picLocks noChangeAspect="1"/>
-          </p:cNvPicPr>
-          <p:nvPr/>
-        </p:nvPicPr>
-        <p:blipFill>
-          <a:blip r:embed="rId2">
-            <a:extLst>
-              <a:ext uri="{28A0092B-C50C-407E-A947-70E740481C1C}">
-                <a14:useLocalDpi xmlns:a14="http://schemas.microsoft.com/office/drawing/2010/main" val="0"/>
-              </a:ext>
-            </a:extLst>
-          </a:blip>
-          <a:stretch>
-            <a:fillRect/>
-          </a:stretch>
-        </p:blipFill>
-        <p:spPr>
-          <a:xfrm>
-            <a:off x="237932" y="4219476"/>
-            <a:ext cx="1828800" cy="1828800"/>
-          </a:xfrm>
-          <a:prstGeom prst="rect">
-            <a:avLst/>
-          </a:prstGeom>
-        </p:spPr>
-      </p:pic>
-      <p:pic>
-        <p:nvPicPr>
-          <p:cNvPr id="5" name="图片 19" descr="图片包含 关, 电话, 大, 站&#10;&#10;描述已自动生成">
-            <a:extLst>
-              <a:ext uri="{FF2B5EF4-FFF2-40B4-BE49-F238E27FC236}">
-                <a16:creationId xmlns:a16="http://schemas.microsoft.com/office/drawing/2014/main" id="{592FA5F0-836A-883A-8C76-BC5AB3EF12F6}"/>
-              </a:ext>
-            </a:extLst>
-          </p:cNvPr>
-          <p:cNvPicPr>
-            <a:picLocks noChangeAspect="1"/>
-          </p:cNvPicPr>
-          <p:nvPr/>
-        </p:nvPicPr>
-        <p:blipFill>
-          <a:blip r:embed="rId3">
-            <a:extLst>
-              <a:ext uri="{28A0092B-C50C-407E-A947-70E740481C1C}">
-                <a14:useLocalDpi xmlns:a14="http://schemas.microsoft.com/office/drawing/2010/main" val="0"/>
-              </a:ext>
-            </a:extLst>
-          </a:blip>
-          <a:stretch>
-            <a:fillRect/>
-          </a:stretch>
-        </p:blipFill>
-        <p:spPr>
-          <a:xfrm>
-            <a:off x="2559699" y="4219476"/>
-            <a:ext cx="1828800" cy="1828800"/>
-          </a:xfrm>
-          <a:prstGeom prst="rect">
-            <a:avLst/>
-          </a:prstGeom>
-        </p:spPr>
-      </p:pic>
-      <p:pic>
-        <p:nvPicPr>
-          <p:cNvPr id="6" name="图片 21" descr="图片包含 游戏机, 花&#10;&#10;描述已自动生成">
-            <a:extLst>
-              <a:ext uri="{FF2B5EF4-FFF2-40B4-BE49-F238E27FC236}">
-                <a16:creationId xmlns:a16="http://schemas.microsoft.com/office/drawing/2014/main" id="{5ADBD2DB-21BA-0C86-7702-C192BA5FD475}"/>
-              </a:ext>
-            </a:extLst>
-          </p:cNvPr>
-          <p:cNvPicPr>
-            <a:picLocks noChangeAspect="1"/>
-          </p:cNvPicPr>
-          <p:nvPr/>
-        </p:nvPicPr>
-        <p:blipFill>
-          <a:blip r:embed="rId4">
-            <a:extLst>
-              <a:ext uri="{28A0092B-C50C-407E-A947-70E740481C1C}">
-                <a14:useLocalDpi xmlns:a14="http://schemas.microsoft.com/office/drawing/2010/main" val="0"/>
-              </a:ext>
-            </a:extLst>
-          </a:blip>
-          <a:stretch>
-            <a:fillRect/>
-          </a:stretch>
-        </p:blipFill>
-        <p:spPr>
-          <a:xfrm>
-            <a:off x="4881466" y="4219476"/>
-            <a:ext cx="1828800" cy="1828800"/>
-          </a:xfrm>
-          <a:prstGeom prst="rect">
-            <a:avLst/>
-          </a:prstGeom>
-        </p:spPr>
-      </p:pic>
-      <p:pic>
-        <p:nvPicPr>
-          <p:cNvPr id="7" name="图片 23" descr="图片包含 游戏机, 动物, 花&#10;&#10;描述已自动生成">
-            <a:extLst>
-              <a:ext uri="{FF2B5EF4-FFF2-40B4-BE49-F238E27FC236}">
-                <a16:creationId xmlns:a16="http://schemas.microsoft.com/office/drawing/2014/main" id="{3E563422-6B1A-01EF-B4E8-81F7BECED668}"/>
-              </a:ext>
-            </a:extLst>
-          </p:cNvPr>
-          <p:cNvPicPr>
-            <a:picLocks noChangeAspect="1"/>
-          </p:cNvPicPr>
-          <p:nvPr/>
-        </p:nvPicPr>
-        <p:blipFill>
-          <a:blip r:embed="rId5">
-            <a:extLst>
-              <a:ext uri="{28A0092B-C50C-407E-A947-70E740481C1C}">
-                <a14:useLocalDpi xmlns:a14="http://schemas.microsoft.com/office/drawing/2010/main" val="0"/>
-              </a:ext>
-            </a:extLst>
-          </a:blip>
-          <a:stretch>
-            <a:fillRect/>
-          </a:stretch>
-        </p:blipFill>
-        <p:spPr>
-          <a:xfrm>
-            <a:off x="7203233" y="4219476"/>
-            <a:ext cx="1828800" cy="1828800"/>
-          </a:xfrm>
-          <a:prstGeom prst="rect">
-            <a:avLst/>
-          </a:prstGeom>
-        </p:spPr>
-      </p:pic>
-      <p:sp>
-        <p:nvSpPr>
-          <p:cNvPr id="8" name="文本框 26">
-            <a:extLst>
-              <a:ext uri="{FF2B5EF4-FFF2-40B4-BE49-F238E27FC236}">
-                <a16:creationId xmlns:a16="http://schemas.microsoft.com/office/drawing/2014/main" id="{C97058CD-FB28-D586-C344-7C1A4C686118}"/>
-              </a:ext>
-            </a:extLst>
-          </p:cNvPr>
-          <p:cNvSpPr txBox="1"/>
-          <p:nvPr/>
-        </p:nvSpPr>
-        <p:spPr>
-          <a:xfrm>
-            <a:off x="237932" y="6048276"/>
-            <a:ext cx="1828800" cy="461665"/>
-          </a:xfrm>
-          <a:prstGeom prst="rect">
-            <a:avLst/>
-          </a:prstGeom>
-          <a:noFill/>
-        </p:spPr>
-        <p:txBody>
-          <a:bodyPr wrap="square" rtlCol="0">
-            <a:spAutoFit/>
-          </a:bodyPr>
-          <a:lstStyle/>
-          <a:p>
-            <a:pPr algn="ctr"/>
-            <a:r>
-              <a:rPr lang="en-US" altLang="zh-CN" sz="2400" dirty="0">
-                <a:latin typeface="Calibri" panose="020F0502020204030204" pitchFamily="34" charset="0"/>
-                <a:ea typeface="Calibri" panose="020F0502020204030204" pitchFamily="34" charset="0"/>
-                <a:cs typeface="Calibri" panose="020F0502020204030204" pitchFamily="34" charset="0"/>
-              </a:rPr>
-              <a:t>Epoch 0</a:t>
-            </a:r>
-            <a:endParaRPr lang="zh-CN" altLang="en-US" sz="2400" dirty="0">
-              <a:latin typeface="Calibri" panose="020F0502020204030204" pitchFamily="34" charset="0"/>
-              <a:cs typeface="Calibri" panose="020F0502020204030204" pitchFamily="34" charset="0"/>
-            </a:endParaRPr>
-          </a:p>
-        </p:txBody>
-      </p:sp>
-      <p:sp>
-        <p:nvSpPr>
-          <p:cNvPr id="9" name="文本框 27">
-            <a:extLst>
-              <a:ext uri="{FF2B5EF4-FFF2-40B4-BE49-F238E27FC236}">
-                <a16:creationId xmlns:a16="http://schemas.microsoft.com/office/drawing/2014/main" id="{5D3791FC-E8AF-D022-181F-79C24916D0C5}"/>
-              </a:ext>
-            </a:extLst>
-          </p:cNvPr>
-          <p:cNvSpPr txBox="1"/>
-          <p:nvPr/>
-        </p:nvSpPr>
-        <p:spPr>
-          <a:xfrm>
-            <a:off x="2559699" y="6066929"/>
-            <a:ext cx="1828800" cy="461665"/>
-          </a:xfrm>
-          <a:prstGeom prst="rect">
-            <a:avLst/>
-          </a:prstGeom>
-          <a:noFill/>
-        </p:spPr>
-        <p:txBody>
-          <a:bodyPr wrap="square" rtlCol="0">
-            <a:spAutoFit/>
-          </a:bodyPr>
-          <a:lstStyle/>
-          <a:p>
-            <a:pPr algn="ctr"/>
-            <a:r>
-              <a:rPr lang="en-US" altLang="zh-CN" sz="2400" dirty="0">
-                <a:latin typeface="Calibri" panose="020F0502020204030204" pitchFamily="34" charset="0"/>
-                <a:ea typeface="Calibri" panose="020F0502020204030204" pitchFamily="34" charset="0"/>
-                <a:cs typeface="Calibri" panose="020F0502020204030204" pitchFamily="34" charset="0"/>
-              </a:rPr>
-              <a:t>Epoch 500</a:t>
-            </a:r>
-            <a:endParaRPr lang="zh-CN" altLang="en-US" sz="2400" dirty="0">
-              <a:latin typeface="Calibri" panose="020F0502020204030204" pitchFamily="34" charset="0"/>
-              <a:cs typeface="Calibri" panose="020F0502020204030204" pitchFamily="34" charset="0"/>
-            </a:endParaRPr>
-          </a:p>
-        </p:txBody>
-      </p:sp>
-      <p:sp>
-        <p:nvSpPr>
-          <p:cNvPr id="10" name="文本框 28">
-            <a:extLst>
-              <a:ext uri="{FF2B5EF4-FFF2-40B4-BE49-F238E27FC236}">
-                <a16:creationId xmlns:a16="http://schemas.microsoft.com/office/drawing/2014/main" id="{82EA09AF-7E8E-0E6C-C520-3A6579EC3B0C}"/>
-              </a:ext>
-            </a:extLst>
-          </p:cNvPr>
-          <p:cNvSpPr txBox="1"/>
-          <p:nvPr/>
-        </p:nvSpPr>
-        <p:spPr>
-          <a:xfrm>
-            <a:off x="4881466" y="6066929"/>
-            <a:ext cx="1828800" cy="461665"/>
-          </a:xfrm>
-          <a:prstGeom prst="rect">
-            <a:avLst/>
-          </a:prstGeom>
-          <a:noFill/>
-        </p:spPr>
-        <p:txBody>
-          <a:bodyPr wrap="square" rtlCol="0">
-            <a:spAutoFit/>
-          </a:bodyPr>
-          <a:lstStyle/>
-          <a:p>
-            <a:pPr algn="ctr"/>
-            <a:r>
-              <a:rPr lang="en-US" altLang="zh-CN" sz="2400" dirty="0">
-                <a:latin typeface="Calibri" panose="020F0502020204030204" pitchFamily="34" charset="0"/>
-                <a:ea typeface="Calibri" panose="020F0502020204030204" pitchFamily="34" charset="0"/>
-                <a:cs typeface="Calibri" panose="020F0502020204030204" pitchFamily="34" charset="0"/>
-              </a:rPr>
-              <a:t>Epoch 3000</a:t>
-            </a:r>
-            <a:endParaRPr lang="zh-CN" altLang="en-US" sz="2400" dirty="0">
-              <a:latin typeface="Calibri" panose="020F0502020204030204" pitchFamily="34" charset="0"/>
-              <a:cs typeface="Calibri" panose="020F0502020204030204" pitchFamily="34" charset="0"/>
-            </a:endParaRPr>
-          </a:p>
-        </p:txBody>
-      </p:sp>
-      <p:sp>
-        <p:nvSpPr>
-          <p:cNvPr id="11" name="文本框 29">
-            <a:extLst>
-              <a:ext uri="{FF2B5EF4-FFF2-40B4-BE49-F238E27FC236}">
-                <a16:creationId xmlns:a16="http://schemas.microsoft.com/office/drawing/2014/main" id="{20C5110B-2D47-E467-D4BA-572E5AC04766}"/>
-              </a:ext>
-            </a:extLst>
-          </p:cNvPr>
-          <p:cNvSpPr txBox="1"/>
-          <p:nvPr/>
-        </p:nvSpPr>
-        <p:spPr>
-          <a:xfrm>
-            <a:off x="7203233" y="6048275"/>
-            <a:ext cx="1828800" cy="461665"/>
-          </a:xfrm>
-          <a:prstGeom prst="rect">
-            <a:avLst/>
-          </a:prstGeom>
-          <a:noFill/>
-        </p:spPr>
-        <p:txBody>
-          <a:bodyPr wrap="square" rtlCol="0">
-            <a:spAutoFit/>
-          </a:bodyPr>
-          <a:lstStyle/>
-          <a:p>
-            <a:pPr algn="ctr"/>
-            <a:r>
-              <a:rPr lang="en-US" altLang="zh-CN" sz="2400" dirty="0">
-                <a:latin typeface="Calibri" panose="020F0502020204030204" pitchFamily="34" charset="0"/>
-                <a:ea typeface="Calibri" panose="020F0502020204030204" pitchFamily="34" charset="0"/>
-                <a:cs typeface="Calibri" panose="020F0502020204030204" pitchFamily="34" charset="0"/>
-              </a:rPr>
-              <a:t>Epoch 17000</a:t>
-            </a:r>
-            <a:endParaRPr lang="zh-CN" altLang="en-US" sz="2400" dirty="0">
-              <a:latin typeface="Calibri" panose="020F0502020204030204" pitchFamily="34" charset="0"/>
-              <a:cs typeface="Calibri" panose="020F0502020204030204" pitchFamily="34" charset="0"/>
-            </a:endParaRPr>
-          </a:p>
-        </p:txBody>
-      </p:sp>
-      <p:sp>
-        <p:nvSpPr>
-          <p:cNvPr id="12" name="文本框 30">
-            <a:extLst>
-              <a:ext uri="{FF2B5EF4-FFF2-40B4-BE49-F238E27FC236}">
-                <a16:creationId xmlns:a16="http://schemas.microsoft.com/office/drawing/2014/main" id="{8854246B-0611-C377-B31F-CE72316F7AB2}"/>
-              </a:ext>
-            </a:extLst>
-          </p:cNvPr>
-          <p:cNvSpPr txBox="1"/>
-          <p:nvPr/>
-        </p:nvSpPr>
-        <p:spPr>
-          <a:xfrm>
-            <a:off x="9525000" y="6031210"/>
-            <a:ext cx="1828800" cy="461665"/>
-          </a:xfrm>
-          <a:prstGeom prst="rect">
-            <a:avLst/>
-          </a:prstGeom>
-          <a:noFill/>
-        </p:spPr>
-        <p:txBody>
-          <a:bodyPr wrap="square" rtlCol="0">
-            <a:spAutoFit/>
-          </a:bodyPr>
-          <a:lstStyle/>
-          <a:p>
-            <a:pPr algn="ctr"/>
-            <a:r>
-              <a:rPr lang="en-US" altLang="zh-CN" sz="2400" dirty="0">
-                <a:latin typeface="Calibri" panose="020F0502020204030204" pitchFamily="34" charset="0"/>
-                <a:ea typeface="Calibri" panose="020F0502020204030204" pitchFamily="34" charset="0"/>
-                <a:cs typeface="Calibri" panose="020F0502020204030204" pitchFamily="34" charset="0"/>
-              </a:rPr>
-              <a:t>Epoch 89000</a:t>
-            </a:r>
-            <a:endParaRPr lang="zh-CN" altLang="en-US" sz="2400" dirty="0">
-              <a:latin typeface="Calibri" panose="020F0502020204030204" pitchFamily="34" charset="0"/>
-              <a:cs typeface="Calibri" panose="020F0502020204030204" pitchFamily="34" charset="0"/>
-            </a:endParaRPr>
-          </a:p>
-        </p:txBody>
-      </p:sp>
-      <p:pic>
-        <p:nvPicPr>
-          <p:cNvPr id="13" name="图片 32" descr="图片包含 游戏机, 花&#10;&#10;描述已自动生成">
-            <a:extLst>
-              <a:ext uri="{FF2B5EF4-FFF2-40B4-BE49-F238E27FC236}">
-                <a16:creationId xmlns:a16="http://schemas.microsoft.com/office/drawing/2014/main" id="{B154439C-330B-5BE0-F19A-EF8212A304A2}"/>
-              </a:ext>
-            </a:extLst>
-          </p:cNvPr>
-          <p:cNvPicPr>
-            <a:picLocks noChangeAspect="1"/>
-          </p:cNvPicPr>
-          <p:nvPr/>
-        </p:nvPicPr>
-        <p:blipFill>
-          <a:blip r:embed="rId6">
-            <a:extLst>
-              <a:ext uri="{28A0092B-C50C-407E-A947-70E740481C1C}">
-                <a14:useLocalDpi xmlns:a14="http://schemas.microsoft.com/office/drawing/2010/main" val="0"/>
-              </a:ext>
-            </a:extLst>
-          </a:blip>
-          <a:stretch>
-            <a:fillRect/>
-          </a:stretch>
-        </p:blipFill>
-        <p:spPr>
-          <a:xfrm>
-            <a:off x="9559213" y="1600200"/>
-            <a:ext cx="1828800" cy="1828800"/>
-          </a:xfrm>
-          <a:prstGeom prst="rect">
-            <a:avLst/>
-          </a:prstGeom>
-        </p:spPr>
-      </p:pic>
-      <p:sp>
-        <p:nvSpPr>
-          <p:cNvPr id="14" name="文本框 33">
-            <a:extLst>
-              <a:ext uri="{FF2B5EF4-FFF2-40B4-BE49-F238E27FC236}">
-                <a16:creationId xmlns:a16="http://schemas.microsoft.com/office/drawing/2014/main" id="{6D2DA33C-AAE3-96F5-2D93-4092FE557692}"/>
-              </a:ext>
-            </a:extLst>
-          </p:cNvPr>
-          <p:cNvSpPr txBox="1"/>
-          <p:nvPr/>
-        </p:nvSpPr>
-        <p:spPr>
-          <a:xfrm>
-            <a:off x="9462796" y="3447653"/>
-            <a:ext cx="2021633" cy="461665"/>
-          </a:xfrm>
-          <a:prstGeom prst="rect">
-            <a:avLst/>
-          </a:prstGeom>
-          <a:noFill/>
-        </p:spPr>
-        <p:txBody>
-          <a:bodyPr wrap="square" rtlCol="0">
-            <a:spAutoFit/>
-          </a:bodyPr>
-          <a:lstStyle/>
-          <a:p>
-            <a:pPr algn="ctr"/>
-            <a:r>
-              <a:rPr lang="en-US" altLang="zh-CN" sz="2400" dirty="0">
-                <a:latin typeface="Calibri" panose="020F0502020204030204" pitchFamily="34" charset="0"/>
-                <a:ea typeface="Calibri" panose="020F0502020204030204" pitchFamily="34" charset="0"/>
-                <a:cs typeface="Calibri" panose="020F0502020204030204" pitchFamily="34" charset="0"/>
-              </a:rPr>
-              <a:t>Ground Truth</a:t>
-            </a:r>
-            <a:endParaRPr lang="zh-CN" altLang="en-US" sz="2400" dirty="0">
-              <a:latin typeface="Calibri" panose="020F0502020204030204" pitchFamily="34" charset="0"/>
-              <a:cs typeface="Calibri" panose="020F0502020204030204" pitchFamily="34" charset="0"/>
-            </a:endParaRPr>
-          </a:p>
-        </p:txBody>
-      </p:sp>
-      <p:pic>
-        <p:nvPicPr>
-          <p:cNvPr id="15" name="图片 35" descr="图片包含 游戏机, 动物, 昆虫, 花&#10;&#10;描述已自动生成">
-            <a:extLst>
-              <a:ext uri="{FF2B5EF4-FFF2-40B4-BE49-F238E27FC236}">
-                <a16:creationId xmlns:a16="http://schemas.microsoft.com/office/drawing/2014/main" id="{44489EA7-059E-8848-CE29-572182750B36}"/>
-              </a:ext>
-            </a:extLst>
-          </p:cNvPr>
-          <p:cNvPicPr>
-            <a:picLocks noChangeAspect="1"/>
-          </p:cNvPicPr>
-          <p:nvPr/>
-        </p:nvPicPr>
-        <p:blipFill>
-          <a:blip r:embed="rId7">
-            <a:extLst>
-              <a:ext uri="{28A0092B-C50C-407E-A947-70E740481C1C}">
-                <a14:useLocalDpi xmlns:a14="http://schemas.microsoft.com/office/drawing/2010/main" val="0"/>
-              </a:ext>
-            </a:extLst>
-          </a:blip>
-          <a:stretch>
-            <a:fillRect/>
-          </a:stretch>
-        </p:blipFill>
-        <p:spPr>
-          <a:xfrm>
-            <a:off x="9525000" y="4202410"/>
-            <a:ext cx="1828800" cy="1828800"/>
-          </a:xfrm>
-          <a:prstGeom prst="rect">
-            <a:avLst/>
-          </a:prstGeom>
-        </p:spPr>
-      </p:pic>
-    </p:spTree>
-    <p:extLst>
-      <p:ext uri="{BB962C8B-B14F-4D97-AF65-F5344CB8AC3E}">
-        <p14:creationId xmlns:p14="http://schemas.microsoft.com/office/powerpoint/2010/main" val="2513878035"/>
-      </p:ext>
-    </p:extLst>
-  </p:cSld>
-  <p:clrMapOvr>
-    <a:masterClrMapping/>
-  </p:clrMapOvr>
-</p:sld>
-</file>
-
-<file path=ppt/slides/slide19.xml><?xml version="1.0" encoding="utf-8"?>
-<p:sld xmlns:a="http://schemas.openxmlformats.org/drawingml/2006/main" xmlns:r="http://schemas.openxmlformats.org/officeDocument/2006/relationships" xmlns:p="http://schemas.openxmlformats.org/presentationml/2006/main">
-  <p:cSld>
-    <p:spTree>
-      <p:nvGrpSpPr>
-        <p:cNvPr id="1" name=""/>
-        <p:cNvGrpSpPr/>
-        <p:nvPr/>
-      </p:nvGrpSpPr>
-      <p:grpSpPr>
-        <a:xfrm>
-          <a:off x="0" y="0"/>
-          <a:ext cx="0" cy="0"/>
-          <a:chOff x="0" y="0"/>
-          <a:chExt cx="0" cy="0"/>
-        </a:xfrm>
-      </p:grpSpPr>
-      <p:sp>
-        <p:nvSpPr>
-          <p:cNvPr id="2" name="Title 1">
-            <a:extLst>
-              <a:ext uri="{FF2B5EF4-FFF2-40B4-BE49-F238E27FC236}">
-                <a16:creationId xmlns:a16="http://schemas.microsoft.com/office/drawing/2014/main" id="{4C1CA328-6BA5-23D9-825F-AB7EDE936D4F}"/>
-              </a:ext>
-            </a:extLst>
-          </p:cNvPr>
-          <p:cNvSpPr>
-            <a:spLocks noGrp="1"/>
-          </p:cNvSpPr>
-          <p:nvPr>
-            <p:ph type="title"/>
-          </p:nvPr>
-        </p:nvSpPr>
-        <p:spPr/>
-        <p:txBody>
-          <a:bodyPr/>
-          <a:lstStyle/>
-          <a:p>
-            <a:r>
-              <a:rPr lang="en-US" altLang="zh-CN" dirty="0">
-                <a:latin typeface="Calibri" panose="020F0502020204030204" pitchFamily="34" charset="0"/>
-                <a:ea typeface="Calibri" panose="020F0502020204030204" pitchFamily="34" charset="0"/>
-                <a:cs typeface="Calibri" panose="020F0502020204030204" pitchFamily="34" charset="0"/>
-              </a:rPr>
-              <a:t>Result of solving PDEs</a:t>
-            </a:r>
-            <a:endParaRPr lang="zh-CN" altLang="en-US" dirty="0"/>
-          </a:p>
-        </p:txBody>
-      </p:sp>
-      <p:pic>
-        <p:nvPicPr>
-          <p:cNvPr id="5" name="Picture 4">
-            <a:extLst>
-              <a:ext uri="{FF2B5EF4-FFF2-40B4-BE49-F238E27FC236}">
-                <a16:creationId xmlns:a16="http://schemas.microsoft.com/office/drawing/2014/main" id="{389AEE35-E6A8-A9AE-0A28-E2CC21265902}"/>
-              </a:ext>
-            </a:extLst>
-          </p:cNvPr>
-          <p:cNvPicPr>
-            <a:picLocks noChangeAspect="1"/>
-          </p:cNvPicPr>
-          <p:nvPr/>
-        </p:nvPicPr>
-        <p:blipFill>
-          <a:blip r:embed="rId3"/>
-          <a:stretch>
-            <a:fillRect/>
-          </a:stretch>
-        </p:blipFill>
-        <p:spPr>
-          <a:xfrm>
-            <a:off x="1308708" y="2123163"/>
-            <a:ext cx="9337339" cy="4230983"/>
-          </a:xfrm>
-          <a:prstGeom prst="rect">
-            <a:avLst/>
-          </a:prstGeom>
-        </p:spPr>
-      </p:pic>
-      <p:pic>
-        <p:nvPicPr>
-          <p:cNvPr id="7" name="Picture 6" descr="\documentclass{article}&#10;\usepackage{amsmath}&#10;\usepackage{color}&#10;\usepackage{amsfonts,amssymb}&#10;\usepackage{algorithmic}&#10;\usepackage{algorithm}&#10;\pagestyle{empty}&#10;\begin{document}&#10;Solve: $\frac{\partial\Phi}{\partial t}=\frac{\partial ^2 \Phi}{\partial x}+1-|x|;0\le t\le 1; -1\le x\le 1; t=0,\Phi=0;x=\pm1,\Phi=0$&#10;\end{document}" title="IguanaTex Bitmap Display">
-            <a:extLst>
-              <a:ext uri="{FF2B5EF4-FFF2-40B4-BE49-F238E27FC236}">
-                <a16:creationId xmlns:a16="http://schemas.microsoft.com/office/drawing/2014/main" id="{C9F16A64-F938-3E47-D971-23B6F8CCF64C}"/>
-              </a:ext>
-            </a:extLst>
-          </p:cNvPr>
-          <p:cNvPicPr>
-            <a:picLocks noChangeAspect="1"/>
-          </p:cNvPicPr>
-          <p:nvPr>
-            <p:custDataLst>
-              <p:tags r:id="rId1"/>
-            </p:custDataLst>
-          </p:nvPr>
-        </p:nvPicPr>
-        <p:blipFill>
-          <a:blip r:embed="rId4">
-            <a:extLst>
-              <a:ext uri="{28A0092B-C50C-407E-A947-70E740481C1C}">
-                <a14:useLocalDpi xmlns:a14="http://schemas.microsoft.com/office/drawing/2010/main" val="0"/>
-              </a:ext>
-            </a:extLst>
-          </a:blip>
-          <a:stretch>
-            <a:fillRect/>
-          </a:stretch>
-        </p:blipFill>
-        <p:spPr>
-          <a:xfrm>
-            <a:off x="1448669" y="1480402"/>
-            <a:ext cx="9826546" cy="413712"/>
-          </a:xfrm>
-          <a:prstGeom prst="rect">
-            <a:avLst/>
-          </a:prstGeom>
-        </p:spPr>
-      </p:pic>
-    </p:spTree>
-    <p:extLst>
-      <p:ext uri="{BB962C8B-B14F-4D97-AF65-F5344CB8AC3E}">
-        <p14:creationId xmlns:p14="http://schemas.microsoft.com/office/powerpoint/2010/main" val="2011708145"/>
-      </p:ext>
-    </p:extLst>
-  </p:cSld>
-  <p:clrMapOvr>
-    <a:masterClrMapping/>
-  </p:clrMapOvr>
-</p:sld>
-</file>
-
 <file path=ppt/slides/slide2.xml><?xml version="1.0" encoding="utf-8"?>
 <p:sld xmlns:a="http://schemas.openxmlformats.org/drawingml/2006/main" xmlns:r="http://schemas.openxmlformats.org/officeDocument/2006/relationships" xmlns:p="http://schemas.openxmlformats.org/presentationml/2006/main">
   <p:cSld>
@@ -7931,6 +7923,685 @@
           <p:cNvPr id="2" name="Title 1">
             <a:extLst>
               <a:ext uri="{FF2B5EF4-FFF2-40B4-BE49-F238E27FC236}">
+                <a16:creationId xmlns:a16="http://schemas.microsoft.com/office/drawing/2014/main" id="{3F0B6D6F-1146-9D10-B4BB-3ED67B541664}"/>
+              </a:ext>
+            </a:extLst>
+          </p:cNvPr>
+          <p:cNvSpPr>
+            <a:spLocks noGrp="1"/>
+          </p:cNvSpPr>
+          <p:nvPr>
+            <p:ph type="title"/>
+          </p:nvPr>
+        </p:nvSpPr>
+        <p:spPr/>
+        <p:txBody>
+          <a:bodyPr/>
+          <a:lstStyle/>
+          <a:p>
+            <a:r>
+              <a:rPr lang="en-US" altLang="zh-CN" dirty="0">
+                <a:latin typeface="Calibri" panose="020F0502020204030204" pitchFamily="34" charset="0"/>
+                <a:ea typeface="Calibri" panose="020F0502020204030204" pitchFamily="34" charset="0"/>
+                <a:cs typeface="Calibri" panose="020F0502020204030204" pitchFamily="34" charset="0"/>
+              </a:rPr>
+              <a:t>Result of image reconstruction</a:t>
+            </a:r>
+            <a:endParaRPr lang="zh-CN" altLang="en-US" dirty="0">
+              <a:latin typeface="Calibri" panose="020F0502020204030204" pitchFamily="34" charset="0"/>
+              <a:cs typeface="Calibri" panose="020F0502020204030204" pitchFamily="34" charset="0"/>
+            </a:endParaRPr>
+          </a:p>
+        </p:txBody>
+      </p:sp>
+      <p:pic>
+        <p:nvPicPr>
+          <p:cNvPr id="4" name="图片 3" descr="背景图案&#10;&#10;描述已自动生成">
+            <a:extLst>
+              <a:ext uri="{FF2B5EF4-FFF2-40B4-BE49-F238E27FC236}">
+                <a16:creationId xmlns:a16="http://schemas.microsoft.com/office/drawing/2014/main" id="{F4D69277-5314-D72B-F288-3991AAE636E2}"/>
+              </a:ext>
+            </a:extLst>
+          </p:cNvPr>
+          <p:cNvPicPr>
+            <a:picLocks noChangeAspect="1"/>
+          </p:cNvPicPr>
+          <p:nvPr/>
+        </p:nvPicPr>
+        <p:blipFill>
+          <a:blip r:embed="rId2">
+            <a:extLst>
+              <a:ext uri="{28A0092B-C50C-407E-A947-70E740481C1C}">
+                <a14:useLocalDpi xmlns:a14="http://schemas.microsoft.com/office/drawing/2010/main" val="0"/>
+              </a:ext>
+            </a:extLst>
+          </a:blip>
+          <a:stretch>
+            <a:fillRect/>
+          </a:stretch>
+        </p:blipFill>
+        <p:spPr>
+          <a:xfrm>
+            <a:off x="237932" y="4219476"/>
+            <a:ext cx="1828800" cy="1828800"/>
+          </a:xfrm>
+          <a:prstGeom prst="rect">
+            <a:avLst/>
+          </a:prstGeom>
+        </p:spPr>
+      </p:pic>
+      <p:pic>
+        <p:nvPicPr>
+          <p:cNvPr id="5" name="图片 19" descr="图片包含 关, 电话, 大, 站&#10;&#10;描述已自动生成">
+            <a:extLst>
+              <a:ext uri="{FF2B5EF4-FFF2-40B4-BE49-F238E27FC236}">
+                <a16:creationId xmlns:a16="http://schemas.microsoft.com/office/drawing/2014/main" id="{592FA5F0-836A-883A-8C76-BC5AB3EF12F6}"/>
+              </a:ext>
+            </a:extLst>
+          </p:cNvPr>
+          <p:cNvPicPr>
+            <a:picLocks noChangeAspect="1"/>
+          </p:cNvPicPr>
+          <p:nvPr/>
+        </p:nvPicPr>
+        <p:blipFill>
+          <a:blip r:embed="rId3">
+            <a:extLst>
+              <a:ext uri="{28A0092B-C50C-407E-A947-70E740481C1C}">
+                <a14:useLocalDpi xmlns:a14="http://schemas.microsoft.com/office/drawing/2010/main" val="0"/>
+              </a:ext>
+            </a:extLst>
+          </a:blip>
+          <a:stretch>
+            <a:fillRect/>
+          </a:stretch>
+        </p:blipFill>
+        <p:spPr>
+          <a:xfrm>
+            <a:off x="2559699" y="4219476"/>
+            <a:ext cx="1828800" cy="1828800"/>
+          </a:xfrm>
+          <a:prstGeom prst="rect">
+            <a:avLst/>
+          </a:prstGeom>
+        </p:spPr>
+      </p:pic>
+      <p:pic>
+        <p:nvPicPr>
+          <p:cNvPr id="6" name="图片 21" descr="图片包含 游戏机, 花&#10;&#10;描述已自动生成">
+            <a:extLst>
+              <a:ext uri="{FF2B5EF4-FFF2-40B4-BE49-F238E27FC236}">
+                <a16:creationId xmlns:a16="http://schemas.microsoft.com/office/drawing/2014/main" id="{5ADBD2DB-21BA-0C86-7702-C192BA5FD475}"/>
+              </a:ext>
+            </a:extLst>
+          </p:cNvPr>
+          <p:cNvPicPr>
+            <a:picLocks noChangeAspect="1"/>
+          </p:cNvPicPr>
+          <p:nvPr/>
+        </p:nvPicPr>
+        <p:blipFill>
+          <a:blip r:embed="rId4">
+            <a:extLst>
+              <a:ext uri="{28A0092B-C50C-407E-A947-70E740481C1C}">
+                <a14:useLocalDpi xmlns:a14="http://schemas.microsoft.com/office/drawing/2010/main" val="0"/>
+              </a:ext>
+            </a:extLst>
+          </a:blip>
+          <a:stretch>
+            <a:fillRect/>
+          </a:stretch>
+        </p:blipFill>
+        <p:spPr>
+          <a:xfrm>
+            <a:off x="4881466" y="4219476"/>
+            <a:ext cx="1828800" cy="1828800"/>
+          </a:xfrm>
+          <a:prstGeom prst="rect">
+            <a:avLst/>
+          </a:prstGeom>
+        </p:spPr>
+      </p:pic>
+      <p:pic>
+        <p:nvPicPr>
+          <p:cNvPr id="7" name="图片 23" descr="图片包含 游戏机, 动物, 花&#10;&#10;描述已自动生成">
+            <a:extLst>
+              <a:ext uri="{FF2B5EF4-FFF2-40B4-BE49-F238E27FC236}">
+                <a16:creationId xmlns:a16="http://schemas.microsoft.com/office/drawing/2014/main" id="{3E563422-6B1A-01EF-B4E8-81F7BECED668}"/>
+              </a:ext>
+            </a:extLst>
+          </p:cNvPr>
+          <p:cNvPicPr>
+            <a:picLocks noChangeAspect="1"/>
+          </p:cNvPicPr>
+          <p:nvPr/>
+        </p:nvPicPr>
+        <p:blipFill>
+          <a:blip r:embed="rId5">
+            <a:extLst>
+              <a:ext uri="{28A0092B-C50C-407E-A947-70E740481C1C}">
+                <a14:useLocalDpi xmlns:a14="http://schemas.microsoft.com/office/drawing/2010/main" val="0"/>
+              </a:ext>
+            </a:extLst>
+          </a:blip>
+          <a:stretch>
+            <a:fillRect/>
+          </a:stretch>
+        </p:blipFill>
+        <p:spPr>
+          <a:xfrm>
+            <a:off x="7203233" y="4219476"/>
+            <a:ext cx="1828800" cy="1828800"/>
+          </a:xfrm>
+          <a:prstGeom prst="rect">
+            <a:avLst/>
+          </a:prstGeom>
+        </p:spPr>
+      </p:pic>
+      <p:sp>
+        <p:nvSpPr>
+          <p:cNvPr id="8" name="文本框 26">
+            <a:extLst>
+              <a:ext uri="{FF2B5EF4-FFF2-40B4-BE49-F238E27FC236}">
+                <a16:creationId xmlns:a16="http://schemas.microsoft.com/office/drawing/2014/main" id="{C97058CD-FB28-D586-C344-7C1A4C686118}"/>
+              </a:ext>
+            </a:extLst>
+          </p:cNvPr>
+          <p:cNvSpPr txBox="1"/>
+          <p:nvPr/>
+        </p:nvSpPr>
+        <p:spPr>
+          <a:xfrm>
+            <a:off x="237932" y="6048276"/>
+            <a:ext cx="1828800" cy="461665"/>
+          </a:xfrm>
+          <a:prstGeom prst="rect">
+            <a:avLst/>
+          </a:prstGeom>
+          <a:noFill/>
+        </p:spPr>
+        <p:txBody>
+          <a:bodyPr wrap="square" rtlCol="0">
+            <a:spAutoFit/>
+          </a:bodyPr>
+          <a:lstStyle/>
+          <a:p>
+            <a:pPr algn="ctr"/>
+            <a:r>
+              <a:rPr lang="en-US" altLang="zh-CN" sz="2400" dirty="0">
+                <a:latin typeface="Calibri" panose="020F0502020204030204" pitchFamily="34" charset="0"/>
+                <a:ea typeface="Calibri" panose="020F0502020204030204" pitchFamily="34" charset="0"/>
+                <a:cs typeface="Calibri" panose="020F0502020204030204" pitchFamily="34" charset="0"/>
+              </a:rPr>
+              <a:t>Epoch 0</a:t>
+            </a:r>
+            <a:endParaRPr lang="zh-CN" altLang="en-US" sz="2400" dirty="0">
+              <a:latin typeface="Calibri" panose="020F0502020204030204" pitchFamily="34" charset="0"/>
+              <a:cs typeface="Calibri" panose="020F0502020204030204" pitchFamily="34" charset="0"/>
+            </a:endParaRPr>
+          </a:p>
+        </p:txBody>
+      </p:sp>
+      <p:sp>
+        <p:nvSpPr>
+          <p:cNvPr id="9" name="文本框 27">
+            <a:extLst>
+              <a:ext uri="{FF2B5EF4-FFF2-40B4-BE49-F238E27FC236}">
+                <a16:creationId xmlns:a16="http://schemas.microsoft.com/office/drawing/2014/main" id="{5D3791FC-E8AF-D022-181F-79C24916D0C5}"/>
+              </a:ext>
+            </a:extLst>
+          </p:cNvPr>
+          <p:cNvSpPr txBox="1"/>
+          <p:nvPr/>
+        </p:nvSpPr>
+        <p:spPr>
+          <a:xfrm>
+            <a:off x="2559699" y="6066929"/>
+            <a:ext cx="1828800" cy="461665"/>
+          </a:xfrm>
+          <a:prstGeom prst="rect">
+            <a:avLst/>
+          </a:prstGeom>
+          <a:noFill/>
+        </p:spPr>
+        <p:txBody>
+          <a:bodyPr wrap="square" rtlCol="0">
+            <a:spAutoFit/>
+          </a:bodyPr>
+          <a:lstStyle/>
+          <a:p>
+            <a:pPr algn="ctr"/>
+            <a:r>
+              <a:rPr lang="en-US" altLang="zh-CN" sz="2400" dirty="0">
+                <a:latin typeface="Calibri" panose="020F0502020204030204" pitchFamily="34" charset="0"/>
+                <a:ea typeface="Calibri" panose="020F0502020204030204" pitchFamily="34" charset="0"/>
+                <a:cs typeface="Calibri" panose="020F0502020204030204" pitchFamily="34" charset="0"/>
+              </a:rPr>
+              <a:t>Epoch 500</a:t>
+            </a:r>
+            <a:endParaRPr lang="zh-CN" altLang="en-US" sz="2400" dirty="0">
+              <a:latin typeface="Calibri" panose="020F0502020204030204" pitchFamily="34" charset="0"/>
+              <a:cs typeface="Calibri" panose="020F0502020204030204" pitchFamily="34" charset="0"/>
+            </a:endParaRPr>
+          </a:p>
+        </p:txBody>
+      </p:sp>
+      <p:sp>
+        <p:nvSpPr>
+          <p:cNvPr id="10" name="文本框 28">
+            <a:extLst>
+              <a:ext uri="{FF2B5EF4-FFF2-40B4-BE49-F238E27FC236}">
+                <a16:creationId xmlns:a16="http://schemas.microsoft.com/office/drawing/2014/main" id="{82EA09AF-7E8E-0E6C-C520-3A6579EC3B0C}"/>
+              </a:ext>
+            </a:extLst>
+          </p:cNvPr>
+          <p:cNvSpPr txBox="1"/>
+          <p:nvPr/>
+        </p:nvSpPr>
+        <p:spPr>
+          <a:xfrm>
+            <a:off x="4881466" y="6066929"/>
+            <a:ext cx="1828800" cy="461665"/>
+          </a:xfrm>
+          <a:prstGeom prst="rect">
+            <a:avLst/>
+          </a:prstGeom>
+          <a:noFill/>
+        </p:spPr>
+        <p:txBody>
+          <a:bodyPr wrap="square" rtlCol="0">
+            <a:spAutoFit/>
+          </a:bodyPr>
+          <a:lstStyle/>
+          <a:p>
+            <a:pPr algn="ctr"/>
+            <a:r>
+              <a:rPr lang="en-US" altLang="zh-CN" sz="2400" dirty="0">
+                <a:latin typeface="Calibri" panose="020F0502020204030204" pitchFamily="34" charset="0"/>
+                <a:ea typeface="Calibri" panose="020F0502020204030204" pitchFamily="34" charset="0"/>
+                <a:cs typeface="Calibri" panose="020F0502020204030204" pitchFamily="34" charset="0"/>
+              </a:rPr>
+              <a:t>Epoch 3000</a:t>
+            </a:r>
+            <a:endParaRPr lang="zh-CN" altLang="en-US" sz="2400" dirty="0">
+              <a:latin typeface="Calibri" panose="020F0502020204030204" pitchFamily="34" charset="0"/>
+              <a:cs typeface="Calibri" panose="020F0502020204030204" pitchFamily="34" charset="0"/>
+            </a:endParaRPr>
+          </a:p>
+        </p:txBody>
+      </p:sp>
+      <p:sp>
+        <p:nvSpPr>
+          <p:cNvPr id="11" name="文本框 29">
+            <a:extLst>
+              <a:ext uri="{FF2B5EF4-FFF2-40B4-BE49-F238E27FC236}">
+                <a16:creationId xmlns:a16="http://schemas.microsoft.com/office/drawing/2014/main" id="{20C5110B-2D47-E467-D4BA-572E5AC04766}"/>
+              </a:ext>
+            </a:extLst>
+          </p:cNvPr>
+          <p:cNvSpPr txBox="1"/>
+          <p:nvPr/>
+        </p:nvSpPr>
+        <p:spPr>
+          <a:xfrm>
+            <a:off x="7203233" y="6048275"/>
+            <a:ext cx="1828800" cy="461665"/>
+          </a:xfrm>
+          <a:prstGeom prst="rect">
+            <a:avLst/>
+          </a:prstGeom>
+          <a:noFill/>
+        </p:spPr>
+        <p:txBody>
+          <a:bodyPr wrap="square" rtlCol="0">
+            <a:spAutoFit/>
+          </a:bodyPr>
+          <a:lstStyle/>
+          <a:p>
+            <a:pPr algn="ctr"/>
+            <a:r>
+              <a:rPr lang="en-US" altLang="zh-CN" sz="2400" dirty="0">
+                <a:latin typeface="Calibri" panose="020F0502020204030204" pitchFamily="34" charset="0"/>
+                <a:ea typeface="Calibri" panose="020F0502020204030204" pitchFamily="34" charset="0"/>
+                <a:cs typeface="Calibri" panose="020F0502020204030204" pitchFamily="34" charset="0"/>
+              </a:rPr>
+              <a:t>Epoch 17000</a:t>
+            </a:r>
+            <a:endParaRPr lang="zh-CN" altLang="en-US" sz="2400" dirty="0">
+              <a:latin typeface="Calibri" panose="020F0502020204030204" pitchFamily="34" charset="0"/>
+              <a:cs typeface="Calibri" panose="020F0502020204030204" pitchFamily="34" charset="0"/>
+            </a:endParaRPr>
+          </a:p>
+        </p:txBody>
+      </p:sp>
+      <p:sp>
+        <p:nvSpPr>
+          <p:cNvPr id="12" name="文本框 30">
+            <a:extLst>
+              <a:ext uri="{FF2B5EF4-FFF2-40B4-BE49-F238E27FC236}">
+                <a16:creationId xmlns:a16="http://schemas.microsoft.com/office/drawing/2014/main" id="{8854246B-0611-C377-B31F-CE72316F7AB2}"/>
+              </a:ext>
+            </a:extLst>
+          </p:cNvPr>
+          <p:cNvSpPr txBox="1"/>
+          <p:nvPr/>
+        </p:nvSpPr>
+        <p:spPr>
+          <a:xfrm>
+            <a:off x="9525000" y="6031210"/>
+            <a:ext cx="1828800" cy="461665"/>
+          </a:xfrm>
+          <a:prstGeom prst="rect">
+            <a:avLst/>
+          </a:prstGeom>
+          <a:noFill/>
+        </p:spPr>
+        <p:txBody>
+          <a:bodyPr wrap="square" rtlCol="0">
+            <a:spAutoFit/>
+          </a:bodyPr>
+          <a:lstStyle/>
+          <a:p>
+            <a:pPr algn="ctr"/>
+            <a:r>
+              <a:rPr lang="en-US" altLang="zh-CN" sz="2400" dirty="0">
+                <a:latin typeface="Calibri" panose="020F0502020204030204" pitchFamily="34" charset="0"/>
+                <a:ea typeface="Calibri" panose="020F0502020204030204" pitchFamily="34" charset="0"/>
+                <a:cs typeface="Calibri" panose="020F0502020204030204" pitchFamily="34" charset="0"/>
+              </a:rPr>
+              <a:t>Epoch 89000</a:t>
+            </a:r>
+            <a:endParaRPr lang="zh-CN" altLang="en-US" sz="2400" dirty="0">
+              <a:latin typeface="Calibri" panose="020F0502020204030204" pitchFamily="34" charset="0"/>
+              <a:cs typeface="Calibri" panose="020F0502020204030204" pitchFamily="34" charset="0"/>
+            </a:endParaRPr>
+          </a:p>
+        </p:txBody>
+      </p:sp>
+      <p:pic>
+        <p:nvPicPr>
+          <p:cNvPr id="13" name="图片 32" descr="图片包含 游戏机, 花&#10;&#10;描述已自动生成">
+            <a:extLst>
+              <a:ext uri="{FF2B5EF4-FFF2-40B4-BE49-F238E27FC236}">
+                <a16:creationId xmlns:a16="http://schemas.microsoft.com/office/drawing/2014/main" id="{B154439C-330B-5BE0-F19A-EF8212A304A2}"/>
+              </a:ext>
+            </a:extLst>
+          </p:cNvPr>
+          <p:cNvPicPr>
+            <a:picLocks noChangeAspect="1"/>
+          </p:cNvPicPr>
+          <p:nvPr/>
+        </p:nvPicPr>
+        <p:blipFill>
+          <a:blip r:embed="rId6">
+            <a:extLst>
+              <a:ext uri="{28A0092B-C50C-407E-A947-70E740481C1C}">
+                <a14:useLocalDpi xmlns:a14="http://schemas.microsoft.com/office/drawing/2010/main" val="0"/>
+              </a:ext>
+            </a:extLst>
+          </a:blip>
+          <a:stretch>
+            <a:fillRect/>
+          </a:stretch>
+        </p:blipFill>
+        <p:spPr>
+          <a:xfrm>
+            <a:off x="9559213" y="1600200"/>
+            <a:ext cx="1828800" cy="1828800"/>
+          </a:xfrm>
+          <a:prstGeom prst="rect">
+            <a:avLst/>
+          </a:prstGeom>
+        </p:spPr>
+      </p:pic>
+      <p:sp>
+        <p:nvSpPr>
+          <p:cNvPr id="14" name="文本框 33">
+            <a:extLst>
+              <a:ext uri="{FF2B5EF4-FFF2-40B4-BE49-F238E27FC236}">
+                <a16:creationId xmlns:a16="http://schemas.microsoft.com/office/drawing/2014/main" id="{6D2DA33C-AAE3-96F5-2D93-4092FE557692}"/>
+              </a:ext>
+            </a:extLst>
+          </p:cNvPr>
+          <p:cNvSpPr txBox="1"/>
+          <p:nvPr/>
+        </p:nvSpPr>
+        <p:spPr>
+          <a:xfrm>
+            <a:off x="9462796" y="3447653"/>
+            <a:ext cx="2021633" cy="461665"/>
+          </a:xfrm>
+          <a:prstGeom prst="rect">
+            <a:avLst/>
+          </a:prstGeom>
+          <a:noFill/>
+        </p:spPr>
+        <p:txBody>
+          <a:bodyPr wrap="square" rtlCol="0">
+            <a:spAutoFit/>
+          </a:bodyPr>
+          <a:lstStyle/>
+          <a:p>
+            <a:pPr algn="ctr"/>
+            <a:r>
+              <a:rPr lang="en-US" altLang="zh-CN" sz="2400" dirty="0">
+                <a:latin typeface="Calibri" panose="020F0502020204030204" pitchFamily="34" charset="0"/>
+                <a:ea typeface="Calibri" panose="020F0502020204030204" pitchFamily="34" charset="0"/>
+                <a:cs typeface="Calibri" panose="020F0502020204030204" pitchFamily="34" charset="0"/>
+              </a:rPr>
+              <a:t>Ground Truth</a:t>
+            </a:r>
+            <a:endParaRPr lang="zh-CN" altLang="en-US" sz="2400" dirty="0">
+              <a:latin typeface="Calibri" panose="020F0502020204030204" pitchFamily="34" charset="0"/>
+              <a:cs typeface="Calibri" panose="020F0502020204030204" pitchFamily="34" charset="0"/>
+            </a:endParaRPr>
+          </a:p>
+        </p:txBody>
+      </p:sp>
+      <p:pic>
+        <p:nvPicPr>
+          <p:cNvPr id="15" name="图片 35" descr="图片包含 游戏机, 动物, 昆虫, 花&#10;&#10;描述已自动生成">
+            <a:extLst>
+              <a:ext uri="{FF2B5EF4-FFF2-40B4-BE49-F238E27FC236}">
+                <a16:creationId xmlns:a16="http://schemas.microsoft.com/office/drawing/2014/main" id="{44489EA7-059E-8848-CE29-572182750B36}"/>
+              </a:ext>
+            </a:extLst>
+          </p:cNvPr>
+          <p:cNvPicPr>
+            <a:picLocks noChangeAspect="1"/>
+          </p:cNvPicPr>
+          <p:nvPr/>
+        </p:nvPicPr>
+        <p:blipFill>
+          <a:blip r:embed="rId7">
+            <a:extLst>
+              <a:ext uri="{28A0092B-C50C-407E-A947-70E740481C1C}">
+                <a14:useLocalDpi xmlns:a14="http://schemas.microsoft.com/office/drawing/2010/main" val="0"/>
+              </a:ext>
+            </a:extLst>
+          </a:blip>
+          <a:stretch>
+            <a:fillRect/>
+          </a:stretch>
+        </p:blipFill>
+        <p:spPr>
+          <a:xfrm>
+            <a:off x="9525000" y="4202410"/>
+            <a:ext cx="1828800" cy="1828800"/>
+          </a:xfrm>
+          <a:prstGeom prst="rect">
+            <a:avLst/>
+          </a:prstGeom>
+        </p:spPr>
+      </p:pic>
+    </p:spTree>
+    <p:extLst>
+      <p:ext uri="{BB962C8B-B14F-4D97-AF65-F5344CB8AC3E}">
+        <p14:creationId xmlns:p14="http://schemas.microsoft.com/office/powerpoint/2010/main" val="2513878035"/>
+      </p:ext>
+    </p:extLst>
+  </p:cSld>
+  <p:clrMapOvr>
+    <a:masterClrMapping/>
+  </p:clrMapOvr>
+</p:sld>
+</file>
+
+<file path=ppt/slides/slide21.xml><?xml version="1.0" encoding="utf-8"?>
+<p:sld xmlns:a="http://schemas.openxmlformats.org/drawingml/2006/main" xmlns:r="http://schemas.openxmlformats.org/officeDocument/2006/relationships" xmlns:p="http://schemas.openxmlformats.org/presentationml/2006/main">
+  <p:cSld>
+    <p:spTree>
+      <p:nvGrpSpPr>
+        <p:cNvPr id="1" name=""/>
+        <p:cNvGrpSpPr/>
+        <p:nvPr/>
+      </p:nvGrpSpPr>
+      <p:grpSpPr>
+        <a:xfrm>
+          <a:off x="0" y="0"/>
+          <a:ext cx="0" cy="0"/>
+          <a:chOff x="0" y="0"/>
+          <a:chExt cx="0" cy="0"/>
+        </a:xfrm>
+      </p:grpSpPr>
+      <p:sp>
+        <p:nvSpPr>
+          <p:cNvPr id="2" name="Title 1">
+            <a:extLst>
+              <a:ext uri="{FF2B5EF4-FFF2-40B4-BE49-F238E27FC236}">
+                <a16:creationId xmlns:a16="http://schemas.microsoft.com/office/drawing/2014/main" id="{4C1CA328-6BA5-23D9-825F-AB7EDE936D4F}"/>
+              </a:ext>
+            </a:extLst>
+          </p:cNvPr>
+          <p:cNvSpPr>
+            <a:spLocks noGrp="1"/>
+          </p:cNvSpPr>
+          <p:nvPr>
+            <p:ph type="title"/>
+          </p:nvPr>
+        </p:nvSpPr>
+        <p:spPr/>
+        <p:txBody>
+          <a:bodyPr/>
+          <a:lstStyle/>
+          <a:p>
+            <a:r>
+              <a:rPr lang="en-US" altLang="zh-CN" dirty="0">
+                <a:latin typeface="Calibri" panose="020F0502020204030204" pitchFamily="34" charset="0"/>
+                <a:ea typeface="Calibri" panose="020F0502020204030204" pitchFamily="34" charset="0"/>
+                <a:cs typeface="Calibri" panose="020F0502020204030204" pitchFamily="34" charset="0"/>
+              </a:rPr>
+              <a:t>Result of solving PDEs</a:t>
+            </a:r>
+            <a:endParaRPr lang="zh-CN" altLang="en-US" dirty="0"/>
+          </a:p>
+        </p:txBody>
+      </p:sp>
+      <p:pic>
+        <p:nvPicPr>
+          <p:cNvPr id="5" name="Picture 4">
+            <a:extLst>
+              <a:ext uri="{FF2B5EF4-FFF2-40B4-BE49-F238E27FC236}">
+                <a16:creationId xmlns:a16="http://schemas.microsoft.com/office/drawing/2014/main" id="{389AEE35-E6A8-A9AE-0A28-E2CC21265902}"/>
+              </a:ext>
+            </a:extLst>
+          </p:cNvPr>
+          <p:cNvPicPr>
+            <a:picLocks noChangeAspect="1"/>
+          </p:cNvPicPr>
+          <p:nvPr/>
+        </p:nvPicPr>
+        <p:blipFill>
+          <a:blip r:embed="rId3"/>
+          <a:stretch>
+            <a:fillRect/>
+          </a:stretch>
+        </p:blipFill>
+        <p:spPr>
+          <a:xfrm>
+            <a:off x="1308708" y="2123163"/>
+            <a:ext cx="9337339" cy="4230983"/>
+          </a:xfrm>
+          <a:prstGeom prst="rect">
+            <a:avLst/>
+          </a:prstGeom>
+        </p:spPr>
+      </p:pic>
+      <p:pic>
+        <p:nvPicPr>
+          <p:cNvPr id="7" name="Picture 6" descr="\documentclass{article}&#10;\usepackage{amsmath}&#10;\usepackage{color}&#10;\usepackage{amsfonts,amssymb}&#10;\usepackage{algorithmic}&#10;\usepackage{algorithm}&#10;\pagestyle{empty}&#10;\begin{document}&#10;Solve: $\frac{\partial\Phi}{\partial t}=\frac{\partial ^2 \Phi}{\partial x}+1-|x|;0\le t\le 1; -1\le x\le 1; t=0,\Phi=0;x=\pm1,\Phi=0$&#10;\end{document}" title="IguanaTex Bitmap Display">
+            <a:extLst>
+              <a:ext uri="{FF2B5EF4-FFF2-40B4-BE49-F238E27FC236}">
+                <a16:creationId xmlns:a16="http://schemas.microsoft.com/office/drawing/2014/main" id="{C9F16A64-F938-3E47-D971-23B6F8CCF64C}"/>
+              </a:ext>
+            </a:extLst>
+          </p:cNvPr>
+          <p:cNvPicPr>
+            <a:picLocks noChangeAspect="1"/>
+          </p:cNvPicPr>
+          <p:nvPr>
+            <p:custDataLst>
+              <p:tags r:id="rId1"/>
+            </p:custDataLst>
+          </p:nvPr>
+        </p:nvPicPr>
+        <p:blipFill>
+          <a:blip r:embed="rId4">
+            <a:extLst>
+              <a:ext uri="{28A0092B-C50C-407E-A947-70E740481C1C}">
+                <a14:useLocalDpi xmlns:a14="http://schemas.microsoft.com/office/drawing/2010/main" val="0"/>
+              </a:ext>
+            </a:extLst>
+          </a:blip>
+          <a:stretch>
+            <a:fillRect/>
+          </a:stretch>
+        </p:blipFill>
+        <p:spPr>
+          <a:xfrm>
+            <a:off x="1448669" y="1480402"/>
+            <a:ext cx="9826546" cy="413712"/>
+          </a:xfrm>
+          <a:prstGeom prst="rect">
+            <a:avLst/>
+          </a:prstGeom>
+        </p:spPr>
+      </p:pic>
+    </p:spTree>
+    <p:extLst>
+      <p:ext uri="{BB962C8B-B14F-4D97-AF65-F5344CB8AC3E}">
+        <p14:creationId xmlns:p14="http://schemas.microsoft.com/office/powerpoint/2010/main" val="2011708145"/>
+      </p:ext>
+    </p:extLst>
+  </p:cSld>
+  <p:clrMapOvr>
+    <a:masterClrMapping/>
+  </p:clrMapOvr>
+</p:sld>
+</file>
+
+<file path=ppt/slides/slide22.xml><?xml version="1.0" encoding="utf-8"?>
+<p:sld xmlns:a="http://schemas.openxmlformats.org/drawingml/2006/main" xmlns:r="http://schemas.openxmlformats.org/officeDocument/2006/relationships" xmlns:p="http://schemas.openxmlformats.org/presentationml/2006/main">
+  <p:cSld>
+    <p:spTree>
+      <p:nvGrpSpPr>
+        <p:cNvPr id="1" name=""/>
+        <p:cNvGrpSpPr/>
+        <p:nvPr/>
+      </p:nvGrpSpPr>
+      <p:grpSpPr>
+        <a:xfrm>
+          <a:off x="0" y="0"/>
+          <a:ext cx="0" cy="0"/>
+          <a:chOff x="0" y="0"/>
+          <a:chExt cx="0" cy="0"/>
+        </a:xfrm>
+      </p:grpSpPr>
+      <p:sp>
+        <p:nvSpPr>
+          <p:cNvPr id="2" name="Title 1">
+            <a:extLst>
+              <a:ext uri="{FF2B5EF4-FFF2-40B4-BE49-F238E27FC236}">
                 <a16:creationId xmlns:a16="http://schemas.microsoft.com/office/drawing/2014/main" id="{4C1CA328-6BA5-23D9-825F-AB7EDE936D4F}"/>
               </a:ext>
             </a:extLst>
@@ -8668,7 +9339,7 @@
           <p:cNvPr id="2" name="Title 1">
             <a:extLst>
               <a:ext uri="{FF2B5EF4-FFF2-40B4-BE49-F238E27FC236}">
-                <a16:creationId xmlns:a16="http://schemas.microsoft.com/office/drawing/2014/main" id="{34B53B87-8631-FAD1-AFF6-1859153E814C}"/>
+                <a16:creationId xmlns:a16="http://schemas.microsoft.com/office/drawing/2014/main" id="{9E6BB65D-3614-AAF0-0F62-2C61B44C0F94}"/>
               </a:ext>
             </a:extLst>
           </p:cNvPr>
@@ -8685,165 +9356,319 @@
           <a:lstStyle/>
           <a:p>
             <a:r>
+              <a:rPr lang="zh-CN" altLang="en-US" dirty="0">
+                <a:latin typeface="微软雅黑" panose="020B0503020204020204" pitchFamily="34" charset="-122"/>
+                <a:ea typeface="微软雅黑" panose="020B0503020204020204" pitchFamily="34" charset="-122"/>
+              </a:rPr>
+              <a:t>什么是</a:t>
+            </a:r>
+            <a:r>
               <a:rPr lang="en-US" altLang="zh-CN" dirty="0">
                 <a:latin typeface="微软雅黑" panose="020B0503020204020204" pitchFamily="34" charset="-122"/>
                 <a:ea typeface="微软雅黑" panose="020B0503020204020204" pitchFamily="34" charset="-122"/>
               </a:rPr>
-              <a:t>Sin</a:t>
-            </a:r>
-            <a:r>
-              <a:rPr lang="zh-CN" altLang="en-US" dirty="0">
-                <a:latin typeface="微软雅黑" panose="020B0503020204020204" pitchFamily="34" charset="-122"/>
-                <a:ea typeface="微软雅黑" panose="020B0503020204020204" pitchFamily="34" charset="-122"/>
-              </a:rPr>
-              <a:t>作为激活函数好处（光滑性）</a:t>
-            </a:r>
-          </a:p>
-        </p:txBody>
-      </p:sp>
-      <p:sp>
-        <p:nvSpPr>
-          <p:cNvPr id="3" name="Content Placeholder 2">
-            <a:extLst>
-              <a:ext uri="{FF2B5EF4-FFF2-40B4-BE49-F238E27FC236}">
-                <a16:creationId xmlns:a16="http://schemas.microsoft.com/office/drawing/2014/main" id="{D81814D9-4B2D-E11B-E4E9-DE25A61A6240}"/>
-              </a:ext>
-            </a:extLst>
-          </p:cNvPr>
-          <p:cNvSpPr>
-            <a:spLocks noGrp="1"/>
-          </p:cNvSpPr>
-          <p:nvPr>
-            <p:ph idx="1"/>
-          </p:nvPr>
-        </p:nvSpPr>
-        <p:spPr/>
-        <p:txBody>
-          <a:bodyPr/>
-          <a:lstStyle/>
-          <a:p>
-            <a:r>
-              <a:rPr lang="en-US" altLang="zh-CN" dirty="0" err="1">
-                <a:latin typeface="微软雅黑" panose="020B0503020204020204" pitchFamily="34" charset="-122"/>
-                <a:ea typeface="微软雅黑" panose="020B0503020204020204" pitchFamily="34" charset="-122"/>
-              </a:rPr>
-              <a:t>ReLU</a:t>
-            </a:r>
-            <a:r>
-              <a:rPr lang="zh-CN" altLang="en-US" dirty="0">
-                <a:latin typeface="微软雅黑" panose="020B0503020204020204" pitchFamily="34" charset="-122"/>
-                <a:ea typeface="微软雅黑" panose="020B0503020204020204" pitchFamily="34" charset="-122"/>
-              </a:rPr>
-              <a:t>常用，但是分段线性，且二阶导为</a:t>
-            </a:r>
-            <a:r>
-              <a:rPr lang="en-US" altLang="zh-CN" dirty="0">
-                <a:latin typeface="微软雅黑" panose="020B0503020204020204" pitchFamily="34" charset="-122"/>
-                <a:ea typeface="微软雅黑" panose="020B0503020204020204" pitchFamily="34" charset="-122"/>
-              </a:rPr>
-              <a:t>0</a:t>
-            </a:r>
-            <a:r>
-              <a:rPr lang="zh-CN" altLang="en-US" dirty="0">
-                <a:latin typeface="微软雅黑" panose="020B0503020204020204" pitchFamily="34" charset="-122"/>
-                <a:ea typeface="微软雅黑" panose="020B0503020204020204" pitchFamily="34" charset="-122"/>
-              </a:rPr>
-              <a:t>，不能用于需要高阶导数信息的任务</a:t>
-            </a:r>
-            <a:endParaRPr lang="en-US" altLang="zh-CN" dirty="0">
+              <a:t>INR</a:t>
+            </a:r>
+            <a:endParaRPr lang="zh-CN" altLang="en-US" dirty="0">
               <a:latin typeface="微软雅黑" panose="020B0503020204020204" pitchFamily="34" charset="-122"/>
               <a:ea typeface="微软雅黑" panose="020B0503020204020204" pitchFamily="34" charset="-122"/>
             </a:endParaRPr>
           </a:p>
-          <a:p>
-            <a:endParaRPr lang="en-US" altLang="zh-CN" dirty="0">
-              <a:latin typeface="微软雅黑" panose="020B0503020204020204" pitchFamily="34" charset="-122"/>
-              <a:ea typeface="微软雅黑" panose="020B0503020204020204" pitchFamily="34" charset="-122"/>
-            </a:endParaRPr>
-          </a:p>
-          <a:p>
-            <a:r>
-              <a:rPr lang="en-US" altLang="zh-CN" dirty="0">
-                <a:latin typeface="微软雅黑" panose="020B0503020204020204" pitchFamily="34" charset="-122"/>
-                <a:ea typeface="微软雅黑" panose="020B0503020204020204" pitchFamily="34" charset="-122"/>
-              </a:rPr>
-              <a:t>Tanh</a:t>
-            </a:r>
-            <a:r>
-              <a:rPr lang="zh-CN" altLang="en-US" dirty="0">
-                <a:latin typeface="微软雅黑" panose="020B0503020204020204" pitchFamily="34" charset="-122"/>
-                <a:ea typeface="微软雅黑" panose="020B0503020204020204" pitchFamily="34" charset="-122"/>
-              </a:rPr>
-              <a:t>， </a:t>
-            </a:r>
-            <a:r>
-              <a:rPr lang="en-US" altLang="zh-CN" dirty="0" err="1">
-                <a:latin typeface="微软雅黑" panose="020B0503020204020204" pitchFamily="34" charset="-122"/>
-                <a:ea typeface="微软雅黑" panose="020B0503020204020204" pitchFamily="34" charset="-122"/>
-              </a:rPr>
-              <a:t>softplus</a:t>
-            </a:r>
-            <a:r>
-              <a:rPr lang="zh-CN" altLang="en-US" dirty="0">
-                <a:latin typeface="微软雅黑" panose="020B0503020204020204" pitchFamily="34" charset="-122"/>
-                <a:ea typeface="微软雅黑" panose="020B0503020204020204" pitchFamily="34" charset="-122"/>
-              </a:rPr>
-              <a:t>等函数，虽然高阶导数不为</a:t>
-            </a:r>
-            <a:r>
-              <a:rPr lang="en-US" altLang="zh-CN" dirty="0">
-                <a:latin typeface="微软雅黑" panose="020B0503020204020204" pitchFamily="34" charset="-122"/>
-                <a:ea typeface="微软雅黑" panose="020B0503020204020204" pitchFamily="34" charset="-122"/>
-              </a:rPr>
-              <a:t>0</a:t>
-            </a:r>
-            <a:r>
-              <a:rPr lang="zh-CN" altLang="en-US" dirty="0">
-                <a:latin typeface="微软雅黑" panose="020B0503020204020204" pitchFamily="34" charset="-122"/>
-                <a:ea typeface="微软雅黑" panose="020B0503020204020204" pitchFamily="34" charset="-122"/>
-              </a:rPr>
-              <a:t>，但效果不好</a:t>
-            </a:r>
-            <a:endParaRPr lang="en-US" altLang="zh-CN" dirty="0">
-              <a:latin typeface="微软雅黑" panose="020B0503020204020204" pitchFamily="34" charset="-122"/>
-              <a:ea typeface="微软雅黑" panose="020B0503020204020204" pitchFamily="34" charset="-122"/>
-            </a:endParaRPr>
-          </a:p>
-          <a:p>
-            <a:endParaRPr lang="en-US" altLang="zh-CN" dirty="0">
-              <a:latin typeface="微软雅黑" panose="020B0503020204020204" pitchFamily="34" charset="-122"/>
-              <a:ea typeface="微软雅黑" panose="020B0503020204020204" pitchFamily="34" charset="-122"/>
-            </a:endParaRPr>
-          </a:p>
-          <a:p>
-            <a:r>
-              <a:rPr lang="zh-CN" altLang="en-US" dirty="0">
-                <a:latin typeface="微软雅黑" panose="020B0503020204020204" pitchFamily="34" charset="-122"/>
-                <a:ea typeface="微软雅黑" panose="020B0503020204020204" pitchFamily="34" charset="-122"/>
-              </a:rPr>
-              <a:t>文章发现，</a:t>
-            </a:r>
-            <a:r>
-              <a:rPr lang="en-US" altLang="zh-CN" dirty="0">
-                <a:latin typeface="微软雅黑" panose="020B0503020204020204" pitchFamily="34" charset="-122"/>
-                <a:ea typeface="微软雅黑" panose="020B0503020204020204" pitchFamily="34" charset="-122"/>
-              </a:rPr>
-              <a:t>sin</a:t>
-            </a:r>
-            <a:r>
-              <a:rPr lang="zh-CN" altLang="en-US" dirty="0">
-                <a:latin typeface="微软雅黑" panose="020B0503020204020204" pitchFamily="34" charset="-122"/>
-                <a:ea typeface="微软雅黑" panose="020B0503020204020204" pitchFamily="34" charset="-122"/>
-              </a:rPr>
-              <a:t>做激活函数高阶导数不仅光滑，而且效果好</a:t>
-            </a:r>
-          </a:p>
         </p:txBody>
       </p:sp>
+      <mc:AlternateContent xmlns:mc="http://schemas.openxmlformats.org/markup-compatibility/2006">
+        <mc:Choice xmlns:a14="http://schemas.microsoft.com/office/drawing/2010/main" Requires="a14">
+          <p:sp>
+            <p:nvSpPr>
+              <p:cNvPr id="3" name="Content Placeholder 2">
+                <a:extLst>
+                  <a:ext uri="{FF2B5EF4-FFF2-40B4-BE49-F238E27FC236}">
+                    <a16:creationId xmlns:a16="http://schemas.microsoft.com/office/drawing/2014/main" id="{FD7366E9-B7ED-4874-6B16-3745889E8368}"/>
+                  </a:ext>
+                </a:extLst>
+              </p:cNvPr>
+              <p:cNvSpPr>
+                <a:spLocks noGrp="1"/>
+              </p:cNvSpPr>
+              <p:nvPr>
+                <p:ph idx="1"/>
+              </p:nvPr>
+            </p:nvSpPr>
+            <p:spPr/>
+            <p:txBody>
+              <a:bodyPr/>
+              <a:lstStyle/>
+              <a:p>
+                <a:r>
+                  <a:rPr lang="en-US" altLang="zh-CN" dirty="0">
+                    <a:latin typeface="微软雅黑" panose="020B0503020204020204" pitchFamily="34" charset="-122"/>
+                    <a:ea typeface="微软雅黑" panose="020B0503020204020204" pitchFamily="34" charset="-122"/>
+                  </a:rPr>
+                  <a:t>INR: implicit neural representation</a:t>
+                </a:r>
+                <a:r>
+                  <a:rPr lang="zh-CN" altLang="en-US" dirty="0">
+                    <a:latin typeface="微软雅黑" panose="020B0503020204020204" pitchFamily="34" charset="-122"/>
+                    <a:ea typeface="微软雅黑" panose="020B0503020204020204" pitchFamily="34" charset="-122"/>
+                  </a:rPr>
+                  <a:t>，隐式神经表示</a:t>
+                </a:r>
+                <a:endParaRPr lang="en-US" altLang="zh-CN" dirty="0">
+                  <a:latin typeface="微软雅黑" panose="020B0503020204020204" pitchFamily="34" charset="-122"/>
+                  <a:ea typeface="微软雅黑" panose="020B0503020204020204" pitchFamily="34" charset="-122"/>
+                </a:endParaRPr>
+              </a:p>
+              <a:p>
+                <a:r>
+                  <a:rPr lang="zh-CN" altLang="en-US" dirty="0">
+                    <a:latin typeface="微软雅黑" panose="020B0503020204020204" pitchFamily="34" charset="-122"/>
+                    <a:ea typeface="微软雅黑" panose="020B0503020204020204" pitchFamily="34" charset="-122"/>
+                  </a:rPr>
+                  <a:t>很多数据都是函数，例如声音数据是一个时间函数</a:t>
+                </a:r>
+                <a14:m>
+                  <m:oMath xmlns:m="http://schemas.openxmlformats.org/officeDocument/2006/math">
+                    <m:r>
+                      <a:rPr lang="en-US" altLang="zh-CN" b="0" i="1" smtClean="0">
+                        <a:latin typeface="Cambria Math" panose="02040503050406030204" pitchFamily="18" charset="0"/>
+                        <a:ea typeface="Cambria Math" panose="02040503050406030204" pitchFamily="18" charset="0"/>
+                      </a:rPr>
+                      <m:t>𝑥</m:t>
+                    </m:r>
+                    <m:r>
+                      <a:rPr lang="en-US" altLang="zh-CN" b="0" i="1" smtClean="0">
+                        <a:latin typeface="Cambria Math" panose="02040503050406030204" pitchFamily="18" charset="0"/>
+                        <a:ea typeface="Cambria Math" panose="02040503050406030204" pitchFamily="18" charset="0"/>
+                      </a:rPr>
+                      <m:t>(</m:t>
+                    </m:r>
+                    <m:r>
+                      <a:rPr lang="en-US" altLang="zh-CN" b="0" i="1" smtClean="0">
+                        <a:latin typeface="Cambria Math" panose="02040503050406030204" pitchFamily="18" charset="0"/>
+                        <a:ea typeface="Cambria Math" panose="02040503050406030204" pitchFamily="18" charset="0"/>
+                      </a:rPr>
+                      <m:t>𝑡</m:t>
+                    </m:r>
+                    <m:r>
+                      <a:rPr lang="en-US" altLang="zh-CN" b="0" i="1" smtClean="0">
+                        <a:latin typeface="Cambria Math" panose="02040503050406030204" pitchFamily="18" charset="0"/>
+                        <a:ea typeface="Cambria Math" panose="02040503050406030204" pitchFamily="18" charset="0"/>
+                      </a:rPr>
+                      <m:t>)</m:t>
+                    </m:r>
+                  </m:oMath>
+                </a14:m>
+                <a:r>
+                  <a:rPr lang="zh-CN" altLang="en-US" dirty="0">
+                    <a:latin typeface="微软雅黑" panose="020B0503020204020204" pitchFamily="34" charset="-122"/>
+                    <a:ea typeface="微软雅黑" panose="020B0503020204020204" pitchFamily="34" charset="-122"/>
+                  </a:rPr>
+                  <a:t>，图像是二维函数</a:t>
+                </a:r>
+                <a14:m>
+                  <m:oMath xmlns:m="http://schemas.openxmlformats.org/officeDocument/2006/math">
+                    <m:r>
+                      <a:rPr lang="en-US" altLang="zh-CN" b="0" i="1" smtClean="0">
+                        <a:latin typeface="Cambria Math" panose="02040503050406030204" pitchFamily="18" charset="0"/>
+                        <a:ea typeface="微软雅黑" panose="020B0503020204020204" pitchFamily="34" charset="-122"/>
+                      </a:rPr>
+                      <m:t>𝑓</m:t>
+                    </m:r>
+                    <m:d>
+                      <m:dPr>
+                        <m:ctrlPr>
+                          <a:rPr lang="en-US" altLang="zh-CN" b="0" i="1" smtClean="0">
+                            <a:latin typeface="Cambria Math" panose="02040503050406030204" pitchFamily="18" charset="0"/>
+                            <a:ea typeface="微软雅黑" panose="020B0503020204020204" pitchFamily="34" charset="-122"/>
+                          </a:rPr>
+                        </m:ctrlPr>
+                      </m:dPr>
+                      <m:e>
+                        <m:r>
+                          <a:rPr lang="en-US" altLang="zh-CN" b="0" i="1" smtClean="0">
+                            <a:latin typeface="Cambria Math" panose="02040503050406030204" pitchFamily="18" charset="0"/>
+                            <a:ea typeface="微软雅黑" panose="020B0503020204020204" pitchFamily="34" charset="-122"/>
+                          </a:rPr>
+                          <m:t>𝑥</m:t>
+                        </m:r>
+                        <m:r>
+                          <a:rPr lang="en-US" altLang="zh-CN" b="0" i="1" smtClean="0">
+                            <a:latin typeface="Cambria Math" panose="02040503050406030204" pitchFamily="18" charset="0"/>
+                            <a:ea typeface="微软雅黑" panose="020B0503020204020204" pitchFamily="34" charset="-122"/>
+                          </a:rPr>
+                          <m:t>,</m:t>
+                        </m:r>
+                        <m:r>
+                          <a:rPr lang="en-US" altLang="zh-CN" b="0" i="1" smtClean="0">
+                            <a:latin typeface="Cambria Math" panose="02040503050406030204" pitchFamily="18" charset="0"/>
+                            <a:ea typeface="微软雅黑" panose="020B0503020204020204" pitchFamily="34" charset="-122"/>
+                          </a:rPr>
+                          <m:t>𝑦</m:t>
+                        </m:r>
+                      </m:e>
+                    </m:d>
+                    <m:r>
+                      <a:rPr lang="en-US" altLang="zh-CN" b="0" i="1" smtClean="0">
+                        <a:latin typeface="Cambria Math" panose="02040503050406030204" pitchFamily="18" charset="0"/>
+                        <a:ea typeface="微软雅黑" panose="020B0503020204020204" pitchFamily="34" charset="-122"/>
+                      </a:rPr>
+                      <m:t>=(</m:t>
+                    </m:r>
+                    <m:r>
+                      <a:rPr lang="en-US" altLang="zh-CN" b="0" i="1" smtClean="0">
+                        <a:latin typeface="Cambria Math" panose="02040503050406030204" pitchFamily="18" charset="0"/>
+                        <a:ea typeface="微软雅黑" panose="020B0503020204020204" pitchFamily="34" charset="-122"/>
+                      </a:rPr>
+                      <m:t>𝑟</m:t>
+                    </m:r>
+                    <m:r>
+                      <a:rPr lang="en-US" altLang="zh-CN" b="0" i="1" smtClean="0">
+                        <a:latin typeface="Cambria Math" panose="02040503050406030204" pitchFamily="18" charset="0"/>
+                        <a:ea typeface="微软雅黑" panose="020B0503020204020204" pitchFamily="34" charset="-122"/>
+                      </a:rPr>
+                      <m:t>,</m:t>
+                    </m:r>
+                    <m:r>
+                      <a:rPr lang="en-US" altLang="zh-CN" b="0" i="1" smtClean="0">
+                        <a:latin typeface="Cambria Math" panose="02040503050406030204" pitchFamily="18" charset="0"/>
+                        <a:ea typeface="微软雅黑" panose="020B0503020204020204" pitchFamily="34" charset="-122"/>
+                      </a:rPr>
+                      <m:t>𝑔</m:t>
+                    </m:r>
+                    <m:r>
+                      <a:rPr lang="en-US" altLang="zh-CN" b="0" i="1" smtClean="0">
+                        <a:latin typeface="Cambria Math" panose="02040503050406030204" pitchFamily="18" charset="0"/>
+                        <a:ea typeface="微软雅黑" panose="020B0503020204020204" pitchFamily="34" charset="-122"/>
+                      </a:rPr>
+                      <m:t>,</m:t>
+                    </m:r>
+                    <m:r>
+                      <a:rPr lang="en-US" altLang="zh-CN" b="0" i="1" smtClean="0">
+                        <a:latin typeface="Cambria Math" panose="02040503050406030204" pitchFamily="18" charset="0"/>
+                        <a:ea typeface="微软雅黑" panose="020B0503020204020204" pitchFamily="34" charset="-122"/>
+                      </a:rPr>
+                      <m:t>𝑏</m:t>
+                    </m:r>
+                    <m:r>
+                      <a:rPr lang="en-US" altLang="zh-CN" b="0" i="1" smtClean="0">
+                        <a:latin typeface="Cambria Math" panose="02040503050406030204" pitchFamily="18" charset="0"/>
+                        <a:ea typeface="微软雅黑" panose="020B0503020204020204" pitchFamily="34" charset="-122"/>
+                      </a:rPr>
+                      <m:t>)</m:t>
+                    </m:r>
+                    <m:r>
+                      <a:rPr lang="zh-CN" altLang="en-US" i="1">
+                        <a:latin typeface="Cambria Math" panose="02040503050406030204" pitchFamily="18" charset="0"/>
+                        <a:ea typeface="微软雅黑" panose="020B0503020204020204" pitchFamily="34" charset="-122"/>
+                      </a:rPr>
+                      <m:t>等</m:t>
+                    </m:r>
+                  </m:oMath>
+                </a14:m>
+                <a:r>
+                  <a:rPr lang="zh-CN" altLang="en-US" dirty="0">
+                    <a:latin typeface="微软雅黑" panose="020B0503020204020204" pitchFamily="34" charset="-122"/>
+                    <a:ea typeface="微软雅黑" panose="020B0503020204020204" pitchFamily="34" charset="-122"/>
+                  </a:rPr>
+                  <a:t>。</a:t>
+                </a:r>
+                <a:endParaRPr lang="en-US" altLang="zh-CN" dirty="0">
+                  <a:latin typeface="微软雅黑" panose="020B0503020204020204" pitchFamily="34" charset="-122"/>
+                  <a:ea typeface="微软雅黑" panose="020B0503020204020204" pitchFamily="34" charset="-122"/>
+                </a:endParaRPr>
+              </a:p>
+              <a:p>
+                <a:r>
+                  <a:rPr lang="zh-CN" altLang="en-US" dirty="0">
+                    <a:latin typeface="微软雅黑" panose="020B0503020204020204" pitchFamily="34" charset="-122"/>
+                    <a:ea typeface="微软雅黑" panose="020B0503020204020204" pitchFamily="34" charset="-122"/>
+                  </a:rPr>
+                  <a:t>函数的表示方法：列表法，图像法，解析式法</a:t>
+                </a:r>
+                <a:r>
+                  <a:rPr lang="en-US" altLang="zh-CN" dirty="0">
+                    <a:latin typeface="微软雅黑" panose="020B0503020204020204" pitchFamily="34" charset="-122"/>
+                    <a:ea typeface="微软雅黑" panose="020B0503020204020204" pitchFamily="34" charset="-122"/>
+                  </a:rPr>
+                  <a:t>……</a:t>
+                </a:r>
+              </a:p>
+              <a:p>
+                <a:r>
+                  <a:rPr lang="zh-CN" altLang="en-US" dirty="0">
+                    <a:latin typeface="微软雅黑" panose="020B0503020204020204" pitchFamily="34" charset="-122"/>
+                    <a:ea typeface="微软雅黑" panose="020B0503020204020204" pitchFamily="34" charset="-122"/>
+                  </a:rPr>
+                  <a:t>既然神经网络是万能函数逼近器，可以拟合任何函数，自然也可以表示函数</a:t>
+                </a:r>
+                <a:endParaRPr lang="en-US" altLang="zh-CN" dirty="0">
+                  <a:latin typeface="微软雅黑" panose="020B0503020204020204" pitchFamily="34" charset="-122"/>
+                  <a:ea typeface="微软雅黑" panose="020B0503020204020204" pitchFamily="34" charset="-122"/>
+                </a:endParaRPr>
+              </a:p>
+              <a:p>
+                <a:r>
+                  <a:rPr lang="zh-CN" altLang="en-US" dirty="0">
+                    <a:latin typeface="微软雅黑" panose="020B0503020204020204" pitchFamily="34" charset="-122"/>
+                    <a:ea typeface="微软雅黑" panose="020B0503020204020204" pitchFamily="34" charset="-122"/>
+                  </a:rPr>
+                  <a:t>那么用神经网络通过数据采样点来拟合函数的方法，就叫</a:t>
+                </a:r>
+                <a:r>
+                  <a:rPr lang="en-US" altLang="zh-CN" dirty="0">
+                    <a:latin typeface="微软雅黑" panose="020B0503020204020204" pitchFamily="34" charset="-122"/>
+                    <a:ea typeface="微软雅黑" panose="020B0503020204020204" pitchFamily="34" charset="-122"/>
+                  </a:rPr>
+                  <a:t>INR</a:t>
+                </a:r>
+              </a:p>
+            </p:txBody>
+          </p:sp>
+        </mc:Choice>
+        <mc:Fallback>
+          <p:sp>
+            <p:nvSpPr>
+              <p:cNvPr id="3" name="Content Placeholder 2">
+                <a:extLst>
+                  <a:ext uri="{FF2B5EF4-FFF2-40B4-BE49-F238E27FC236}">
+                    <a16:creationId xmlns:a16="http://schemas.microsoft.com/office/drawing/2014/main" id="{FD7366E9-B7ED-4874-6B16-3745889E8368}"/>
+                  </a:ext>
+                </a:extLst>
+              </p:cNvPr>
+              <p:cNvSpPr>
+                <a:spLocks noGrp="1" noRot="1" noChangeAspect="1" noMove="1" noResize="1" noEditPoints="1" noAdjustHandles="1" noChangeArrowheads="1" noChangeShapeType="1" noTextEdit="1"/>
+              </p:cNvSpPr>
+              <p:nvPr>
+                <p:ph idx="1"/>
+              </p:nvPr>
+            </p:nvSpPr>
+            <p:spPr>
+              <a:blipFill>
+                <a:blip r:embed="rId2"/>
+                <a:stretch>
+                  <a:fillRect l="-1043" t="-2381"/>
+                </a:stretch>
+              </a:blipFill>
+            </p:spPr>
+            <p:txBody>
+              <a:bodyPr/>
+              <a:lstStyle/>
+              <a:p>
+                <a:r>
+                  <a:rPr lang="zh-CN" altLang="en-US">
+                    <a:noFill/>
+                  </a:rPr>
+                  <a:t> </a:t>
+                </a:r>
+              </a:p>
+            </p:txBody>
+          </p:sp>
+        </mc:Fallback>
+      </mc:AlternateContent>
     </p:spTree>
     <p:extLst>
       <p:ext uri="{BB962C8B-B14F-4D97-AF65-F5344CB8AC3E}">
-        <p14:creationId xmlns:p14="http://schemas.microsoft.com/office/powerpoint/2010/main" val="335095265"/>
+        <p14:creationId xmlns:p14="http://schemas.microsoft.com/office/powerpoint/2010/main" val="3668050623"/>
       </p:ext>
     </p:extLst>
   </p:cSld>
@@ -8875,7 +9700,7 @@
           <p:cNvPr id="2" name="Title 1">
             <a:extLst>
               <a:ext uri="{FF2B5EF4-FFF2-40B4-BE49-F238E27FC236}">
-                <a16:creationId xmlns:a16="http://schemas.microsoft.com/office/drawing/2014/main" id="{34B53B87-8631-FAD1-AFF6-1859153E814C}"/>
+                <a16:creationId xmlns:a16="http://schemas.microsoft.com/office/drawing/2014/main" id="{0B185F2D-1329-D2C2-7AA0-A273696139B8}"/>
               </a:ext>
             </a:extLst>
           </p:cNvPr>
@@ -8892,19 +9717,23 @@
           <a:lstStyle/>
           <a:p>
             <a:r>
+              <a:rPr lang="zh-CN" altLang="en-US" dirty="0">
+                <a:latin typeface="微软雅黑" panose="020B0503020204020204" pitchFamily="34" charset="-122"/>
+                <a:ea typeface="微软雅黑" panose="020B0503020204020204" pitchFamily="34" charset="-122"/>
+              </a:rPr>
+              <a:t>为什么要用</a:t>
+            </a:r>
+            <a:r>
               <a:rPr lang="en-US" altLang="zh-CN" dirty="0">
                 <a:latin typeface="微软雅黑" panose="020B0503020204020204" pitchFamily="34" charset="-122"/>
                 <a:ea typeface="微软雅黑" panose="020B0503020204020204" pitchFamily="34" charset="-122"/>
               </a:rPr>
-              <a:t>Sin</a:t>
-            </a:r>
-            <a:r>
-              <a:rPr lang="zh-CN" altLang="en-US" dirty="0">
-                <a:latin typeface="微软雅黑" panose="020B0503020204020204" pitchFamily="34" charset="-122"/>
-                <a:ea typeface="微软雅黑" panose="020B0503020204020204" pitchFamily="34" charset="-122"/>
-              </a:rPr>
-              <a:t>作为激活函数好处（分布特性）</a:t>
-            </a:r>
+              <a:t>sin</a:t>
+            </a:r>
+            <a:endParaRPr lang="zh-CN" altLang="en-US" dirty="0">
+              <a:latin typeface="微软雅黑" panose="020B0503020204020204" pitchFamily="34" charset="-122"/>
+              <a:ea typeface="微软雅黑" panose="020B0503020204020204" pitchFamily="34" charset="-122"/>
+            </a:endParaRPr>
           </a:p>
         </p:txBody>
       </p:sp>
@@ -8913,7 +9742,7 @@
           <p:cNvPr id="3" name="Content Placeholder 2">
             <a:extLst>
               <a:ext uri="{FF2B5EF4-FFF2-40B4-BE49-F238E27FC236}">
-                <a16:creationId xmlns:a16="http://schemas.microsoft.com/office/drawing/2014/main" id="{D81814D9-4B2D-E11B-E4E9-DE25A61A6240}"/>
+                <a16:creationId xmlns:a16="http://schemas.microsoft.com/office/drawing/2014/main" id="{C873BBB7-934F-0C68-C8DB-EE457EE72A8F}"/>
               </a:ext>
             </a:extLst>
           </p:cNvPr>
@@ -8926,385 +9755,116 @@
         </p:nvSpPr>
         <p:spPr/>
         <p:txBody>
-          <a:bodyPr>
-            <a:normAutofit/>
-          </a:bodyPr>
+          <a:bodyPr/>
           <a:lstStyle/>
           <a:p>
             <a:r>
-              <a:rPr lang="zh-CN" altLang="en-US" sz="2400" dirty="0">
-                <a:latin typeface="微软雅黑" panose="020B0503020204020204" pitchFamily="34" charset="-122"/>
-                <a:ea typeface="微软雅黑" panose="020B0503020204020204" pitchFamily="34" charset="-122"/>
-              </a:rPr>
-              <a:t>假设输入向量</a:t>
-            </a:r>
-            <a:endParaRPr lang="en-US" altLang="zh-CN" sz="2400" dirty="0">
+              <a:rPr lang="en-US" altLang="zh-CN" dirty="0" err="1">
+                <a:latin typeface="微软雅黑" panose="020B0503020204020204" pitchFamily="34" charset="-122"/>
+                <a:ea typeface="微软雅黑" panose="020B0503020204020204" pitchFamily="34" charset="-122"/>
+              </a:rPr>
+              <a:t>ReLU</a:t>
+            </a:r>
+            <a:r>
+              <a:rPr lang="zh-CN" altLang="en-US" dirty="0">
+                <a:latin typeface="微软雅黑" panose="020B0503020204020204" pitchFamily="34" charset="-122"/>
+                <a:ea typeface="微软雅黑" panose="020B0503020204020204" pitchFamily="34" charset="-122"/>
+              </a:rPr>
+              <a:t>尽管效果好，但是二阶导往后开始导数就为</a:t>
+            </a:r>
+            <a:r>
+              <a:rPr lang="en-US" altLang="zh-CN" dirty="0">
+                <a:latin typeface="微软雅黑" panose="020B0503020204020204" pitchFamily="34" charset="-122"/>
+                <a:ea typeface="微软雅黑" panose="020B0503020204020204" pitchFamily="34" charset="-122"/>
+              </a:rPr>
+              <a:t>0</a:t>
+            </a:r>
+            <a:r>
+              <a:rPr lang="zh-CN" altLang="en-US" dirty="0">
+                <a:latin typeface="微软雅黑" panose="020B0503020204020204" pitchFamily="34" charset="-122"/>
+                <a:ea typeface="微软雅黑" panose="020B0503020204020204" pitchFamily="34" charset="-122"/>
+              </a:rPr>
+              <a:t>了，不适合用于拟合有高阶导数的任务，例如光滑函数</a:t>
+            </a:r>
+            <a:endParaRPr lang="en-US" altLang="zh-CN" dirty="0">
               <a:latin typeface="微软雅黑" panose="020B0503020204020204" pitchFamily="34" charset="-122"/>
               <a:ea typeface="微软雅黑" panose="020B0503020204020204" pitchFamily="34" charset="-122"/>
             </a:endParaRPr>
           </a:p>
           <a:p>
             <a:r>
-              <a:rPr lang="zh-CN" altLang="en-US" sz="2400" dirty="0">
-                <a:latin typeface="微软雅黑" panose="020B0503020204020204" pitchFamily="34" charset="-122"/>
-                <a:ea typeface="微软雅黑" panose="020B0503020204020204" pitchFamily="34" charset="-122"/>
-              </a:rPr>
-              <a:t>假设权重</a:t>
-            </a:r>
-            <a:endParaRPr lang="en-US" altLang="zh-CN" sz="2400" dirty="0">
+              <a:rPr lang="en-US" altLang="zh-CN" dirty="0">
+                <a:latin typeface="微软雅黑" panose="020B0503020204020204" pitchFamily="34" charset="-122"/>
+                <a:ea typeface="微软雅黑" panose="020B0503020204020204" pitchFamily="34" charset="-122"/>
+              </a:rPr>
+              <a:t>Sin</a:t>
+            </a:r>
+            <a:r>
+              <a:rPr lang="zh-CN" altLang="en-US" dirty="0">
+                <a:latin typeface="微软雅黑" panose="020B0503020204020204" pitchFamily="34" charset="-122"/>
+                <a:ea typeface="微软雅黑" panose="020B0503020204020204" pitchFamily="34" charset="-122"/>
+              </a:rPr>
+              <a:t>无穷阶可导，导数取值范围</a:t>
+            </a:r>
+            <a:r>
+              <a:rPr lang="en-US" altLang="zh-CN" dirty="0">
+                <a:latin typeface="微软雅黑" panose="020B0503020204020204" pitchFamily="34" charset="-122"/>
+                <a:ea typeface="微软雅黑" panose="020B0503020204020204" pitchFamily="34" charset="-122"/>
+              </a:rPr>
+              <a:t>[-1,1]</a:t>
+            </a:r>
+            <a:r>
+              <a:rPr lang="zh-CN" altLang="en-US" dirty="0">
+                <a:latin typeface="微软雅黑" panose="020B0503020204020204" pitchFamily="34" charset="-122"/>
+                <a:ea typeface="微软雅黑" panose="020B0503020204020204" pitchFamily="34" charset="-122"/>
+              </a:rPr>
+              <a:t>，性质优良</a:t>
+            </a:r>
+            <a:endParaRPr lang="en-US" altLang="zh-CN" dirty="0">
               <a:latin typeface="微软雅黑" panose="020B0503020204020204" pitchFamily="34" charset="-122"/>
               <a:ea typeface="微软雅黑" panose="020B0503020204020204" pitchFamily="34" charset="-122"/>
             </a:endParaRPr>
           </a:p>
           <a:p>
             <a:r>
-              <a:rPr lang="zh-CN" altLang="en-US" sz="2400" dirty="0">
-                <a:latin typeface="微软雅黑" panose="020B0503020204020204" pitchFamily="34" charset="-122"/>
-                <a:ea typeface="微软雅黑" panose="020B0503020204020204" pitchFamily="34" charset="-122"/>
-              </a:rPr>
-              <a:t>可以证明</a:t>
-            </a:r>
-            <a:r>
-              <a:rPr lang="en-US" altLang="zh-CN" sz="2400" dirty="0">
-                <a:latin typeface="微软雅黑" panose="020B0503020204020204" pitchFamily="34" charset="-122"/>
-                <a:ea typeface="微软雅黑" panose="020B0503020204020204" pitchFamily="34" charset="-122"/>
-              </a:rPr>
-              <a:t>x</a:t>
-            </a:r>
-            <a:r>
-              <a:rPr lang="zh-CN" altLang="en-US" sz="2400" dirty="0">
-                <a:latin typeface="微软雅黑" panose="020B0503020204020204" pitchFamily="34" charset="-122"/>
-                <a:ea typeface="微软雅黑" panose="020B0503020204020204" pitchFamily="34" charset="-122"/>
-              </a:rPr>
-              <a:t>维度够大时</a:t>
-            </a:r>
-            <a:endParaRPr lang="en-US" altLang="zh-CN" sz="2400" dirty="0">
+              <a:rPr lang="en-US" altLang="zh-CN" dirty="0">
+                <a:latin typeface="微软雅黑" panose="020B0503020204020204" pitchFamily="34" charset="-122"/>
+                <a:ea typeface="微软雅黑" panose="020B0503020204020204" pitchFamily="34" charset="-122"/>
+              </a:rPr>
+              <a:t>ODE/PDE</a:t>
+            </a:r>
+            <a:r>
+              <a:rPr lang="zh-CN" altLang="en-US" dirty="0">
+                <a:latin typeface="微软雅黑" panose="020B0503020204020204" pitchFamily="34" charset="-122"/>
+                <a:ea typeface="微软雅黑" panose="020B0503020204020204" pitchFamily="34" charset="-122"/>
+              </a:rPr>
+              <a:t>的解通常都是</a:t>
+            </a:r>
+            <a:r>
+              <a:rPr lang="en-US" altLang="zh-CN" dirty="0">
+                <a:latin typeface="微软雅黑" panose="020B0503020204020204" pitchFamily="34" charset="-122"/>
+                <a:ea typeface="微软雅黑" panose="020B0503020204020204" pitchFamily="34" charset="-122"/>
+              </a:rPr>
+              <a:t>Sin</a:t>
+            </a:r>
+            <a:r>
+              <a:rPr lang="zh-CN" altLang="en-US">
+                <a:latin typeface="微软雅黑" panose="020B0503020204020204" pitchFamily="34" charset="-122"/>
+                <a:ea typeface="微软雅黑" panose="020B0503020204020204" pitchFamily="34" charset="-122"/>
+              </a:rPr>
+              <a:t>函数的形式</a:t>
+            </a:r>
+            <a:endParaRPr lang="en-US" altLang="zh-CN" dirty="0">
               <a:latin typeface="微软雅黑" panose="020B0503020204020204" pitchFamily="34" charset="-122"/>
               <a:ea typeface="微软雅黑" panose="020B0503020204020204" pitchFamily="34" charset="-122"/>
             </a:endParaRPr>
           </a:p>
-          <a:p>
-            <a:r>
-              <a:rPr lang="zh-CN" altLang="en-US" sz="2400" dirty="0">
-                <a:latin typeface="微软雅黑" panose="020B0503020204020204" pitchFamily="34" charset="-122"/>
-                <a:ea typeface="微软雅黑" panose="020B0503020204020204" pitchFamily="34" charset="-122"/>
-              </a:rPr>
-              <a:t>输出</a:t>
-            </a:r>
-            <a:endParaRPr lang="en-US" altLang="zh-CN" sz="2400" dirty="0">
-              <a:latin typeface="微软雅黑" panose="020B0503020204020204" pitchFamily="34" charset="-122"/>
-              <a:ea typeface="微软雅黑" panose="020B0503020204020204" pitchFamily="34" charset="-122"/>
-            </a:endParaRPr>
-          </a:p>
-          <a:p>
-            <a:r>
-              <a:rPr lang="zh-CN" altLang="en-US" sz="2400" dirty="0">
-                <a:latin typeface="微软雅黑" panose="020B0503020204020204" pitchFamily="34" charset="-122"/>
-                <a:ea typeface="微软雅黑" panose="020B0503020204020204" pitchFamily="34" charset="-122"/>
-              </a:rPr>
-              <a:t>进入下一层，进行全连接</a:t>
-            </a:r>
-            <a:endParaRPr lang="en-US" altLang="zh-CN" sz="2400" dirty="0">
-              <a:latin typeface="微软雅黑" panose="020B0503020204020204" pitchFamily="34" charset="-122"/>
-              <a:ea typeface="微软雅黑" panose="020B0503020204020204" pitchFamily="34" charset="-122"/>
-            </a:endParaRPr>
-          </a:p>
-          <a:p>
-            <a:r>
-              <a:rPr lang="zh-CN" altLang="en-US" sz="2400" dirty="0">
-                <a:latin typeface="微软雅黑" panose="020B0503020204020204" pitchFamily="34" charset="-122"/>
-                <a:ea typeface="微软雅黑" panose="020B0503020204020204" pitchFamily="34" charset="-122"/>
-              </a:rPr>
-              <a:t>再输出</a:t>
-            </a:r>
-            <a:endParaRPr lang="en-US" altLang="zh-CN" sz="2400" dirty="0">
-              <a:latin typeface="微软雅黑" panose="020B0503020204020204" pitchFamily="34" charset="-122"/>
-              <a:ea typeface="微软雅黑" panose="020B0503020204020204" pitchFamily="34" charset="-122"/>
-            </a:endParaRPr>
-          </a:p>
-          <a:p>
-            <a:r>
-              <a:rPr lang="zh-CN" altLang="en-US" sz="2400" dirty="0">
-                <a:latin typeface="微软雅黑" panose="020B0503020204020204" pitchFamily="34" charset="-122"/>
-                <a:ea typeface="微软雅黑" panose="020B0503020204020204" pitchFamily="34" charset="-122"/>
-              </a:rPr>
-              <a:t>如此以往，点乘以及激活过后的数据分布始终维持不变，网络稳定</a:t>
-            </a:r>
-            <a:endParaRPr lang="en-US" altLang="zh-CN" sz="2400" dirty="0">
-              <a:latin typeface="微软雅黑" panose="020B0503020204020204" pitchFamily="34" charset="-122"/>
-              <a:ea typeface="微软雅黑" panose="020B0503020204020204" pitchFamily="34" charset="-122"/>
-            </a:endParaRPr>
-          </a:p>
-          <a:p>
-            <a:endParaRPr lang="en-US" altLang="zh-CN" sz="2400" dirty="0">
-              <a:latin typeface="微软雅黑" panose="020B0503020204020204" pitchFamily="34" charset="-122"/>
-              <a:ea typeface="微软雅黑" panose="020B0503020204020204" pitchFamily="34" charset="-122"/>
-            </a:endParaRPr>
-          </a:p>
-          <a:p>
-            <a:r>
-              <a:rPr lang="zh-CN" altLang="en-US" sz="2400" dirty="0">
-                <a:latin typeface="微软雅黑" panose="020B0503020204020204" pitchFamily="34" charset="-122"/>
-                <a:ea typeface="微软雅黑" panose="020B0503020204020204" pitchFamily="34" charset="-122"/>
-              </a:rPr>
-              <a:t>（为了方便理解，这里过程有所简化，严谨的过程请看原文）</a:t>
-            </a:r>
-            <a:endParaRPr lang="en-US" altLang="zh-CN" sz="2400" dirty="0">
-              <a:latin typeface="微软雅黑" panose="020B0503020204020204" pitchFamily="34" charset="-122"/>
-              <a:ea typeface="微软雅黑" panose="020B0503020204020204" pitchFamily="34" charset="-122"/>
-            </a:endParaRPr>
-          </a:p>
-          <a:p>
-            <a:pPr marL="0" indent="0">
-              <a:buNone/>
-            </a:pPr>
-            <a:endParaRPr lang="en-US" altLang="zh-CN" sz="2400" dirty="0">
-              <a:latin typeface="微软雅黑" panose="020B0503020204020204" pitchFamily="34" charset="-122"/>
-              <a:ea typeface="微软雅黑" panose="020B0503020204020204" pitchFamily="34" charset="-122"/>
-            </a:endParaRPr>
-          </a:p>
-          <a:p>
-            <a:endParaRPr lang="zh-CN" altLang="en-US" sz="2400" dirty="0">
-              <a:latin typeface="微软雅黑" panose="020B0503020204020204" pitchFamily="34" charset="-122"/>
-              <a:ea typeface="微软雅黑" panose="020B0503020204020204" pitchFamily="34" charset="-122"/>
-            </a:endParaRPr>
-          </a:p>
         </p:txBody>
       </p:sp>
-      <p:pic>
-        <p:nvPicPr>
-          <p:cNvPr id="5" name="Picture 4">
-            <a:extLst>
-              <a:ext uri="{FF2B5EF4-FFF2-40B4-BE49-F238E27FC236}">
-                <a16:creationId xmlns:a16="http://schemas.microsoft.com/office/drawing/2014/main" id="{8B62687F-69B3-9D75-D646-4003A94CE6B9}"/>
-              </a:ext>
-            </a:extLst>
-          </p:cNvPr>
-          <p:cNvPicPr>
-            <a:picLocks noChangeAspect="1"/>
-          </p:cNvPicPr>
-          <p:nvPr/>
-        </p:nvPicPr>
-        <p:blipFill>
-          <a:blip r:embed="rId4"/>
-          <a:stretch>
-            <a:fillRect/>
-          </a:stretch>
-        </p:blipFill>
-        <p:spPr>
-          <a:xfrm>
-            <a:off x="3066230" y="1825625"/>
-            <a:ext cx="2408740" cy="436908"/>
-          </a:xfrm>
-          <a:prstGeom prst="rect">
-            <a:avLst/>
-          </a:prstGeom>
-        </p:spPr>
-      </p:pic>
-      <p:pic>
-        <p:nvPicPr>
-          <p:cNvPr id="11" name="Picture 10">
-            <a:extLst>
-              <a:ext uri="{FF2B5EF4-FFF2-40B4-BE49-F238E27FC236}">
-                <a16:creationId xmlns:a16="http://schemas.microsoft.com/office/drawing/2014/main" id="{7B002B92-F02D-576E-029B-7E1C6F99F3A6}"/>
-              </a:ext>
-            </a:extLst>
-          </p:cNvPr>
-          <p:cNvPicPr>
-            <a:picLocks noChangeAspect="1"/>
-          </p:cNvPicPr>
-          <p:nvPr/>
-        </p:nvPicPr>
-        <p:blipFill>
-          <a:blip r:embed="rId5"/>
-          <a:stretch>
-            <a:fillRect/>
-          </a:stretch>
-        </p:blipFill>
-        <p:spPr>
-          <a:xfrm>
-            <a:off x="2522245" y="2266300"/>
-            <a:ext cx="3200000" cy="371429"/>
-          </a:xfrm>
-          <a:prstGeom prst="rect">
-            <a:avLst/>
-          </a:prstGeom>
-        </p:spPr>
-      </p:pic>
-      <p:pic>
-        <p:nvPicPr>
-          <p:cNvPr id="13" name="Picture 12">
-            <a:extLst>
-              <a:ext uri="{FF2B5EF4-FFF2-40B4-BE49-F238E27FC236}">
-                <a16:creationId xmlns:a16="http://schemas.microsoft.com/office/drawing/2014/main" id="{5E1DB7F0-D841-B8D0-D9A6-9DB20F2C8C09}"/>
-              </a:ext>
-            </a:extLst>
-          </p:cNvPr>
-          <p:cNvPicPr>
-            <a:picLocks noChangeAspect="1"/>
-          </p:cNvPicPr>
-          <p:nvPr/>
-        </p:nvPicPr>
-        <p:blipFill>
-          <a:blip r:embed="rId6"/>
-          <a:stretch>
-            <a:fillRect/>
-          </a:stretch>
-        </p:blipFill>
-        <p:spPr>
-          <a:xfrm>
-            <a:off x="4174970" y="2772666"/>
-            <a:ext cx="2600000" cy="447619"/>
-          </a:xfrm>
-          <a:prstGeom prst="rect">
-            <a:avLst/>
-          </a:prstGeom>
-        </p:spPr>
-      </p:pic>
-      <p:pic>
-        <p:nvPicPr>
-          <p:cNvPr id="15" name="Picture 14">
-            <a:extLst>
-              <a:ext uri="{FF2B5EF4-FFF2-40B4-BE49-F238E27FC236}">
-                <a16:creationId xmlns:a16="http://schemas.microsoft.com/office/drawing/2014/main" id="{20810B84-A7EC-C579-8789-6C60FCA8095D}"/>
-              </a:ext>
-            </a:extLst>
-          </p:cNvPr>
-          <p:cNvPicPr>
-            <a:picLocks noChangeAspect="1"/>
-          </p:cNvPicPr>
-          <p:nvPr/>
-        </p:nvPicPr>
-        <p:blipFill>
-          <a:blip r:embed="rId7"/>
-          <a:stretch>
-            <a:fillRect/>
-          </a:stretch>
-        </p:blipFill>
-        <p:spPr>
-          <a:xfrm>
-            <a:off x="1928383" y="3194294"/>
-            <a:ext cx="2542857" cy="390476"/>
-          </a:xfrm>
-          <a:prstGeom prst="rect">
-            <a:avLst/>
-          </a:prstGeom>
-        </p:spPr>
-      </p:pic>
-      <p:pic>
-        <p:nvPicPr>
-          <p:cNvPr id="17" name="Picture 16">
-            <a:extLst>
-              <a:ext uri="{FF2B5EF4-FFF2-40B4-BE49-F238E27FC236}">
-                <a16:creationId xmlns:a16="http://schemas.microsoft.com/office/drawing/2014/main" id="{FA514D73-D1E9-E2A0-7EED-62F2AFF7BF77}"/>
-              </a:ext>
-            </a:extLst>
-          </p:cNvPr>
-          <p:cNvPicPr>
-            <a:picLocks noChangeAspect="1"/>
-          </p:cNvPicPr>
-          <p:nvPr/>
-        </p:nvPicPr>
-        <p:blipFill>
-          <a:blip r:embed="rId8"/>
-          <a:stretch>
-            <a:fillRect/>
-          </a:stretch>
-        </p:blipFill>
-        <p:spPr>
-          <a:xfrm>
-            <a:off x="4457147" y="3233660"/>
-            <a:ext cx="2228571" cy="371429"/>
-          </a:xfrm>
-          <a:prstGeom prst="rect">
-            <a:avLst/>
-          </a:prstGeom>
-        </p:spPr>
-      </p:pic>
-      <p:pic>
-        <p:nvPicPr>
-          <p:cNvPr id="23" name="Picture 22" descr="\documentclass{article}&#10;\usepackage{amsmath}&#10;\usepackage{color}&#10;\usepackage{amsfonts,amssymb}&#10;\usepackage{algorithmic}&#10;\usepackage{algorithm}&#10;\pagestyle{empty}&#10;\begin{document}&#10;$w^T y\sim \mathcal{N}(0,c^2/6)$&#10;\end{document}" title="IguanaTex Bitmap Display">
-            <a:extLst>
-              <a:ext uri="{FF2B5EF4-FFF2-40B4-BE49-F238E27FC236}">
-                <a16:creationId xmlns:a16="http://schemas.microsoft.com/office/drawing/2014/main" id="{2AADADD6-C539-4251-1E31-A5CFF17D9841}"/>
-              </a:ext>
-            </a:extLst>
-          </p:cNvPr>
-          <p:cNvPicPr>
-            <a:picLocks noChangeAspect="1"/>
-          </p:cNvPicPr>
-          <p:nvPr>
-            <p:custDataLst>
-              <p:tags r:id="rId1"/>
-            </p:custDataLst>
-          </p:nvPr>
-        </p:nvPicPr>
-        <p:blipFill>
-          <a:blip r:embed="rId9">
-            <a:extLst>
-              <a:ext uri="{28A0092B-C50C-407E-A947-70E740481C1C}">
-                <a14:useLocalDpi xmlns:a14="http://schemas.microsoft.com/office/drawing/2010/main" val="0"/>
-              </a:ext>
-            </a:extLst>
-          </a:blip>
-          <a:stretch>
-            <a:fillRect/>
-          </a:stretch>
-        </p:blipFill>
-        <p:spPr>
-          <a:xfrm>
-            <a:off x="4640506" y="3670322"/>
-            <a:ext cx="2331428" cy="330972"/>
-          </a:xfrm>
-          <a:prstGeom prst="rect">
-            <a:avLst/>
-          </a:prstGeom>
-        </p:spPr>
-      </p:pic>
-      <p:pic>
-        <p:nvPicPr>
-          <p:cNvPr id="25" name="Picture 24" descr="\documentclass{article}&#10;\usepackage{amsmath}&#10;\usepackage{color}&#10;\usepackage{amsfonts,amssymb}&#10;\usepackage{algorithmic}&#10;\usepackage{algorithm}&#10;\pagestyle{empty}&#10;\begin{document}&#10;$\sin(w^T y+b)\sim \mathrm{arcsin}(-1,1)$&#10;\end{document}" title="IguanaTex Bitmap Display">
-            <a:extLst>
-              <a:ext uri="{FF2B5EF4-FFF2-40B4-BE49-F238E27FC236}">
-                <a16:creationId xmlns:a16="http://schemas.microsoft.com/office/drawing/2014/main" id="{BD6640D8-F74C-04AD-6ACB-B2F3E41994F2}"/>
-              </a:ext>
-            </a:extLst>
-          </p:cNvPr>
-          <p:cNvPicPr>
-            <a:picLocks noChangeAspect="1"/>
-          </p:cNvPicPr>
-          <p:nvPr>
-            <p:custDataLst>
-              <p:tags r:id="rId2"/>
-            </p:custDataLst>
-          </p:nvPr>
-        </p:nvPicPr>
-        <p:blipFill>
-          <a:blip r:embed="rId10">
-            <a:extLst>
-              <a:ext uri="{28A0092B-C50C-407E-A947-70E740481C1C}">
-                <a14:useLocalDpi xmlns:a14="http://schemas.microsoft.com/office/drawing/2010/main" val="0"/>
-              </a:ext>
-            </a:extLst>
-          </a:blip>
-          <a:stretch>
-            <a:fillRect/>
-          </a:stretch>
-        </p:blipFill>
-        <p:spPr>
-          <a:xfrm>
-            <a:off x="2251616" y="4127652"/>
-            <a:ext cx="3741257" cy="330972"/>
-          </a:xfrm>
-          <a:prstGeom prst="rect">
-            <a:avLst/>
-          </a:prstGeom>
-        </p:spPr>
-      </p:pic>
     </p:spTree>
     <p:extLst>
       <p:ext uri="{BB962C8B-B14F-4D97-AF65-F5344CB8AC3E}">
-        <p14:creationId xmlns:p14="http://schemas.microsoft.com/office/powerpoint/2010/main" val="2787151970"/>
+        <p14:creationId xmlns:p14="http://schemas.microsoft.com/office/powerpoint/2010/main" val="802035943"/>
       </p:ext>
     </p:extLst>
   </p:cSld>
@@ -9364,7 +9924,7 @@
                 <a:latin typeface="微软雅黑" panose="020B0503020204020204" pitchFamily="34" charset="-122"/>
                 <a:ea typeface="微软雅黑" panose="020B0503020204020204" pitchFamily="34" charset="-122"/>
               </a:rPr>
-              <a:t>作为激活函数好处（分布特性）</a:t>
+              <a:t>作为激活函数好处（光滑性）</a:t>
             </a:r>
           </a:p>
         </p:txBody>
@@ -9387,385 +9947,131 @@
         </p:nvSpPr>
         <p:spPr/>
         <p:txBody>
-          <a:bodyPr>
-            <a:normAutofit/>
-          </a:bodyPr>
+          <a:bodyPr/>
           <a:lstStyle/>
           <a:p>
             <a:r>
-              <a:rPr lang="zh-CN" altLang="en-US" sz="2400" dirty="0">
-                <a:latin typeface="微软雅黑" panose="020B0503020204020204" pitchFamily="34" charset="-122"/>
-                <a:ea typeface="微软雅黑" panose="020B0503020204020204" pitchFamily="34" charset="-122"/>
-              </a:rPr>
-              <a:t>假设输入向量</a:t>
-            </a:r>
-            <a:endParaRPr lang="en-US" altLang="zh-CN" sz="2400" dirty="0">
+              <a:rPr lang="en-US" altLang="zh-CN" dirty="0" err="1">
+                <a:latin typeface="微软雅黑" panose="020B0503020204020204" pitchFamily="34" charset="-122"/>
+                <a:ea typeface="微软雅黑" panose="020B0503020204020204" pitchFamily="34" charset="-122"/>
+              </a:rPr>
+              <a:t>ReLU</a:t>
+            </a:r>
+            <a:r>
+              <a:rPr lang="zh-CN" altLang="en-US" dirty="0">
+                <a:latin typeface="微软雅黑" panose="020B0503020204020204" pitchFamily="34" charset="-122"/>
+                <a:ea typeface="微软雅黑" panose="020B0503020204020204" pitchFamily="34" charset="-122"/>
+              </a:rPr>
+              <a:t>常用，但是分段线性，且二阶导为</a:t>
+            </a:r>
+            <a:r>
+              <a:rPr lang="en-US" altLang="zh-CN" dirty="0">
+                <a:latin typeface="微软雅黑" panose="020B0503020204020204" pitchFamily="34" charset="-122"/>
+                <a:ea typeface="微软雅黑" panose="020B0503020204020204" pitchFamily="34" charset="-122"/>
+              </a:rPr>
+              <a:t>0</a:t>
+            </a:r>
+            <a:r>
+              <a:rPr lang="zh-CN" altLang="en-US" dirty="0">
+                <a:latin typeface="微软雅黑" panose="020B0503020204020204" pitchFamily="34" charset="-122"/>
+                <a:ea typeface="微软雅黑" panose="020B0503020204020204" pitchFamily="34" charset="-122"/>
+              </a:rPr>
+              <a:t>，不能用于需要高阶导数信息的任务</a:t>
+            </a:r>
+            <a:endParaRPr lang="en-US" altLang="zh-CN" dirty="0">
               <a:latin typeface="微软雅黑" panose="020B0503020204020204" pitchFamily="34" charset="-122"/>
               <a:ea typeface="微软雅黑" panose="020B0503020204020204" pitchFamily="34" charset="-122"/>
             </a:endParaRPr>
           </a:p>
           <a:p>
-            <a:r>
-              <a:rPr lang="zh-CN" altLang="en-US" sz="2400" dirty="0">
-                <a:latin typeface="微软雅黑" panose="020B0503020204020204" pitchFamily="34" charset="-122"/>
-                <a:ea typeface="微软雅黑" panose="020B0503020204020204" pitchFamily="34" charset="-122"/>
-              </a:rPr>
-              <a:t>假设权重</a:t>
-            </a:r>
-            <a:endParaRPr lang="en-US" altLang="zh-CN" sz="2400" dirty="0">
+            <a:endParaRPr lang="en-US" altLang="zh-CN" dirty="0">
               <a:latin typeface="微软雅黑" panose="020B0503020204020204" pitchFamily="34" charset="-122"/>
               <a:ea typeface="微软雅黑" panose="020B0503020204020204" pitchFamily="34" charset="-122"/>
             </a:endParaRPr>
           </a:p>
           <a:p>
             <a:r>
-              <a:rPr lang="zh-CN" altLang="en-US" sz="2400" dirty="0">
-                <a:latin typeface="微软雅黑" panose="020B0503020204020204" pitchFamily="34" charset="-122"/>
-                <a:ea typeface="微软雅黑" panose="020B0503020204020204" pitchFamily="34" charset="-122"/>
-              </a:rPr>
-              <a:t>可以证明</a:t>
-            </a:r>
-            <a:r>
-              <a:rPr lang="en-US" altLang="zh-CN" sz="2400" dirty="0">
-                <a:latin typeface="微软雅黑" panose="020B0503020204020204" pitchFamily="34" charset="-122"/>
-                <a:ea typeface="微软雅黑" panose="020B0503020204020204" pitchFamily="34" charset="-122"/>
-              </a:rPr>
-              <a:t>x</a:t>
-            </a:r>
-            <a:r>
-              <a:rPr lang="zh-CN" altLang="en-US" sz="2400" dirty="0">
-                <a:latin typeface="微软雅黑" panose="020B0503020204020204" pitchFamily="34" charset="-122"/>
-                <a:ea typeface="微软雅黑" panose="020B0503020204020204" pitchFamily="34" charset="-122"/>
-              </a:rPr>
-              <a:t>维度够大时</a:t>
-            </a:r>
-            <a:endParaRPr lang="en-US" altLang="zh-CN" sz="2400" dirty="0">
+              <a:rPr lang="en-US" altLang="zh-CN" dirty="0">
+                <a:latin typeface="微软雅黑" panose="020B0503020204020204" pitchFamily="34" charset="-122"/>
+                <a:ea typeface="微软雅黑" panose="020B0503020204020204" pitchFamily="34" charset="-122"/>
+              </a:rPr>
+              <a:t>Tanh</a:t>
+            </a:r>
+            <a:r>
+              <a:rPr lang="zh-CN" altLang="en-US" dirty="0">
+                <a:latin typeface="微软雅黑" panose="020B0503020204020204" pitchFamily="34" charset="-122"/>
+                <a:ea typeface="微软雅黑" panose="020B0503020204020204" pitchFamily="34" charset="-122"/>
+              </a:rPr>
+              <a:t>， </a:t>
+            </a:r>
+            <a:r>
+              <a:rPr lang="en-US" altLang="zh-CN" dirty="0" err="1">
+                <a:latin typeface="微软雅黑" panose="020B0503020204020204" pitchFamily="34" charset="-122"/>
+                <a:ea typeface="微软雅黑" panose="020B0503020204020204" pitchFamily="34" charset="-122"/>
+              </a:rPr>
+              <a:t>softplus</a:t>
+            </a:r>
+            <a:r>
+              <a:rPr lang="zh-CN" altLang="en-US" dirty="0">
+                <a:latin typeface="微软雅黑" panose="020B0503020204020204" pitchFamily="34" charset="-122"/>
+                <a:ea typeface="微软雅黑" panose="020B0503020204020204" pitchFamily="34" charset="-122"/>
+              </a:rPr>
+              <a:t>等函数，虽然高阶导数不为</a:t>
+            </a:r>
+            <a:r>
+              <a:rPr lang="en-US" altLang="zh-CN" dirty="0">
+                <a:latin typeface="微软雅黑" panose="020B0503020204020204" pitchFamily="34" charset="-122"/>
+                <a:ea typeface="微软雅黑" panose="020B0503020204020204" pitchFamily="34" charset="-122"/>
+              </a:rPr>
+              <a:t>0</a:t>
+            </a:r>
+            <a:r>
+              <a:rPr lang="zh-CN" altLang="en-US" dirty="0">
+                <a:latin typeface="微软雅黑" panose="020B0503020204020204" pitchFamily="34" charset="-122"/>
+                <a:ea typeface="微软雅黑" panose="020B0503020204020204" pitchFamily="34" charset="-122"/>
+              </a:rPr>
+              <a:t>，但效果不好</a:t>
+            </a:r>
+            <a:endParaRPr lang="en-US" altLang="zh-CN" dirty="0">
               <a:latin typeface="微软雅黑" panose="020B0503020204020204" pitchFamily="34" charset="-122"/>
               <a:ea typeface="微软雅黑" panose="020B0503020204020204" pitchFamily="34" charset="-122"/>
             </a:endParaRPr>
           </a:p>
           <a:p>
-            <a:r>
-              <a:rPr lang="zh-CN" altLang="en-US" sz="2400" dirty="0">
-                <a:latin typeface="微软雅黑" panose="020B0503020204020204" pitchFamily="34" charset="-122"/>
-                <a:ea typeface="微软雅黑" panose="020B0503020204020204" pitchFamily="34" charset="-122"/>
-              </a:rPr>
-              <a:t>输出</a:t>
-            </a:r>
-            <a:endParaRPr lang="en-US" altLang="zh-CN" sz="2400" dirty="0">
+            <a:endParaRPr lang="en-US" altLang="zh-CN" dirty="0">
               <a:latin typeface="微软雅黑" panose="020B0503020204020204" pitchFamily="34" charset="-122"/>
               <a:ea typeface="微软雅黑" panose="020B0503020204020204" pitchFamily="34" charset="-122"/>
             </a:endParaRPr>
           </a:p>
           <a:p>
             <a:r>
-              <a:rPr lang="zh-CN" altLang="en-US" sz="2400" dirty="0">
-                <a:latin typeface="微软雅黑" panose="020B0503020204020204" pitchFamily="34" charset="-122"/>
-                <a:ea typeface="微软雅黑" panose="020B0503020204020204" pitchFamily="34" charset="-122"/>
-              </a:rPr>
-              <a:t>进入下一层，进行全连接</a:t>
-            </a:r>
-            <a:endParaRPr lang="en-US" altLang="zh-CN" sz="2400" dirty="0">
-              <a:latin typeface="微软雅黑" panose="020B0503020204020204" pitchFamily="34" charset="-122"/>
-              <a:ea typeface="微软雅黑" panose="020B0503020204020204" pitchFamily="34" charset="-122"/>
-            </a:endParaRPr>
-          </a:p>
-          <a:p>
-            <a:r>
-              <a:rPr lang="zh-CN" altLang="en-US" sz="2400" dirty="0">
-                <a:latin typeface="微软雅黑" panose="020B0503020204020204" pitchFamily="34" charset="-122"/>
-                <a:ea typeface="微软雅黑" panose="020B0503020204020204" pitchFamily="34" charset="-122"/>
-              </a:rPr>
-              <a:t>再输出</a:t>
-            </a:r>
-            <a:endParaRPr lang="en-US" altLang="zh-CN" sz="2400" dirty="0">
-              <a:latin typeface="微软雅黑" panose="020B0503020204020204" pitchFamily="34" charset="-122"/>
-              <a:ea typeface="微软雅黑" panose="020B0503020204020204" pitchFamily="34" charset="-122"/>
-            </a:endParaRPr>
-          </a:p>
-          <a:p>
-            <a:r>
-              <a:rPr lang="zh-CN" altLang="en-US" sz="2400" dirty="0">
-                <a:latin typeface="微软雅黑" panose="020B0503020204020204" pitchFamily="34" charset="-122"/>
-                <a:ea typeface="微软雅黑" panose="020B0503020204020204" pitchFamily="34" charset="-122"/>
-              </a:rPr>
-              <a:t>如此以往，点乘以及激活过后的数据分布始终维持不变，网络稳定</a:t>
-            </a:r>
-            <a:endParaRPr lang="en-US" altLang="zh-CN" sz="2400" dirty="0">
-              <a:latin typeface="微软雅黑" panose="020B0503020204020204" pitchFamily="34" charset="-122"/>
-              <a:ea typeface="微软雅黑" panose="020B0503020204020204" pitchFamily="34" charset="-122"/>
-            </a:endParaRPr>
-          </a:p>
-          <a:p>
-            <a:endParaRPr lang="en-US" altLang="zh-CN" sz="2400" dirty="0">
-              <a:latin typeface="微软雅黑" panose="020B0503020204020204" pitchFamily="34" charset="-122"/>
-              <a:ea typeface="微软雅黑" panose="020B0503020204020204" pitchFamily="34" charset="-122"/>
-            </a:endParaRPr>
-          </a:p>
-          <a:p>
-            <a:r>
-              <a:rPr lang="zh-CN" altLang="en-US" sz="2400" dirty="0">
-                <a:latin typeface="微软雅黑" panose="020B0503020204020204" pitchFamily="34" charset="-122"/>
-                <a:ea typeface="微软雅黑" panose="020B0503020204020204" pitchFamily="34" charset="-122"/>
-              </a:rPr>
-              <a:t>（为了方便理解，这里过程有所简化，严谨的过程请看原文）</a:t>
-            </a:r>
-            <a:endParaRPr lang="en-US" altLang="zh-CN" sz="2400" dirty="0">
-              <a:latin typeface="微软雅黑" panose="020B0503020204020204" pitchFamily="34" charset="-122"/>
-              <a:ea typeface="微软雅黑" panose="020B0503020204020204" pitchFamily="34" charset="-122"/>
-            </a:endParaRPr>
-          </a:p>
-          <a:p>
-            <a:pPr marL="0" indent="0">
-              <a:buNone/>
-            </a:pPr>
-            <a:endParaRPr lang="en-US" altLang="zh-CN" sz="2400" dirty="0">
-              <a:latin typeface="微软雅黑" panose="020B0503020204020204" pitchFamily="34" charset="-122"/>
-              <a:ea typeface="微软雅黑" panose="020B0503020204020204" pitchFamily="34" charset="-122"/>
-            </a:endParaRPr>
-          </a:p>
-          <a:p>
-            <a:endParaRPr lang="zh-CN" altLang="en-US" sz="2400" dirty="0">
-              <a:latin typeface="微软雅黑" panose="020B0503020204020204" pitchFamily="34" charset="-122"/>
-              <a:ea typeface="微软雅黑" panose="020B0503020204020204" pitchFamily="34" charset="-122"/>
-            </a:endParaRPr>
+              <a:rPr lang="zh-CN" altLang="en-US" dirty="0">
+                <a:latin typeface="微软雅黑" panose="020B0503020204020204" pitchFamily="34" charset="-122"/>
+                <a:ea typeface="微软雅黑" panose="020B0503020204020204" pitchFamily="34" charset="-122"/>
+              </a:rPr>
+              <a:t>文章发现，</a:t>
+            </a:r>
+            <a:r>
+              <a:rPr lang="en-US" altLang="zh-CN" dirty="0">
+                <a:latin typeface="微软雅黑" panose="020B0503020204020204" pitchFamily="34" charset="-122"/>
+                <a:ea typeface="微软雅黑" panose="020B0503020204020204" pitchFamily="34" charset="-122"/>
+              </a:rPr>
+              <a:t>sin</a:t>
+            </a:r>
+            <a:r>
+              <a:rPr lang="zh-CN" altLang="en-US" dirty="0">
+                <a:latin typeface="微软雅黑" panose="020B0503020204020204" pitchFamily="34" charset="-122"/>
+                <a:ea typeface="微软雅黑" panose="020B0503020204020204" pitchFamily="34" charset="-122"/>
+              </a:rPr>
+              <a:t>做激活函数高阶导数不仅光滑，而且效果好</a:t>
+            </a:r>
           </a:p>
         </p:txBody>
       </p:sp>
-      <p:pic>
-        <p:nvPicPr>
-          <p:cNvPr id="5" name="Picture 4">
-            <a:extLst>
-              <a:ext uri="{FF2B5EF4-FFF2-40B4-BE49-F238E27FC236}">
-                <a16:creationId xmlns:a16="http://schemas.microsoft.com/office/drawing/2014/main" id="{8B62687F-69B3-9D75-D646-4003A94CE6B9}"/>
-              </a:ext>
-            </a:extLst>
-          </p:cNvPr>
-          <p:cNvPicPr>
-            <a:picLocks noChangeAspect="1"/>
-          </p:cNvPicPr>
-          <p:nvPr/>
-        </p:nvPicPr>
-        <p:blipFill>
-          <a:blip r:embed="rId4"/>
-          <a:stretch>
-            <a:fillRect/>
-          </a:stretch>
-        </p:blipFill>
-        <p:spPr>
-          <a:xfrm>
-            <a:off x="3066230" y="1825625"/>
-            <a:ext cx="2408740" cy="436908"/>
-          </a:xfrm>
-          <a:prstGeom prst="rect">
-            <a:avLst/>
-          </a:prstGeom>
-        </p:spPr>
-      </p:pic>
-      <p:pic>
-        <p:nvPicPr>
-          <p:cNvPr id="11" name="Picture 10">
-            <a:extLst>
-              <a:ext uri="{FF2B5EF4-FFF2-40B4-BE49-F238E27FC236}">
-                <a16:creationId xmlns:a16="http://schemas.microsoft.com/office/drawing/2014/main" id="{7B002B92-F02D-576E-029B-7E1C6F99F3A6}"/>
-              </a:ext>
-            </a:extLst>
-          </p:cNvPr>
-          <p:cNvPicPr>
-            <a:picLocks noChangeAspect="1"/>
-          </p:cNvPicPr>
-          <p:nvPr/>
-        </p:nvPicPr>
-        <p:blipFill>
-          <a:blip r:embed="rId5"/>
-          <a:stretch>
-            <a:fillRect/>
-          </a:stretch>
-        </p:blipFill>
-        <p:spPr>
-          <a:xfrm>
-            <a:off x="2522245" y="2266300"/>
-            <a:ext cx="3200000" cy="371429"/>
-          </a:xfrm>
-          <a:prstGeom prst="rect">
-            <a:avLst/>
-          </a:prstGeom>
-        </p:spPr>
-      </p:pic>
-      <p:pic>
-        <p:nvPicPr>
-          <p:cNvPr id="13" name="Picture 12">
-            <a:extLst>
-              <a:ext uri="{FF2B5EF4-FFF2-40B4-BE49-F238E27FC236}">
-                <a16:creationId xmlns:a16="http://schemas.microsoft.com/office/drawing/2014/main" id="{5E1DB7F0-D841-B8D0-D9A6-9DB20F2C8C09}"/>
-              </a:ext>
-            </a:extLst>
-          </p:cNvPr>
-          <p:cNvPicPr>
-            <a:picLocks noChangeAspect="1"/>
-          </p:cNvPicPr>
-          <p:nvPr/>
-        </p:nvPicPr>
-        <p:blipFill>
-          <a:blip r:embed="rId6"/>
-          <a:stretch>
-            <a:fillRect/>
-          </a:stretch>
-        </p:blipFill>
-        <p:spPr>
-          <a:xfrm>
-            <a:off x="4174970" y="2772666"/>
-            <a:ext cx="2600000" cy="447619"/>
-          </a:xfrm>
-          <a:prstGeom prst="rect">
-            <a:avLst/>
-          </a:prstGeom>
-        </p:spPr>
-      </p:pic>
-      <p:pic>
-        <p:nvPicPr>
-          <p:cNvPr id="15" name="Picture 14">
-            <a:extLst>
-              <a:ext uri="{FF2B5EF4-FFF2-40B4-BE49-F238E27FC236}">
-                <a16:creationId xmlns:a16="http://schemas.microsoft.com/office/drawing/2014/main" id="{20810B84-A7EC-C579-8789-6C60FCA8095D}"/>
-              </a:ext>
-            </a:extLst>
-          </p:cNvPr>
-          <p:cNvPicPr>
-            <a:picLocks noChangeAspect="1"/>
-          </p:cNvPicPr>
-          <p:nvPr/>
-        </p:nvPicPr>
-        <p:blipFill>
-          <a:blip r:embed="rId7"/>
-          <a:stretch>
-            <a:fillRect/>
-          </a:stretch>
-        </p:blipFill>
-        <p:spPr>
-          <a:xfrm>
-            <a:off x="1928383" y="3194294"/>
-            <a:ext cx="2542857" cy="390476"/>
-          </a:xfrm>
-          <a:prstGeom prst="rect">
-            <a:avLst/>
-          </a:prstGeom>
-        </p:spPr>
-      </p:pic>
-      <p:pic>
-        <p:nvPicPr>
-          <p:cNvPr id="17" name="Picture 16">
-            <a:extLst>
-              <a:ext uri="{FF2B5EF4-FFF2-40B4-BE49-F238E27FC236}">
-                <a16:creationId xmlns:a16="http://schemas.microsoft.com/office/drawing/2014/main" id="{FA514D73-D1E9-E2A0-7EED-62F2AFF7BF77}"/>
-              </a:ext>
-            </a:extLst>
-          </p:cNvPr>
-          <p:cNvPicPr>
-            <a:picLocks noChangeAspect="1"/>
-          </p:cNvPicPr>
-          <p:nvPr/>
-        </p:nvPicPr>
-        <p:blipFill>
-          <a:blip r:embed="rId8"/>
-          <a:stretch>
-            <a:fillRect/>
-          </a:stretch>
-        </p:blipFill>
-        <p:spPr>
-          <a:xfrm>
-            <a:off x="4457147" y="3233660"/>
-            <a:ext cx="2228571" cy="371429"/>
-          </a:xfrm>
-          <a:prstGeom prst="rect">
-            <a:avLst/>
-          </a:prstGeom>
-        </p:spPr>
-      </p:pic>
-      <p:pic>
-        <p:nvPicPr>
-          <p:cNvPr id="23" name="Picture 22" descr="\documentclass{article}&#10;\usepackage{amsmath}&#10;\usepackage{color}&#10;\usepackage{amsfonts,amssymb}&#10;\usepackage{algorithmic}&#10;\usepackage{algorithm}&#10;\pagestyle{empty}&#10;\begin{document}&#10;$w^T y\sim \mathcal{N}(0,c^2/6)$&#10;\end{document}" title="IguanaTex Bitmap Display">
-            <a:extLst>
-              <a:ext uri="{FF2B5EF4-FFF2-40B4-BE49-F238E27FC236}">
-                <a16:creationId xmlns:a16="http://schemas.microsoft.com/office/drawing/2014/main" id="{2AADADD6-C539-4251-1E31-A5CFF17D9841}"/>
-              </a:ext>
-            </a:extLst>
-          </p:cNvPr>
-          <p:cNvPicPr>
-            <a:picLocks noChangeAspect="1"/>
-          </p:cNvPicPr>
-          <p:nvPr>
-            <p:custDataLst>
-              <p:tags r:id="rId1"/>
-            </p:custDataLst>
-          </p:nvPr>
-        </p:nvPicPr>
-        <p:blipFill>
-          <a:blip r:embed="rId9">
-            <a:extLst>
-              <a:ext uri="{28A0092B-C50C-407E-A947-70E740481C1C}">
-                <a14:useLocalDpi xmlns:a14="http://schemas.microsoft.com/office/drawing/2010/main" val="0"/>
-              </a:ext>
-            </a:extLst>
-          </a:blip>
-          <a:stretch>
-            <a:fillRect/>
-          </a:stretch>
-        </p:blipFill>
-        <p:spPr>
-          <a:xfrm>
-            <a:off x="4640506" y="3670322"/>
-            <a:ext cx="2331428" cy="330972"/>
-          </a:xfrm>
-          <a:prstGeom prst="rect">
-            <a:avLst/>
-          </a:prstGeom>
-        </p:spPr>
-      </p:pic>
-      <p:pic>
-        <p:nvPicPr>
-          <p:cNvPr id="25" name="Picture 24" descr="\documentclass{article}&#10;\usepackage{amsmath}&#10;\usepackage{color}&#10;\usepackage{amsfonts,amssymb}&#10;\usepackage{algorithmic}&#10;\usepackage{algorithm}&#10;\pagestyle{empty}&#10;\begin{document}&#10;$\sin(w^T y+b)\sim \mathrm{arcsin}(-1,1)$&#10;\end{document}" title="IguanaTex Bitmap Display">
-            <a:extLst>
-              <a:ext uri="{FF2B5EF4-FFF2-40B4-BE49-F238E27FC236}">
-                <a16:creationId xmlns:a16="http://schemas.microsoft.com/office/drawing/2014/main" id="{BD6640D8-F74C-04AD-6ACB-B2F3E41994F2}"/>
-              </a:ext>
-            </a:extLst>
-          </p:cNvPr>
-          <p:cNvPicPr>
-            <a:picLocks noChangeAspect="1"/>
-          </p:cNvPicPr>
-          <p:nvPr>
-            <p:custDataLst>
-              <p:tags r:id="rId2"/>
-            </p:custDataLst>
-          </p:nvPr>
-        </p:nvPicPr>
-        <p:blipFill>
-          <a:blip r:embed="rId10">
-            <a:extLst>
-              <a:ext uri="{28A0092B-C50C-407E-A947-70E740481C1C}">
-                <a14:useLocalDpi xmlns:a14="http://schemas.microsoft.com/office/drawing/2010/main" val="0"/>
-              </a:ext>
-            </a:extLst>
-          </a:blip>
-          <a:stretch>
-            <a:fillRect/>
-          </a:stretch>
-        </p:blipFill>
-        <p:spPr>
-          <a:xfrm>
-            <a:off x="2251616" y="4127652"/>
-            <a:ext cx="3741257" cy="330972"/>
-          </a:xfrm>
-          <a:prstGeom prst="rect">
-            <a:avLst/>
-          </a:prstGeom>
-        </p:spPr>
-      </p:pic>
     </p:spTree>
     <p:extLst>
       <p:ext uri="{BB962C8B-B14F-4D97-AF65-F5344CB8AC3E}">
-        <p14:creationId xmlns:p14="http://schemas.microsoft.com/office/powerpoint/2010/main" val="571421629"/>
+        <p14:creationId xmlns:p14="http://schemas.microsoft.com/office/powerpoint/2010/main" val="335095265"/>
       </p:ext>
     </p:extLst>
   </p:cSld>
@@ -9797,7 +10103,7 @@
           <p:cNvPr id="2" name="Title 1">
             <a:extLst>
               <a:ext uri="{FF2B5EF4-FFF2-40B4-BE49-F238E27FC236}">
-                <a16:creationId xmlns:a16="http://schemas.microsoft.com/office/drawing/2014/main" id="{CADD4343-1AAB-F7D2-1C0D-D751653DB1B5}"/>
+                <a16:creationId xmlns:a16="http://schemas.microsoft.com/office/drawing/2014/main" id="{34B53B87-8631-FAD1-AFF6-1859153E814C}"/>
               </a:ext>
             </a:extLst>
           </p:cNvPr>
@@ -9835,7 +10141,7 @@
           <p:cNvPr id="3" name="Content Placeholder 2">
             <a:extLst>
               <a:ext uri="{FF2B5EF4-FFF2-40B4-BE49-F238E27FC236}">
-                <a16:creationId xmlns:a16="http://schemas.microsoft.com/office/drawing/2014/main" id="{EF3E1121-6366-3D48-8D84-6CBA9AED701C}"/>
+                <a16:creationId xmlns:a16="http://schemas.microsoft.com/office/drawing/2014/main" id="{D81814D9-4B2D-E11B-E4E9-DE25A61A6240}"/>
               </a:ext>
             </a:extLst>
           </p:cNvPr>
@@ -9848,10 +10154,148 @@
         </p:nvSpPr>
         <p:spPr/>
         <p:txBody>
-          <a:bodyPr/>
+          <a:bodyPr>
+            <a:normAutofit/>
+          </a:bodyPr>
           <a:lstStyle/>
           <a:p>
-            <a:endParaRPr lang="zh-CN" altLang="en-US" dirty="0"/>
+            <a:r>
+              <a:rPr lang="zh-CN" altLang="en-US" sz="2400" dirty="0">
+                <a:latin typeface="微软雅黑" panose="020B0503020204020204" pitchFamily="34" charset="-122"/>
+                <a:ea typeface="微软雅黑" panose="020B0503020204020204" pitchFamily="34" charset="-122"/>
+              </a:rPr>
+              <a:t>假设输入向量</a:t>
+            </a:r>
+            <a:endParaRPr lang="en-US" altLang="zh-CN" sz="2400" dirty="0">
+              <a:latin typeface="微软雅黑" panose="020B0503020204020204" pitchFamily="34" charset="-122"/>
+              <a:ea typeface="微软雅黑" panose="020B0503020204020204" pitchFamily="34" charset="-122"/>
+            </a:endParaRPr>
+          </a:p>
+          <a:p>
+            <a:r>
+              <a:rPr lang="zh-CN" altLang="en-US" sz="2400" dirty="0">
+                <a:latin typeface="微软雅黑" panose="020B0503020204020204" pitchFamily="34" charset="-122"/>
+                <a:ea typeface="微软雅黑" panose="020B0503020204020204" pitchFamily="34" charset="-122"/>
+              </a:rPr>
+              <a:t>假设权重</a:t>
+            </a:r>
+            <a:endParaRPr lang="en-US" altLang="zh-CN" sz="2400" dirty="0">
+              <a:latin typeface="微软雅黑" panose="020B0503020204020204" pitchFamily="34" charset="-122"/>
+              <a:ea typeface="微软雅黑" panose="020B0503020204020204" pitchFamily="34" charset="-122"/>
+            </a:endParaRPr>
+          </a:p>
+          <a:p>
+            <a:r>
+              <a:rPr lang="zh-CN" altLang="en-US" sz="2400" dirty="0">
+                <a:latin typeface="微软雅黑" panose="020B0503020204020204" pitchFamily="34" charset="-122"/>
+                <a:ea typeface="微软雅黑" panose="020B0503020204020204" pitchFamily="34" charset="-122"/>
+              </a:rPr>
+              <a:t>可以证明</a:t>
+            </a:r>
+            <a:r>
+              <a:rPr lang="en-US" altLang="zh-CN" sz="2400" dirty="0">
+                <a:latin typeface="微软雅黑" panose="020B0503020204020204" pitchFamily="34" charset="-122"/>
+                <a:ea typeface="微软雅黑" panose="020B0503020204020204" pitchFamily="34" charset="-122"/>
+              </a:rPr>
+              <a:t>x</a:t>
+            </a:r>
+            <a:r>
+              <a:rPr lang="zh-CN" altLang="en-US" sz="2400" dirty="0">
+                <a:latin typeface="微软雅黑" panose="020B0503020204020204" pitchFamily="34" charset="-122"/>
+                <a:ea typeface="微软雅黑" panose="020B0503020204020204" pitchFamily="34" charset="-122"/>
+              </a:rPr>
+              <a:t>维度够大时</a:t>
+            </a:r>
+            <a:endParaRPr lang="en-US" altLang="zh-CN" sz="2400" dirty="0">
+              <a:latin typeface="微软雅黑" panose="020B0503020204020204" pitchFamily="34" charset="-122"/>
+              <a:ea typeface="微软雅黑" panose="020B0503020204020204" pitchFamily="34" charset="-122"/>
+            </a:endParaRPr>
+          </a:p>
+          <a:p>
+            <a:r>
+              <a:rPr lang="zh-CN" altLang="en-US" sz="2400" dirty="0">
+                <a:latin typeface="微软雅黑" panose="020B0503020204020204" pitchFamily="34" charset="-122"/>
+                <a:ea typeface="微软雅黑" panose="020B0503020204020204" pitchFamily="34" charset="-122"/>
+              </a:rPr>
+              <a:t>输出</a:t>
+            </a:r>
+            <a:endParaRPr lang="en-US" altLang="zh-CN" sz="2400" dirty="0">
+              <a:latin typeface="微软雅黑" panose="020B0503020204020204" pitchFamily="34" charset="-122"/>
+              <a:ea typeface="微软雅黑" panose="020B0503020204020204" pitchFamily="34" charset="-122"/>
+            </a:endParaRPr>
+          </a:p>
+          <a:p>
+            <a:r>
+              <a:rPr lang="zh-CN" altLang="en-US" sz="2400" dirty="0">
+                <a:latin typeface="微软雅黑" panose="020B0503020204020204" pitchFamily="34" charset="-122"/>
+                <a:ea typeface="微软雅黑" panose="020B0503020204020204" pitchFamily="34" charset="-122"/>
+              </a:rPr>
+              <a:t>进入下一层，进行全连接</a:t>
+            </a:r>
+            <a:endParaRPr lang="en-US" altLang="zh-CN" sz="2400" dirty="0">
+              <a:latin typeface="微软雅黑" panose="020B0503020204020204" pitchFamily="34" charset="-122"/>
+              <a:ea typeface="微软雅黑" panose="020B0503020204020204" pitchFamily="34" charset="-122"/>
+            </a:endParaRPr>
+          </a:p>
+          <a:p>
+            <a:r>
+              <a:rPr lang="zh-CN" altLang="en-US" sz="2400" dirty="0">
+                <a:latin typeface="微软雅黑" panose="020B0503020204020204" pitchFamily="34" charset="-122"/>
+                <a:ea typeface="微软雅黑" panose="020B0503020204020204" pitchFamily="34" charset="-122"/>
+              </a:rPr>
+              <a:t>再输出</a:t>
+            </a:r>
+            <a:endParaRPr lang="en-US" altLang="zh-CN" sz="2400" dirty="0">
+              <a:latin typeface="微软雅黑" panose="020B0503020204020204" pitchFamily="34" charset="-122"/>
+              <a:ea typeface="微软雅黑" panose="020B0503020204020204" pitchFamily="34" charset="-122"/>
+            </a:endParaRPr>
+          </a:p>
+          <a:p>
+            <a:r>
+              <a:rPr lang="zh-CN" altLang="en-US" sz="2400" dirty="0">
+                <a:latin typeface="微软雅黑" panose="020B0503020204020204" pitchFamily="34" charset="-122"/>
+                <a:ea typeface="微软雅黑" panose="020B0503020204020204" pitchFamily="34" charset="-122"/>
+              </a:rPr>
+              <a:t>如此以往，点乘以及激活过后的数据分布始终维持不变，网络稳定</a:t>
+            </a:r>
+            <a:endParaRPr lang="en-US" altLang="zh-CN" sz="2400" dirty="0">
+              <a:latin typeface="微软雅黑" panose="020B0503020204020204" pitchFamily="34" charset="-122"/>
+              <a:ea typeface="微软雅黑" panose="020B0503020204020204" pitchFamily="34" charset="-122"/>
+            </a:endParaRPr>
+          </a:p>
+          <a:p>
+            <a:endParaRPr lang="en-US" altLang="zh-CN" sz="2400" dirty="0">
+              <a:latin typeface="微软雅黑" panose="020B0503020204020204" pitchFamily="34" charset="-122"/>
+              <a:ea typeface="微软雅黑" panose="020B0503020204020204" pitchFamily="34" charset="-122"/>
+            </a:endParaRPr>
+          </a:p>
+          <a:p>
+            <a:r>
+              <a:rPr lang="zh-CN" altLang="en-US" sz="2400" dirty="0">
+                <a:latin typeface="微软雅黑" panose="020B0503020204020204" pitchFamily="34" charset="-122"/>
+                <a:ea typeface="微软雅黑" panose="020B0503020204020204" pitchFamily="34" charset="-122"/>
+              </a:rPr>
+              <a:t>（为了方便理解，这里过程有所简化，严谨的过程请看原文）</a:t>
+            </a:r>
+            <a:endParaRPr lang="en-US" altLang="zh-CN" sz="2400" dirty="0">
+              <a:latin typeface="微软雅黑" panose="020B0503020204020204" pitchFamily="34" charset="-122"/>
+              <a:ea typeface="微软雅黑" panose="020B0503020204020204" pitchFamily="34" charset="-122"/>
+            </a:endParaRPr>
+          </a:p>
+          <a:p>
+            <a:pPr marL="0" indent="0">
+              <a:buNone/>
+            </a:pPr>
+            <a:endParaRPr lang="en-US" altLang="zh-CN" sz="2400" dirty="0">
+              <a:latin typeface="微软雅黑" panose="020B0503020204020204" pitchFamily="34" charset="-122"/>
+              <a:ea typeface="微软雅黑" panose="020B0503020204020204" pitchFamily="34" charset="-122"/>
+            </a:endParaRPr>
+          </a:p>
+          <a:p>
+            <a:endParaRPr lang="zh-CN" altLang="en-US" sz="2400" dirty="0">
+              <a:latin typeface="微软雅黑" panose="020B0503020204020204" pitchFamily="34" charset="-122"/>
+              <a:ea typeface="微软雅黑" panose="020B0503020204020204" pitchFamily="34" charset="-122"/>
+            </a:endParaRPr>
           </a:p>
         </p:txBody>
       </p:sp>
@@ -9860,7 +10304,7 @@
           <p:cNvPr id="5" name="Picture 4">
             <a:extLst>
               <a:ext uri="{FF2B5EF4-FFF2-40B4-BE49-F238E27FC236}">
-                <a16:creationId xmlns:a16="http://schemas.microsoft.com/office/drawing/2014/main" id="{EE1DECC6-B80B-DE46-6330-F8AB885F7C72}"/>
+                <a16:creationId xmlns:a16="http://schemas.microsoft.com/office/drawing/2014/main" id="{8B62687F-69B3-9D75-D646-4003A94CE6B9}"/>
               </a:ext>
             </a:extLst>
           </p:cNvPr>
@@ -9870,15 +10314,15 @@
           <p:nvPr/>
         </p:nvPicPr>
         <p:blipFill>
-          <a:blip r:embed="rId2"/>
+          <a:blip r:embed="rId4"/>
           <a:stretch>
             <a:fillRect/>
           </a:stretch>
         </p:blipFill>
         <p:spPr>
           <a:xfrm>
-            <a:off x="1645534" y="1457853"/>
-            <a:ext cx="3187723" cy="5400147"/>
+            <a:off x="3066230" y="1825625"/>
+            <a:ext cx="2408740" cy="436908"/>
           </a:xfrm>
           <a:prstGeom prst="rect">
             <a:avLst/>
@@ -9887,10 +10331,10 @@
       </p:pic>
       <p:pic>
         <p:nvPicPr>
-          <p:cNvPr id="7" name="Picture 6">
-            <a:extLst>
-              <a:ext uri="{FF2B5EF4-FFF2-40B4-BE49-F238E27FC236}">
-                <a16:creationId xmlns:a16="http://schemas.microsoft.com/office/drawing/2014/main" id="{894E3C60-7108-78FC-16AE-C907D1CCCC67}"/>
+          <p:cNvPr id="11" name="Picture 10">
+            <a:extLst>
+              <a:ext uri="{FF2B5EF4-FFF2-40B4-BE49-F238E27FC236}">
+                <a16:creationId xmlns:a16="http://schemas.microsoft.com/office/drawing/2014/main" id="{7B002B92-F02D-576E-029B-7E1C6F99F3A6}"/>
               </a:ext>
             </a:extLst>
           </p:cNvPr>
@@ -9900,15 +10344,185 @@
           <p:nvPr/>
         </p:nvPicPr>
         <p:blipFill>
-          <a:blip r:embed="rId3"/>
+          <a:blip r:embed="rId5"/>
           <a:stretch>
             <a:fillRect/>
           </a:stretch>
         </p:blipFill>
         <p:spPr>
           <a:xfrm>
-            <a:off x="7283895" y="1457853"/>
-            <a:ext cx="3329506" cy="5175936"/>
+            <a:off x="2522245" y="2266300"/>
+            <a:ext cx="3200000" cy="371429"/>
+          </a:xfrm>
+          <a:prstGeom prst="rect">
+            <a:avLst/>
+          </a:prstGeom>
+        </p:spPr>
+      </p:pic>
+      <p:pic>
+        <p:nvPicPr>
+          <p:cNvPr id="13" name="Picture 12">
+            <a:extLst>
+              <a:ext uri="{FF2B5EF4-FFF2-40B4-BE49-F238E27FC236}">
+                <a16:creationId xmlns:a16="http://schemas.microsoft.com/office/drawing/2014/main" id="{5E1DB7F0-D841-B8D0-D9A6-9DB20F2C8C09}"/>
+              </a:ext>
+            </a:extLst>
+          </p:cNvPr>
+          <p:cNvPicPr>
+            <a:picLocks noChangeAspect="1"/>
+          </p:cNvPicPr>
+          <p:nvPr/>
+        </p:nvPicPr>
+        <p:blipFill>
+          <a:blip r:embed="rId6"/>
+          <a:stretch>
+            <a:fillRect/>
+          </a:stretch>
+        </p:blipFill>
+        <p:spPr>
+          <a:xfrm>
+            <a:off x="4174970" y="2772666"/>
+            <a:ext cx="2600000" cy="447619"/>
+          </a:xfrm>
+          <a:prstGeom prst="rect">
+            <a:avLst/>
+          </a:prstGeom>
+        </p:spPr>
+      </p:pic>
+      <p:pic>
+        <p:nvPicPr>
+          <p:cNvPr id="15" name="Picture 14">
+            <a:extLst>
+              <a:ext uri="{FF2B5EF4-FFF2-40B4-BE49-F238E27FC236}">
+                <a16:creationId xmlns:a16="http://schemas.microsoft.com/office/drawing/2014/main" id="{20810B84-A7EC-C579-8789-6C60FCA8095D}"/>
+              </a:ext>
+            </a:extLst>
+          </p:cNvPr>
+          <p:cNvPicPr>
+            <a:picLocks noChangeAspect="1"/>
+          </p:cNvPicPr>
+          <p:nvPr/>
+        </p:nvPicPr>
+        <p:blipFill>
+          <a:blip r:embed="rId7"/>
+          <a:stretch>
+            <a:fillRect/>
+          </a:stretch>
+        </p:blipFill>
+        <p:spPr>
+          <a:xfrm>
+            <a:off x="1928383" y="3194294"/>
+            <a:ext cx="2542857" cy="390476"/>
+          </a:xfrm>
+          <a:prstGeom prst="rect">
+            <a:avLst/>
+          </a:prstGeom>
+        </p:spPr>
+      </p:pic>
+      <p:pic>
+        <p:nvPicPr>
+          <p:cNvPr id="17" name="Picture 16">
+            <a:extLst>
+              <a:ext uri="{FF2B5EF4-FFF2-40B4-BE49-F238E27FC236}">
+                <a16:creationId xmlns:a16="http://schemas.microsoft.com/office/drawing/2014/main" id="{FA514D73-D1E9-E2A0-7EED-62F2AFF7BF77}"/>
+              </a:ext>
+            </a:extLst>
+          </p:cNvPr>
+          <p:cNvPicPr>
+            <a:picLocks noChangeAspect="1"/>
+          </p:cNvPicPr>
+          <p:nvPr/>
+        </p:nvPicPr>
+        <p:blipFill>
+          <a:blip r:embed="rId8"/>
+          <a:stretch>
+            <a:fillRect/>
+          </a:stretch>
+        </p:blipFill>
+        <p:spPr>
+          <a:xfrm>
+            <a:off x="4457147" y="3233660"/>
+            <a:ext cx="2228571" cy="371429"/>
+          </a:xfrm>
+          <a:prstGeom prst="rect">
+            <a:avLst/>
+          </a:prstGeom>
+        </p:spPr>
+      </p:pic>
+      <p:pic>
+        <p:nvPicPr>
+          <p:cNvPr id="23" name="Picture 22" descr="\documentclass{article}&#10;\usepackage{amsmath}&#10;\usepackage{color}&#10;\usepackage{amsfonts,amssymb}&#10;\usepackage{algorithmic}&#10;\usepackage{algorithm}&#10;\pagestyle{empty}&#10;\begin{document}&#10;$w^T y\sim \mathcal{N}(0,c^2/6)$&#10;\end{document}" title="IguanaTex Bitmap Display">
+            <a:extLst>
+              <a:ext uri="{FF2B5EF4-FFF2-40B4-BE49-F238E27FC236}">
+                <a16:creationId xmlns:a16="http://schemas.microsoft.com/office/drawing/2014/main" id="{2AADADD6-C539-4251-1E31-A5CFF17D9841}"/>
+              </a:ext>
+            </a:extLst>
+          </p:cNvPr>
+          <p:cNvPicPr>
+            <a:picLocks noChangeAspect="1"/>
+          </p:cNvPicPr>
+          <p:nvPr>
+            <p:custDataLst>
+              <p:tags r:id="rId1"/>
+            </p:custDataLst>
+          </p:nvPr>
+        </p:nvPicPr>
+        <p:blipFill>
+          <a:blip r:embed="rId9">
+            <a:extLst>
+              <a:ext uri="{28A0092B-C50C-407E-A947-70E740481C1C}">
+                <a14:useLocalDpi xmlns:a14="http://schemas.microsoft.com/office/drawing/2010/main" val="0"/>
+              </a:ext>
+            </a:extLst>
+          </a:blip>
+          <a:stretch>
+            <a:fillRect/>
+          </a:stretch>
+        </p:blipFill>
+        <p:spPr>
+          <a:xfrm>
+            <a:off x="4640506" y="3670322"/>
+            <a:ext cx="2331428" cy="330972"/>
+          </a:xfrm>
+          <a:prstGeom prst="rect">
+            <a:avLst/>
+          </a:prstGeom>
+        </p:spPr>
+      </p:pic>
+      <p:pic>
+        <p:nvPicPr>
+          <p:cNvPr id="25" name="Picture 24" descr="\documentclass{article}&#10;\usepackage{amsmath}&#10;\usepackage{color}&#10;\usepackage{amsfonts,amssymb}&#10;\usepackage{algorithmic}&#10;\usepackage{algorithm}&#10;\pagestyle{empty}&#10;\begin{document}&#10;$\sin(w^T y+b)\sim \mathrm{arcsin}(-1,1)$&#10;\end{document}" title="IguanaTex Bitmap Display">
+            <a:extLst>
+              <a:ext uri="{FF2B5EF4-FFF2-40B4-BE49-F238E27FC236}">
+                <a16:creationId xmlns:a16="http://schemas.microsoft.com/office/drawing/2014/main" id="{BD6640D8-F74C-04AD-6ACB-B2F3E41994F2}"/>
+              </a:ext>
+            </a:extLst>
+          </p:cNvPr>
+          <p:cNvPicPr>
+            <a:picLocks noChangeAspect="1"/>
+          </p:cNvPicPr>
+          <p:nvPr>
+            <p:custDataLst>
+              <p:tags r:id="rId2"/>
+            </p:custDataLst>
+          </p:nvPr>
+        </p:nvPicPr>
+        <p:blipFill>
+          <a:blip r:embed="rId10">
+            <a:extLst>
+              <a:ext uri="{28A0092B-C50C-407E-A947-70E740481C1C}">
+                <a14:useLocalDpi xmlns:a14="http://schemas.microsoft.com/office/drawing/2010/main" val="0"/>
+              </a:ext>
+            </a:extLst>
+          </a:blip>
+          <a:stretch>
+            <a:fillRect/>
+          </a:stretch>
+        </p:blipFill>
+        <p:spPr>
+          <a:xfrm>
+            <a:off x="2251616" y="4127652"/>
+            <a:ext cx="3741257" cy="330972"/>
           </a:xfrm>
           <a:prstGeom prst="rect">
             <a:avLst/>
@@ -9918,7 +10532,7 @@
     </p:spTree>
     <p:extLst>
       <p:ext uri="{BB962C8B-B14F-4D97-AF65-F5344CB8AC3E}">
-        <p14:creationId xmlns:p14="http://schemas.microsoft.com/office/powerpoint/2010/main" val="1287347927"/>
+        <p14:creationId xmlns:p14="http://schemas.microsoft.com/office/powerpoint/2010/main" val="2787151970"/>
       </p:ext>
     </p:extLst>
   </p:cSld>
@@ -9950,7 +10564,7 @@
           <p:cNvPr id="2" name="Title 1">
             <a:extLst>
               <a:ext uri="{FF2B5EF4-FFF2-40B4-BE49-F238E27FC236}">
-                <a16:creationId xmlns:a16="http://schemas.microsoft.com/office/drawing/2014/main" id="{7A77954E-39CB-54B6-3612-57E41FE57051}"/>
+                <a16:creationId xmlns:a16="http://schemas.microsoft.com/office/drawing/2014/main" id="{34B53B87-8631-FAD1-AFF6-1859153E814C}"/>
               </a:ext>
             </a:extLst>
           </p:cNvPr>
@@ -9978,419 +10592,180 @@
                 <a:latin typeface="微软雅黑" panose="020B0503020204020204" pitchFamily="34" charset="-122"/>
                 <a:ea typeface="微软雅黑" panose="020B0503020204020204" pitchFamily="34" charset="-122"/>
               </a:rPr>
-              <a:t>做激活函数需要特殊初始化</a:t>
-            </a:r>
-            <a:endParaRPr lang="zh-CN" altLang="en-US" dirty="0"/>
+              <a:t>作为激活函数好处（分布特性）</a:t>
+            </a:r>
           </a:p>
         </p:txBody>
       </p:sp>
-      <mc:AlternateContent xmlns:mc="http://schemas.openxmlformats.org/markup-compatibility/2006" xmlns:a14="http://schemas.microsoft.com/office/drawing/2010/main">
-        <mc:Choice Requires="a14">
-          <p:sp>
-            <p:nvSpPr>
-              <p:cNvPr id="3" name="Content Placeholder 2">
-                <a:extLst>
-                  <a:ext uri="{FF2B5EF4-FFF2-40B4-BE49-F238E27FC236}">
-                    <a16:creationId xmlns:a16="http://schemas.microsoft.com/office/drawing/2014/main" id="{CC44C4EA-862B-D789-D5A0-F5CB808A6CC7}"/>
-                  </a:ext>
-                </a:extLst>
-              </p:cNvPr>
-              <p:cNvSpPr>
-                <a:spLocks noGrp="1"/>
-              </p:cNvSpPr>
-              <p:nvPr>
-                <p:ph idx="1"/>
-              </p:nvPr>
-            </p:nvSpPr>
-            <p:spPr>
-              <a:xfrm>
-                <a:off x="381000" y="1806963"/>
-                <a:ext cx="11104983" cy="4351338"/>
-              </a:xfrm>
-            </p:spPr>
-            <p:txBody>
-              <a:bodyPr/>
-              <a:lstStyle/>
-              <a:p>
-                <a:r>
-                  <a:rPr lang="zh-CN" altLang="en-US" dirty="0">
-                    <a:latin typeface="微软雅黑" panose="020B0503020204020204" pitchFamily="34" charset="-122"/>
-                    <a:ea typeface="微软雅黑" panose="020B0503020204020204" pitchFamily="34" charset="-122"/>
-                  </a:rPr>
-                  <a:t>在</a:t>
-                </a:r>
-                <a14:m>
-                  <m:oMath xmlns:m="http://schemas.openxmlformats.org/officeDocument/2006/math">
-                    <m:sSup>
-                      <m:sSupPr>
-                        <m:ctrlPr>
-                          <a:rPr lang="en-US" altLang="zh-CN" b="0" i="1" dirty="0" smtClean="0">
-                            <a:latin typeface="Cambria Math" panose="02040503050406030204" pitchFamily="18" charset="0"/>
-                            <a:ea typeface="微软雅黑" panose="020B0503020204020204" pitchFamily="34" charset="-122"/>
-                          </a:rPr>
-                        </m:ctrlPr>
-                      </m:sSupPr>
-                      <m:e>
-                        <m:r>
-                          <a:rPr lang="en-US" altLang="zh-CN" b="0" i="1" dirty="0" smtClean="0">
-                            <a:latin typeface="Cambria Math" panose="02040503050406030204" pitchFamily="18" charset="0"/>
-                            <a:ea typeface="微软雅黑" panose="020B0503020204020204" pitchFamily="34" charset="-122"/>
-                          </a:rPr>
-                          <m:t>𝑤</m:t>
-                        </m:r>
-                      </m:e>
-                      <m:sup>
-                        <m:r>
-                          <a:rPr lang="en-US" altLang="zh-CN" b="0" i="1" dirty="0" smtClean="0">
-                            <a:latin typeface="Cambria Math" panose="02040503050406030204" pitchFamily="18" charset="0"/>
-                            <a:ea typeface="微软雅黑" panose="020B0503020204020204" pitchFamily="34" charset="-122"/>
-                          </a:rPr>
-                          <m:t>𝑇</m:t>
-                        </m:r>
-                      </m:sup>
-                    </m:sSup>
-                    <m:r>
-                      <a:rPr lang="en-US" altLang="zh-CN" b="0" i="1" dirty="0" smtClean="0">
-                        <a:latin typeface="Cambria Math" panose="02040503050406030204" pitchFamily="18" charset="0"/>
-                        <a:ea typeface="微软雅黑" panose="020B0503020204020204" pitchFamily="34" charset="-122"/>
-                      </a:rPr>
-                      <m:t>𝑥</m:t>
-                    </m:r>
-                    <m:r>
-                      <a:rPr lang="en-US" altLang="zh-CN" b="0" i="1" dirty="0" smtClean="0">
-                        <a:latin typeface="Cambria Math" panose="02040503050406030204" pitchFamily="18" charset="0"/>
-                        <a:ea typeface="微软雅黑" panose="020B0503020204020204" pitchFamily="34" charset="-122"/>
-                      </a:rPr>
-                      <m:t>+</m:t>
-                    </m:r>
-                    <m:r>
-                      <a:rPr lang="en-US" altLang="zh-CN" b="0" i="1" dirty="0" smtClean="0">
-                        <a:latin typeface="Cambria Math" panose="02040503050406030204" pitchFamily="18" charset="0"/>
-                        <a:ea typeface="微软雅黑" panose="020B0503020204020204" pitchFamily="34" charset="-122"/>
-                      </a:rPr>
-                      <m:t>𝑏</m:t>
-                    </m:r>
-                  </m:oMath>
-                </a14:m>
-                <a:r>
-                  <a:rPr lang="zh-CN" altLang="en-US" dirty="0">
-                    <a:latin typeface="微软雅黑" panose="020B0503020204020204" pitchFamily="34" charset="-122"/>
-                    <a:ea typeface="微软雅黑" panose="020B0503020204020204" pitchFamily="34" charset="-122"/>
-                  </a:rPr>
-                  <a:t>中，由于数值比较小（如图所示），可能会导致输入</a:t>
-                </a:r>
-                <a:r>
-                  <a:rPr lang="en-US" altLang="zh-CN" dirty="0">
-                    <a:latin typeface="微软雅黑" panose="020B0503020204020204" pitchFamily="34" charset="-122"/>
-                    <a:ea typeface="微软雅黑" panose="020B0503020204020204" pitchFamily="34" charset="-122"/>
-                  </a:rPr>
-                  <a:t>sin</a:t>
-                </a:r>
-                <a:r>
-                  <a:rPr lang="zh-CN" altLang="en-US" dirty="0">
-                    <a:latin typeface="微软雅黑" panose="020B0503020204020204" pitchFamily="34" charset="-122"/>
-                    <a:ea typeface="微软雅黑" panose="020B0503020204020204" pitchFamily="34" charset="-122"/>
-                  </a:rPr>
-                  <a:t>的数据线性性比较强（因为集中在</a:t>
-                </a:r>
-                <a:r>
-                  <a:rPr lang="en-US" altLang="zh-CN" dirty="0">
-                    <a:latin typeface="微软雅黑" panose="020B0503020204020204" pitchFamily="34" charset="-122"/>
-                    <a:ea typeface="微软雅黑" panose="020B0503020204020204" pitchFamily="34" charset="-122"/>
-                  </a:rPr>
-                  <a:t>0</a:t>
-                </a:r>
-                <a:r>
-                  <a:rPr lang="zh-CN" altLang="en-US" dirty="0">
-                    <a:latin typeface="微软雅黑" panose="020B0503020204020204" pitchFamily="34" charset="-122"/>
-                    <a:ea typeface="微软雅黑" panose="020B0503020204020204" pitchFamily="34" charset="-122"/>
-                  </a:rPr>
-                  <a:t>附近，</a:t>
-                </a:r>
-                <a:r>
-                  <a:rPr lang="en-US" altLang="zh-CN" dirty="0">
-                    <a:latin typeface="微软雅黑" panose="020B0503020204020204" pitchFamily="34" charset="-122"/>
-                    <a:ea typeface="微软雅黑" panose="020B0503020204020204" pitchFamily="34" charset="-122"/>
-                  </a:rPr>
-                  <a:t>sin</a:t>
-                </a:r>
-                <a:r>
-                  <a:rPr lang="zh-CN" altLang="en-US" dirty="0">
-                    <a:latin typeface="微软雅黑" panose="020B0503020204020204" pitchFamily="34" charset="-122"/>
-                    <a:ea typeface="微软雅黑" panose="020B0503020204020204" pitchFamily="34" charset="-122"/>
-                  </a:rPr>
-                  <a:t>函数在这里很线性）</a:t>
-                </a:r>
-                <a:endParaRPr lang="en-US" altLang="zh-CN" dirty="0">
-                  <a:latin typeface="微软雅黑" panose="020B0503020204020204" pitchFamily="34" charset="-122"/>
-                  <a:ea typeface="微软雅黑" panose="020B0503020204020204" pitchFamily="34" charset="-122"/>
-                </a:endParaRPr>
-              </a:p>
-              <a:p>
-                <a:r>
-                  <a:rPr lang="zh-CN" altLang="en-US" dirty="0">
-                    <a:latin typeface="微软雅黑" panose="020B0503020204020204" pitchFamily="34" charset="-122"/>
-                    <a:ea typeface="微软雅黑" panose="020B0503020204020204" pitchFamily="34" charset="-122"/>
-                  </a:rPr>
-                  <a:t>为了解决这个问题，我需要在</a:t>
-                </a:r>
-                <a:r>
-                  <a:rPr lang="en-US" altLang="zh-CN" dirty="0">
-                    <a:latin typeface="微软雅黑" panose="020B0503020204020204" pitchFamily="34" charset="-122"/>
-                    <a:ea typeface="微软雅黑" panose="020B0503020204020204" pitchFamily="34" charset="-122"/>
-                  </a:rPr>
-                  <a:t>sin</a:t>
-                </a:r>
-                <a:r>
-                  <a:rPr lang="zh-CN" altLang="en-US" dirty="0">
-                    <a:latin typeface="微软雅黑" panose="020B0503020204020204" pitchFamily="34" charset="-122"/>
-                    <a:ea typeface="微软雅黑" panose="020B0503020204020204" pitchFamily="34" charset="-122"/>
-                  </a:rPr>
-                  <a:t>激活以前把数据乘个常数让他变大一点，即变成</a:t>
-                </a:r>
-                <a:r>
-                  <a:rPr lang="en-US" altLang="zh-CN" dirty="0">
-                    <a:latin typeface="微软雅黑" panose="020B0503020204020204" pitchFamily="34" charset="-122"/>
-                    <a:ea typeface="微软雅黑" panose="020B0503020204020204" pitchFamily="34" charset="-122"/>
-                  </a:rPr>
-                  <a:t>:</a:t>
-                </a:r>
-                <a14:m>
-                  <m:oMath xmlns:m="http://schemas.openxmlformats.org/officeDocument/2006/math">
-                    <m:sSup>
-                      <m:sSupPr>
-                        <m:ctrlPr>
-                          <a:rPr lang="en-US" altLang="zh-CN" b="0" i="1" dirty="0" smtClean="0">
-                            <a:latin typeface="Cambria Math" panose="02040503050406030204" pitchFamily="18" charset="0"/>
-                            <a:ea typeface="微软雅黑" panose="020B0503020204020204" pitchFamily="34" charset="-122"/>
-                          </a:rPr>
-                        </m:ctrlPr>
-                      </m:sSupPr>
-                      <m:e>
-                        <m:r>
-                          <m:rPr>
-                            <m:sty m:val="p"/>
-                          </m:rPr>
-                          <a:rPr lang="en-US" altLang="zh-CN" i="1" dirty="0">
-                            <a:latin typeface="Cambria Math" panose="02040503050406030204" pitchFamily="18" charset="0"/>
-                            <a:ea typeface="微软雅黑" panose="020B0503020204020204" pitchFamily="34" charset="-122"/>
-                          </a:rPr>
-                          <m:t>y</m:t>
-                        </m:r>
-                        <m:r>
-                          <a:rPr lang="en-US" altLang="zh-CN" b="0" i="1" dirty="0" smtClean="0">
-                            <a:latin typeface="Cambria Math" panose="02040503050406030204" pitchFamily="18" charset="0"/>
-                            <a:ea typeface="微软雅黑" panose="020B0503020204020204" pitchFamily="34" charset="-122"/>
-                          </a:rPr>
-                          <m:t>=</m:t>
-                        </m:r>
-                        <m:r>
-                          <m:rPr>
-                            <m:sty m:val="p"/>
-                          </m:rPr>
-                          <a:rPr lang="en-US" altLang="zh-CN" b="0" i="0" dirty="0" smtClean="0">
-                            <a:latin typeface="Cambria Math" panose="02040503050406030204" pitchFamily="18" charset="0"/>
-                            <a:ea typeface="微软雅黑" panose="020B0503020204020204" pitchFamily="34" charset="-122"/>
-                          </a:rPr>
-                          <m:t>sin</m:t>
-                        </m:r>
-                        <m:r>
-                          <a:rPr lang="en-US" altLang="zh-CN" b="0" i="1" dirty="0" smtClean="0">
-                            <a:latin typeface="Cambria Math" panose="02040503050406030204" pitchFamily="18" charset="0"/>
-                            <a:ea typeface="微软雅黑" panose="020B0503020204020204" pitchFamily="34" charset="-122"/>
-                          </a:rPr>
-                          <m:t>⁡(</m:t>
-                        </m:r>
-                        <m:r>
-                          <a:rPr lang="en-US" altLang="zh-CN" b="0" i="1" dirty="0" smtClean="0">
-                            <a:latin typeface="Cambria Math" panose="02040503050406030204" pitchFamily="18" charset="0"/>
-                            <a:ea typeface="微软雅黑" panose="020B0503020204020204" pitchFamily="34" charset="-122"/>
-                          </a:rPr>
-                          <m:t>𝑐</m:t>
-                        </m:r>
-                        <m:r>
-                          <a:rPr lang="en-US" altLang="zh-CN" b="0" i="1" dirty="0" smtClean="0">
-                            <a:latin typeface="Cambria Math" panose="02040503050406030204" pitchFamily="18" charset="0"/>
-                            <a:ea typeface="微软雅黑" panose="020B0503020204020204" pitchFamily="34" charset="-122"/>
-                          </a:rPr>
-                          <m:t>(</m:t>
-                        </m:r>
-                        <m:r>
-                          <a:rPr lang="en-US" altLang="zh-CN" b="0" i="1" dirty="0" smtClean="0">
-                            <a:latin typeface="Cambria Math" panose="02040503050406030204" pitchFamily="18" charset="0"/>
-                            <a:ea typeface="微软雅黑" panose="020B0503020204020204" pitchFamily="34" charset="-122"/>
-                          </a:rPr>
-                          <m:t>𝑤</m:t>
-                        </m:r>
-                      </m:e>
-                      <m:sup>
-                        <m:r>
-                          <a:rPr lang="en-US" altLang="zh-CN" b="0" i="1" dirty="0" smtClean="0">
-                            <a:latin typeface="Cambria Math" panose="02040503050406030204" pitchFamily="18" charset="0"/>
-                            <a:ea typeface="微软雅黑" panose="020B0503020204020204" pitchFamily="34" charset="-122"/>
-                          </a:rPr>
-                          <m:t>𝑇</m:t>
-                        </m:r>
-                      </m:sup>
-                    </m:sSup>
-                    <m:r>
-                      <a:rPr lang="en-US" altLang="zh-CN" b="0" i="1" dirty="0" smtClean="0">
-                        <a:latin typeface="Cambria Math" panose="02040503050406030204" pitchFamily="18" charset="0"/>
-                        <a:ea typeface="微软雅黑" panose="020B0503020204020204" pitchFamily="34" charset="-122"/>
-                      </a:rPr>
-                      <m:t>𝑥</m:t>
-                    </m:r>
-                    <m:r>
-                      <a:rPr lang="en-US" altLang="zh-CN" b="0" i="1" dirty="0" smtClean="0">
-                        <a:latin typeface="Cambria Math" panose="02040503050406030204" pitchFamily="18" charset="0"/>
-                        <a:ea typeface="微软雅黑" panose="020B0503020204020204" pitchFamily="34" charset="-122"/>
-                      </a:rPr>
-                      <m:t>+</m:t>
-                    </m:r>
-                    <m:r>
-                      <a:rPr lang="en-US" altLang="zh-CN" b="0" i="1" dirty="0" smtClean="0">
-                        <a:latin typeface="Cambria Math" panose="02040503050406030204" pitchFamily="18" charset="0"/>
-                        <a:ea typeface="微软雅黑" panose="020B0503020204020204" pitchFamily="34" charset="-122"/>
-                      </a:rPr>
-                      <m:t>𝑏</m:t>
-                    </m:r>
-                    <m:r>
-                      <a:rPr lang="en-US" altLang="zh-CN" b="0" i="1" dirty="0" smtClean="0">
-                        <a:latin typeface="Cambria Math" panose="02040503050406030204" pitchFamily="18" charset="0"/>
-                        <a:ea typeface="微软雅黑" panose="020B0503020204020204" pitchFamily="34" charset="-122"/>
-                      </a:rPr>
-                      <m:t>))</m:t>
-                    </m:r>
-                    <m:r>
-                      <a:rPr lang="zh-CN" altLang="en-US" i="1" dirty="0">
-                        <a:latin typeface="Cambria Math" panose="02040503050406030204" pitchFamily="18" charset="0"/>
-                        <a:ea typeface="微软雅黑" panose="020B0503020204020204" pitchFamily="34" charset="-122"/>
-                      </a:rPr>
-                      <m:t>。</m:t>
-                    </m:r>
-                  </m:oMath>
-                </a14:m>
-                <a:endParaRPr lang="en-US" altLang="zh-CN" dirty="0">
-                  <a:latin typeface="微软雅黑" panose="020B0503020204020204" pitchFamily="34" charset="-122"/>
-                  <a:ea typeface="微软雅黑" panose="020B0503020204020204" pitchFamily="34" charset="-122"/>
-                </a:endParaRPr>
-              </a:p>
-              <a:p>
-                <a:r>
-                  <a:rPr lang="zh-CN" altLang="en-US" dirty="0">
-                    <a:latin typeface="微软雅黑" panose="020B0503020204020204" pitchFamily="34" charset="-122"/>
-                    <a:ea typeface="微软雅黑" panose="020B0503020204020204" pitchFamily="34" charset="-122"/>
-                  </a:rPr>
-                  <a:t>实验发现，</a:t>
-                </a:r>
-                <a:r>
-                  <a:rPr lang="en-US" altLang="zh-CN" b="0" dirty="0">
-                    <a:ea typeface="微软雅黑" panose="020B0503020204020204" pitchFamily="34" charset="-122"/>
-                  </a:rPr>
-                  <a:t> </a:t>
-                </a:r>
-                <a14:m>
-                  <m:oMath xmlns:m="http://schemas.openxmlformats.org/officeDocument/2006/math">
-                    <m:r>
-                      <a:rPr lang="en-US" altLang="zh-CN" b="0" i="1" dirty="0" smtClean="0">
-                        <a:latin typeface="Cambria Math" panose="02040503050406030204" pitchFamily="18" charset="0"/>
-                        <a:ea typeface="微软雅黑" panose="020B0503020204020204" pitchFamily="34" charset="-122"/>
-                      </a:rPr>
-                      <m:t>𝑐</m:t>
-                    </m:r>
-                    <m:r>
-                      <a:rPr lang="en-US" altLang="zh-CN" b="0" i="1" dirty="0" smtClean="0">
-                        <a:latin typeface="Cambria Math" panose="02040503050406030204" pitchFamily="18" charset="0"/>
-                        <a:ea typeface="微软雅黑" panose="020B0503020204020204" pitchFamily="34" charset="-122"/>
-                      </a:rPr>
-                      <m:t>=30</m:t>
-                    </m:r>
-                    <m:r>
-                      <a:rPr lang="zh-CN" altLang="en-US" i="1" dirty="0">
-                        <a:latin typeface="Cambria Math" panose="02040503050406030204" pitchFamily="18" charset="0"/>
-                        <a:ea typeface="微软雅黑" panose="020B0503020204020204" pitchFamily="34" charset="-122"/>
-                      </a:rPr>
-                      <m:t>效果</m:t>
-                    </m:r>
-                  </m:oMath>
-                </a14:m>
-                <a:r>
-                  <a:rPr lang="zh-CN" altLang="en-US" dirty="0">
-                    <a:latin typeface="微软雅黑" panose="020B0503020204020204" pitchFamily="34" charset="-122"/>
-                    <a:ea typeface="微软雅黑" panose="020B0503020204020204" pitchFamily="34" charset="-122"/>
-                  </a:rPr>
-                  <a:t>最好。</a:t>
-                </a:r>
-                <a:endParaRPr lang="en-US" altLang="zh-CN" dirty="0">
-                  <a:latin typeface="微软雅黑" panose="020B0503020204020204" pitchFamily="34" charset="-122"/>
-                  <a:ea typeface="微软雅黑" panose="020B0503020204020204" pitchFamily="34" charset="-122"/>
-                </a:endParaRPr>
-              </a:p>
-              <a:p>
-                <a:endParaRPr lang="en-US" altLang="zh-CN" dirty="0">
-                  <a:latin typeface="微软雅黑" panose="020B0503020204020204" pitchFamily="34" charset="-122"/>
-                  <a:ea typeface="微软雅黑" panose="020B0503020204020204" pitchFamily="34" charset="-122"/>
-                </a:endParaRPr>
-              </a:p>
-              <a:p>
-                <a:endParaRPr lang="zh-CN" altLang="en-US" dirty="0">
-                  <a:latin typeface="微软雅黑" panose="020B0503020204020204" pitchFamily="34" charset="-122"/>
-                  <a:ea typeface="微软雅黑" panose="020B0503020204020204" pitchFamily="34" charset="-122"/>
-                </a:endParaRPr>
-              </a:p>
-            </p:txBody>
-          </p:sp>
-        </mc:Choice>
-        <mc:Fallback xmlns="">
-          <p:sp>
-            <p:nvSpPr>
-              <p:cNvPr id="3" name="Content Placeholder 2">
-                <a:extLst>
-                  <a:ext uri="{FF2B5EF4-FFF2-40B4-BE49-F238E27FC236}">
-                    <a16:creationId xmlns:a16="http://schemas.microsoft.com/office/drawing/2014/main" id="{CC44C4EA-862B-D789-D5A0-F5CB808A6CC7}"/>
-                  </a:ext>
-                </a:extLst>
-              </p:cNvPr>
-              <p:cNvSpPr>
-                <a:spLocks noGrp="1" noRot="1" noChangeAspect="1" noMove="1" noResize="1" noEditPoints="1" noAdjustHandles="1" noChangeArrowheads="1" noChangeShapeType="1" noTextEdit="1"/>
-              </p:cNvSpPr>
-              <p:nvPr>
-                <p:ph idx="1"/>
-              </p:nvPr>
-            </p:nvSpPr>
-            <p:spPr>
-              <a:xfrm>
-                <a:off x="381000" y="1806963"/>
-                <a:ext cx="11104983" cy="4351338"/>
-              </a:xfrm>
-              <a:blipFill>
-                <a:blip r:embed="rId2"/>
-                <a:stretch>
-                  <a:fillRect l="-988" t="-2381" r="-549"/>
-                </a:stretch>
-              </a:blipFill>
-            </p:spPr>
-            <p:txBody>
-              <a:bodyPr/>
-              <a:lstStyle/>
-              <a:p>
-                <a:r>
-                  <a:rPr lang="zh-CN" altLang="en-US">
-                    <a:noFill/>
-                  </a:rPr>
-                  <a:t> </a:t>
-                </a:r>
-              </a:p>
-            </p:txBody>
-          </p:sp>
-        </mc:Fallback>
-      </mc:AlternateContent>
+      <p:sp>
+        <p:nvSpPr>
+          <p:cNvPr id="3" name="Content Placeholder 2">
+            <a:extLst>
+              <a:ext uri="{FF2B5EF4-FFF2-40B4-BE49-F238E27FC236}">
+                <a16:creationId xmlns:a16="http://schemas.microsoft.com/office/drawing/2014/main" id="{D81814D9-4B2D-E11B-E4E9-DE25A61A6240}"/>
+              </a:ext>
+            </a:extLst>
+          </p:cNvPr>
+          <p:cNvSpPr>
+            <a:spLocks noGrp="1"/>
+          </p:cNvSpPr>
+          <p:nvPr>
+            <p:ph idx="1"/>
+          </p:nvPr>
+        </p:nvSpPr>
+        <p:spPr/>
+        <p:txBody>
+          <a:bodyPr>
+            <a:normAutofit/>
+          </a:bodyPr>
+          <a:lstStyle/>
+          <a:p>
+            <a:r>
+              <a:rPr lang="zh-CN" altLang="en-US" sz="2400" dirty="0">
+                <a:latin typeface="微软雅黑" panose="020B0503020204020204" pitchFamily="34" charset="-122"/>
+                <a:ea typeface="微软雅黑" panose="020B0503020204020204" pitchFamily="34" charset="-122"/>
+              </a:rPr>
+              <a:t>假设输入向量</a:t>
+            </a:r>
+            <a:endParaRPr lang="en-US" altLang="zh-CN" sz="2400" dirty="0">
+              <a:latin typeface="微软雅黑" panose="020B0503020204020204" pitchFamily="34" charset="-122"/>
+              <a:ea typeface="微软雅黑" panose="020B0503020204020204" pitchFamily="34" charset="-122"/>
+            </a:endParaRPr>
+          </a:p>
+          <a:p>
+            <a:r>
+              <a:rPr lang="zh-CN" altLang="en-US" sz="2400" dirty="0">
+                <a:latin typeface="微软雅黑" panose="020B0503020204020204" pitchFamily="34" charset="-122"/>
+                <a:ea typeface="微软雅黑" panose="020B0503020204020204" pitchFamily="34" charset="-122"/>
+              </a:rPr>
+              <a:t>假设权重</a:t>
+            </a:r>
+            <a:endParaRPr lang="en-US" altLang="zh-CN" sz="2400" dirty="0">
+              <a:latin typeface="微软雅黑" panose="020B0503020204020204" pitchFamily="34" charset="-122"/>
+              <a:ea typeface="微软雅黑" panose="020B0503020204020204" pitchFamily="34" charset="-122"/>
+            </a:endParaRPr>
+          </a:p>
+          <a:p>
+            <a:r>
+              <a:rPr lang="zh-CN" altLang="en-US" sz="2400" dirty="0">
+                <a:latin typeface="微软雅黑" panose="020B0503020204020204" pitchFamily="34" charset="-122"/>
+                <a:ea typeface="微软雅黑" panose="020B0503020204020204" pitchFamily="34" charset="-122"/>
+              </a:rPr>
+              <a:t>可以证明</a:t>
+            </a:r>
+            <a:r>
+              <a:rPr lang="en-US" altLang="zh-CN" sz="2400" dirty="0">
+                <a:latin typeface="微软雅黑" panose="020B0503020204020204" pitchFamily="34" charset="-122"/>
+                <a:ea typeface="微软雅黑" panose="020B0503020204020204" pitchFamily="34" charset="-122"/>
+              </a:rPr>
+              <a:t>x</a:t>
+            </a:r>
+            <a:r>
+              <a:rPr lang="zh-CN" altLang="en-US" sz="2400" dirty="0">
+                <a:latin typeface="微软雅黑" panose="020B0503020204020204" pitchFamily="34" charset="-122"/>
+                <a:ea typeface="微软雅黑" panose="020B0503020204020204" pitchFamily="34" charset="-122"/>
+              </a:rPr>
+              <a:t>维度够大时</a:t>
+            </a:r>
+            <a:endParaRPr lang="en-US" altLang="zh-CN" sz="2400" dirty="0">
+              <a:latin typeface="微软雅黑" panose="020B0503020204020204" pitchFamily="34" charset="-122"/>
+              <a:ea typeface="微软雅黑" panose="020B0503020204020204" pitchFamily="34" charset="-122"/>
+            </a:endParaRPr>
+          </a:p>
+          <a:p>
+            <a:r>
+              <a:rPr lang="zh-CN" altLang="en-US" sz="2400" dirty="0">
+                <a:latin typeface="微软雅黑" panose="020B0503020204020204" pitchFamily="34" charset="-122"/>
+                <a:ea typeface="微软雅黑" panose="020B0503020204020204" pitchFamily="34" charset="-122"/>
+              </a:rPr>
+              <a:t>输出</a:t>
+            </a:r>
+            <a:endParaRPr lang="en-US" altLang="zh-CN" sz="2400" dirty="0">
+              <a:latin typeface="微软雅黑" panose="020B0503020204020204" pitchFamily="34" charset="-122"/>
+              <a:ea typeface="微软雅黑" panose="020B0503020204020204" pitchFamily="34" charset="-122"/>
+            </a:endParaRPr>
+          </a:p>
+          <a:p>
+            <a:r>
+              <a:rPr lang="zh-CN" altLang="en-US" sz="2400" dirty="0">
+                <a:latin typeface="微软雅黑" panose="020B0503020204020204" pitchFamily="34" charset="-122"/>
+                <a:ea typeface="微软雅黑" panose="020B0503020204020204" pitchFamily="34" charset="-122"/>
+              </a:rPr>
+              <a:t>进入下一层，进行全连接</a:t>
+            </a:r>
+            <a:endParaRPr lang="en-US" altLang="zh-CN" sz="2400" dirty="0">
+              <a:latin typeface="微软雅黑" panose="020B0503020204020204" pitchFamily="34" charset="-122"/>
+              <a:ea typeface="微软雅黑" panose="020B0503020204020204" pitchFamily="34" charset="-122"/>
+            </a:endParaRPr>
+          </a:p>
+          <a:p>
+            <a:r>
+              <a:rPr lang="zh-CN" altLang="en-US" sz="2400" dirty="0">
+                <a:latin typeface="微软雅黑" panose="020B0503020204020204" pitchFamily="34" charset="-122"/>
+                <a:ea typeface="微软雅黑" panose="020B0503020204020204" pitchFamily="34" charset="-122"/>
+              </a:rPr>
+              <a:t>再输出</a:t>
+            </a:r>
+            <a:endParaRPr lang="en-US" altLang="zh-CN" sz="2400" dirty="0">
+              <a:latin typeface="微软雅黑" panose="020B0503020204020204" pitchFamily="34" charset="-122"/>
+              <a:ea typeface="微软雅黑" panose="020B0503020204020204" pitchFamily="34" charset="-122"/>
+            </a:endParaRPr>
+          </a:p>
+          <a:p>
+            <a:r>
+              <a:rPr lang="zh-CN" altLang="en-US" sz="2400" dirty="0">
+                <a:latin typeface="微软雅黑" panose="020B0503020204020204" pitchFamily="34" charset="-122"/>
+                <a:ea typeface="微软雅黑" panose="020B0503020204020204" pitchFamily="34" charset="-122"/>
+              </a:rPr>
+              <a:t>如此以往，点乘以及激活过后的数据分布始终维持不变，网络稳定</a:t>
+            </a:r>
+            <a:endParaRPr lang="en-US" altLang="zh-CN" sz="2400" dirty="0">
+              <a:latin typeface="微软雅黑" panose="020B0503020204020204" pitchFamily="34" charset="-122"/>
+              <a:ea typeface="微软雅黑" panose="020B0503020204020204" pitchFamily="34" charset="-122"/>
+            </a:endParaRPr>
+          </a:p>
+          <a:p>
+            <a:endParaRPr lang="en-US" altLang="zh-CN" sz="2400" dirty="0">
+              <a:latin typeface="微软雅黑" panose="020B0503020204020204" pitchFamily="34" charset="-122"/>
+              <a:ea typeface="微软雅黑" panose="020B0503020204020204" pitchFamily="34" charset="-122"/>
+            </a:endParaRPr>
+          </a:p>
+          <a:p>
+            <a:r>
+              <a:rPr lang="zh-CN" altLang="en-US" sz="2400" dirty="0">
+                <a:latin typeface="微软雅黑" panose="020B0503020204020204" pitchFamily="34" charset="-122"/>
+                <a:ea typeface="微软雅黑" panose="020B0503020204020204" pitchFamily="34" charset="-122"/>
+              </a:rPr>
+              <a:t>（为了方便理解，这里过程有所简化，严谨的过程请看原文）</a:t>
+            </a:r>
+            <a:endParaRPr lang="en-US" altLang="zh-CN" sz="2400" dirty="0">
+              <a:latin typeface="微软雅黑" panose="020B0503020204020204" pitchFamily="34" charset="-122"/>
+              <a:ea typeface="微软雅黑" panose="020B0503020204020204" pitchFamily="34" charset="-122"/>
+            </a:endParaRPr>
+          </a:p>
+          <a:p>
+            <a:pPr marL="0" indent="0">
+              <a:buNone/>
+            </a:pPr>
+            <a:endParaRPr lang="en-US" altLang="zh-CN" sz="2400" dirty="0">
+              <a:latin typeface="微软雅黑" panose="020B0503020204020204" pitchFamily="34" charset="-122"/>
+              <a:ea typeface="微软雅黑" panose="020B0503020204020204" pitchFamily="34" charset="-122"/>
+            </a:endParaRPr>
+          </a:p>
+          <a:p>
+            <a:endParaRPr lang="zh-CN" altLang="en-US" sz="2400" dirty="0">
+              <a:latin typeface="微软雅黑" panose="020B0503020204020204" pitchFamily="34" charset="-122"/>
+              <a:ea typeface="微软雅黑" panose="020B0503020204020204" pitchFamily="34" charset="-122"/>
+            </a:endParaRPr>
+          </a:p>
+        </p:txBody>
+      </p:sp>
       <p:pic>
         <p:nvPicPr>
-          <p:cNvPr id="8" name="Picture 7">
-            <a:extLst>
-              <a:ext uri="{FF2B5EF4-FFF2-40B4-BE49-F238E27FC236}">
-                <a16:creationId xmlns:a16="http://schemas.microsoft.com/office/drawing/2014/main" id="{F0F17357-AA0D-467C-49C6-5B3FB715DAAA}"/>
+          <p:cNvPr id="5" name="Picture 4">
+            <a:extLst>
+              <a:ext uri="{FF2B5EF4-FFF2-40B4-BE49-F238E27FC236}">
+                <a16:creationId xmlns:a16="http://schemas.microsoft.com/office/drawing/2014/main" id="{8B62687F-69B3-9D75-D646-4003A94CE6B9}"/>
               </a:ext>
             </a:extLst>
           </p:cNvPr>
@@ -10400,15 +10775,215 @@
           <p:nvPr/>
         </p:nvPicPr>
         <p:blipFill>
-          <a:blip r:embed="rId3"/>
+          <a:blip r:embed="rId4"/>
           <a:stretch>
             <a:fillRect/>
           </a:stretch>
         </p:blipFill>
         <p:spPr>
           <a:xfrm>
-            <a:off x="3773385" y="4355810"/>
-            <a:ext cx="4645230" cy="1625111"/>
+            <a:off x="3066230" y="1825625"/>
+            <a:ext cx="2408740" cy="436908"/>
+          </a:xfrm>
+          <a:prstGeom prst="rect">
+            <a:avLst/>
+          </a:prstGeom>
+        </p:spPr>
+      </p:pic>
+      <p:pic>
+        <p:nvPicPr>
+          <p:cNvPr id="11" name="Picture 10">
+            <a:extLst>
+              <a:ext uri="{FF2B5EF4-FFF2-40B4-BE49-F238E27FC236}">
+                <a16:creationId xmlns:a16="http://schemas.microsoft.com/office/drawing/2014/main" id="{7B002B92-F02D-576E-029B-7E1C6F99F3A6}"/>
+              </a:ext>
+            </a:extLst>
+          </p:cNvPr>
+          <p:cNvPicPr>
+            <a:picLocks noChangeAspect="1"/>
+          </p:cNvPicPr>
+          <p:nvPr/>
+        </p:nvPicPr>
+        <p:blipFill>
+          <a:blip r:embed="rId5"/>
+          <a:stretch>
+            <a:fillRect/>
+          </a:stretch>
+        </p:blipFill>
+        <p:spPr>
+          <a:xfrm>
+            <a:off x="2522245" y="2266300"/>
+            <a:ext cx="3200000" cy="371429"/>
+          </a:xfrm>
+          <a:prstGeom prst="rect">
+            <a:avLst/>
+          </a:prstGeom>
+        </p:spPr>
+      </p:pic>
+      <p:pic>
+        <p:nvPicPr>
+          <p:cNvPr id="13" name="Picture 12">
+            <a:extLst>
+              <a:ext uri="{FF2B5EF4-FFF2-40B4-BE49-F238E27FC236}">
+                <a16:creationId xmlns:a16="http://schemas.microsoft.com/office/drawing/2014/main" id="{5E1DB7F0-D841-B8D0-D9A6-9DB20F2C8C09}"/>
+              </a:ext>
+            </a:extLst>
+          </p:cNvPr>
+          <p:cNvPicPr>
+            <a:picLocks noChangeAspect="1"/>
+          </p:cNvPicPr>
+          <p:nvPr/>
+        </p:nvPicPr>
+        <p:blipFill>
+          <a:blip r:embed="rId6"/>
+          <a:stretch>
+            <a:fillRect/>
+          </a:stretch>
+        </p:blipFill>
+        <p:spPr>
+          <a:xfrm>
+            <a:off x="4174970" y="2772666"/>
+            <a:ext cx="2600000" cy="447619"/>
+          </a:xfrm>
+          <a:prstGeom prst="rect">
+            <a:avLst/>
+          </a:prstGeom>
+        </p:spPr>
+      </p:pic>
+      <p:pic>
+        <p:nvPicPr>
+          <p:cNvPr id="15" name="Picture 14">
+            <a:extLst>
+              <a:ext uri="{FF2B5EF4-FFF2-40B4-BE49-F238E27FC236}">
+                <a16:creationId xmlns:a16="http://schemas.microsoft.com/office/drawing/2014/main" id="{20810B84-A7EC-C579-8789-6C60FCA8095D}"/>
+              </a:ext>
+            </a:extLst>
+          </p:cNvPr>
+          <p:cNvPicPr>
+            <a:picLocks noChangeAspect="1"/>
+          </p:cNvPicPr>
+          <p:nvPr/>
+        </p:nvPicPr>
+        <p:blipFill>
+          <a:blip r:embed="rId7"/>
+          <a:stretch>
+            <a:fillRect/>
+          </a:stretch>
+        </p:blipFill>
+        <p:spPr>
+          <a:xfrm>
+            <a:off x="1928383" y="3194294"/>
+            <a:ext cx="2542857" cy="390476"/>
+          </a:xfrm>
+          <a:prstGeom prst="rect">
+            <a:avLst/>
+          </a:prstGeom>
+        </p:spPr>
+      </p:pic>
+      <p:pic>
+        <p:nvPicPr>
+          <p:cNvPr id="17" name="Picture 16">
+            <a:extLst>
+              <a:ext uri="{FF2B5EF4-FFF2-40B4-BE49-F238E27FC236}">
+                <a16:creationId xmlns:a16="http://schemas.microsoft.com/office/drawing/2014/main" id="{FA514D73-D1E9-E2A0-7EED-62F2AFF7BF77}"/>
+              </a:ext>
+            </a:extLst>
+          </p:cNvPr>
+          <p:cNvPicPr>
+            <a:picLocks noChangeAspect="1"/>
+          </p:cNvPicPr>
+          <p:nvPr/>
+        </p:nvPicPr>
+        <p:blipFill>
+          <a:blip r:embed="rId8"/>
+          <a:stretch>
+            <a:fillRect/>
+          </a:stretch>
+        </p:blipFill>
+        <p:spPr>
+          <a:xfrm>
+            <a:off x="4457147" y="3233660"/>
+            <a:ext cx="2228571" cy="371429"/>
+          </a:xfrm>
+          <a:prstGeom prst="rect">
+            <a:avLst/>
+          </a:prstGeom>
+        </p:spPr>
+      </p:pic>
+      <p:pic>
+        <p:nvPicPr>
+          <p:cNvPr id="23" name="Picture 22" descr="\documentclass{article}&#10;\usepackage{amsmath}&#10;\usepackage{color}&#10;\usepackage{amsfonts,amssymb}&#10;\usepackage{algorithmic}&#10;\usepackage{algorithm}&#10;\pagestyle{empty}&#10;\begin{document}&#10;$w^T y\sim \mathcal{N}(0,c^2/6)$&#10;\end{document}" title="IguanaTex Bitmap Display">
+            <a:extLst>
+              <a:ext uri="{FF2B5EF4-FFF2-40B4-BE49-F238E27FC236}">
+                <a16:creationId xmlns:a16="http://schemas.microsoft.com/office/drawing/2014/main" id="{2AADADD6-C539-4251-1E31-A5CFF17D9841}"/>
+              </a:ext>
+            </a:extLst>
+          </p:cNvPr>
+          <p:cNvPicPr>
+            <a:picLocks noChangeAspect="1"/>
+          </p:cNvPicPr>
+          <p:nvPr>
+            <p:custDataLst>
+              <p:tags r:id="rId1"/>
+            </p:custDataLst>
+          </p:nvPr>
+        </p:nvPicPr>
+        <p:blipFill>
+          <a:blip r:embed="rId9">
+            <a:extLst>
+              <a:ext uri="{28A0092B-C50C-407E-A947-70E740481C1C}">
+                <a14:useLocalDpi xmlns:a14="http://schemas.microsoft.com/office/drawing/2010/main" val="0"/>
+              </a:ext>
+            </a:extLst>
+          </a:blip>
+          <a:stretch>
+            <a:fillRect/>
+          </a:stretch>
+        </p:blipFill>
+        <p:spPr>
+          <a:xfrm>
+            <a:off x="4640506" y="3670322"/>
+            <a:ext cx="2331428" cy="330972"/>
+          </a:xfrm>
+          <a:prstGeom prst="rect">
+            <a:avLst/>
+          </a:prstGeom>
+        </p:spPr>
+      </p:pic>
+      <p:pic>
+        <p:nvPicPr>
+          <p:cNvPr id="25" name="Picture 24" descr="\documentclass{article}&#10;\usepackage{amsmath}&#10;\usepackage{color}&#10;\usepackage{amsfonts,amssymb}&#10;\usepackage{algorithmic}&#10;\usepackage{algorithm}&#10;\pagestyle{empty}&#10;\begin{document}&#10;$\sin(w^T y+b)\sim \mathrm{arcsin}(-1,1)$&#10;\end{document}" title="IguanaTex Bitmap Display">
+            <a:extLst>
+              <a:ext uri="{FF2B5EF4-FFF2-40B4-BE49-F238E27FC236}">
+                <a16:creationId xmlns:a16="http://schemas.microsoft.com/office/drawing/2014/main" id="{BD6640D8-F74C-04AD-6ACB-B2F3E41994F2}"/>
+              </a:ext>
+            </a:extLst>
+          </p:cNvPr>
+          <p:cNvPicPr>
+            <a:picLocks noChangeAspect="1"/>
+          </p:cNvPicPr>
+          <p:nvPr>
+            <p:custDataLst>
+              <p:tags r:id="rId2"/>
+            </p:custDataLst>
+          </p:nvPr>
+        </p:nvPicPr>
+        <p:blipFill>
+          <a:blip r:embed="rId10">
+            <a:extLst>
+              <a:ext uri="{28A0092B-C50C-407E-A947-70E740481C1C}">
+                <a14:useLocalDpi xmlns:a14="http://schemas.microsoft.com/office/drawing/2010/main" val="0"/>
+              </a:ext>
+            </a:extLst>
+          </a:blip>
+          <a:stretch>
+            <a:fillRect/>
+          </a:stretch>
+        </p:blipFill>
+        <p:spPr>
+          <a:xfrm>
+            <a:off x="2251616" y="4127652"/>
+            <a:ext cx="3741257" cy="330972"/>
           </a:xfrm>
           <a:prstGeom prst="rect">
             <a:avLst/>
@@ -10418,7 +10993,7 @@
     </p:spTree>
     <p:extLst>
       <p:ext uri="{BB962C8B-B14F-4D97-AF65-F5344CB8AC3E}">
-        <p14:creationId xmlns:p14="http://schemas.microsoft.com/office/powerpoint/2010/main" val="384816258"/>
+        <p14:creationId xmlns:p14="http://schemas.microsoft.com/office/powerpoint/2010/main" val="571421629"/>
       </p:ext>
     </p:extLst>
   </p:cSld>

--- a/INR&PE.pptx
+++ b/INR&PE.pptx
@@ -3724,8 +3724,8 @@
           </a:p>
         </p:txBody>
       </p:sp>
-      <mc:AlternateContent xmlns:mc="http://schemas.openxmlformats.org/markup-compatibility/2006" xmlns:a14="http://schemas.microsoft.com/office/drawing/2010/main">
-        <mc:Choice Requires="a14">
+      <mc:AlternateContent xmlns:mc="http://schemas.openxmlformats.org/markup-compatibility/2006">
+        <mc:Choice xmlns:a14="http://schemas.microsoft.com/office/drawing/2010/main" Requires="a14">
           <p:sp>
             <p:nvSpPr>
               <p:cNvPr id="3" name="Content Placeholder 2">
@@ -3872,7 +3872,7 @@
                     <a:latin typeface="微软雅黑" panose="020B0503020204020204" pitchFamily="34" charset="-122"/>
                     <a:ea typeface="微软雅黑" panose="020B0503020204020204" pitchFamily="34" charset="-122"/>
                   </a:rPr>
-                  <a:t>为了解决这个问题，我需要在</a:t>
+                  <a:t>为了解决这个问题，我需要在网络第一层</a:t>
                 </a:r>
                 <a:r>
                   <a:rPr lang="en-US" altLang="zh-CN" dirty="0">
@@ -4081,7 +4081,7 @@
             </p:txBody>
           </p:sp>
         </mc:Choice>
-        <mc:Fallback xmlns="">
+        <mc:Fallback>
           <p:sp>
             <p:nvSpPr>
               <p:cNvPr id="3" name="Content Placeholder 2">
@@ -8519,7 +8519,7 @@
         </p:blipFill>
         <p:spPr>
           <a:xfrm>
-            <a:off x="1308708" y="2123163"/>
+            <a:off x="1427330" y="2084662"/>
             <a:ext cx="9337339" cy="4230983"/>
           </a:xfrm>
           <a:prstGeom prst="rect">
@@ -9376,8 +9376,8 @@
           </a:p>
         </p:txBody>
       </p:sp>
-      <mc:AlternateContent xmlns:mc="http://schemas.openxmlformats.org/markup-compatibility/2006">
-        <mc:Choice xmlns:a14="http://schemas.microsoft.com/office/drawing/2010/main" Requires="a14">
+      <mc:AlternateContent xmlns:mc="http://schemas.openxmlformats.org/markup-compatibility/2006" xmlns:a14="http://schemas.microsoft.com/office/drawing/2010/main">
+        <mc:Choice Requires="a14">
           <p:sp>
             <p:nvSpPr>
               <p:cNvPr id="3" name="Content Placeholder 2">
@@ -9625,7 +9625,7 @@
             </p:txBody>
           </p:sp>
         </mc:Choice>
-        <mc:Fallback>
+        <mc:Fallback xmlns="">
           <p:sp>
             <p:nvSpPr>
               <p:cNvPr id="3" name="Content Placeholder 2">
